--- a/TPs/TP_03_Drone_Dynamique/CoupleGyroscopique.pptx
+++ b/TPs/TP_03_Drone_Dynamique/CoupleGyroscopique.pptx
@@ -5,10 +5,11 @@
     <p:sldMasterId id="2147483648" r:id="rId1"/>
   </p:sldMasterIdLst>
   <p:notesMasterIdLst>
-    <p:notesMasterId r:id="rId3"/>
+    <p:notesMasterId r:id="rId4"/>
   </p:notesMasterIdLst>
   <p:sldIdLst>
     <p:sldId id="256" r:id="rId2"/>
+    <p:sldId id="257" r:id="rId3"/>
   </p:sldIdLst>
   <p:sldSz cx="12192000" cy="6858000"/>
   <p:notesSz cx="6858000" cy="9144000"/>
@@ -107,6 +108,11 @@
       </a:defRPr>
     </a:lvl9pPr>
   </p:defaultTextStyle>
+  <p:extLst>
+    <p:ext uri="{EFAFB233-063F-42B5-8137-9DF3F51BA10A}">
+      <p15:sldGuideLst xmlns:p15="http://schemas.microsoft.com/office/powerpoint/2012/main"/>
+    </p:ext>
+  </p:extLst>
 </p:presentation>
 </file>
 
@@ -192,7 +198,7 @@
           <a:p>
             <a:fld id="{C2724797-D9A5-42EF-BED9-5853E611E6A4}" type="datetimeFigureOut">
               <a:rPr lang="fr-FR" smtClean="0"/>
-              <a:t>05/12/2018</a:t>
+              <a:t>16/12/2022</a:t>
             </a:fld>
             <a:endParaRPr lang="fr-FR"/>
           </a:p>
@@ -690,7 +696,7 @@
           <a:p>
             <a:fld id="{85E56C94-0564-4D6E-ACD0-6DF4DAADB4C5}" type="datetimeFigureOut">
               <a:rPr lang="fr-FR" smtClean="0"/>
-              <a:t>05/12/2018</a:t>
+              <a:t>16/12/2022</a:t>
             </a:fld>
             <a:endParaRPr lang="fr-FR"/>
           </a:p>
@@ -888,7 +894,7 @@
           <a:p>
             <a:fld id="{85E56C94-0564-4D6E-ACD0-6DF4DAADB4C5}" type="datetimeFigureOut">
               <a:rPr lang="fr-FR" smtClean="0"/>
-              <a:t>05/12/2018</a:t>
+              <a:t>16/12/2022</a:t>
             </a:fld>
             <a:endParaRPr lang="fr-FR"/>
           </a:p>
@@ -1096,7 +1102,7 @@
           <a:p>
             <a:fld id="{85E56C94-0564-4D6E-ACD0-6DF4DAADB4C5}" type="datetimeFigureOut">
               <a:rPr lang="fr-FR" smtClean="0"/>
-              <a:t>05/12/2018</a:t>
+              <a:t>16/12/2022</a:t>
             </a:fld>
             <a:endParaRPr lang="fr-FR"/>
           </a:p>
@@ -1294,7 +1300,7 @@
           <a:p>
             <a:fld id="{85E56C94-0564-4D6E-ACD0-6DF4DAADB4C5}" type="datetimeFigureOut">
               <a:rPr lang="fr-FR" smtClean="0"/>
-              <a:t>05/12/2018</a:t>
+              <a:t>16/12/2022</a:t>
             </a:fld>
             <a:endParaRPr lang="fr-FR"/>
           </a:p>
@@ -1569,7 +1575,7 @@
           <a:p>
             <a:fld id="{85E56C94-0564-4D6E-ACD0-6DF4DAADB4C5}" type="datetimeFigureOut">
               <a:rPr lang="fr-FR" smtClean="0"/>
-              <a:t>05/12/2018</a:t>
+              <a:t>16/12/2022</a:t>
             </a:fld>
             <a:endParaRPr lang="fr-FR"/>
           </a:p>
@@ -1834,7 +1840,7 @@
           <a:p>
             <a:fld id="{85E56C94-0564-4D6E-ACD0-6DF4DAADB4C5}" type="datetimeFigureOut">
               <a:rPr lang="fr-FR" smtClean="0"/>
-              <a:t>05/12/2018</a:t>
+              <a:t>16/12/2022</a:t>
             </a:fld>
             <a:endParaRPr lang="fr-FR"/>
           </a:p>
@@ -2246,7 +2252,7 @@
           <a:p>
             <a:fld id="{85E56C94-0564-4D6E-ACD0-6DF4DAADB4C5}" type="datetimeFigureOut">
               <a:rPr lang="fr-FR" smtClean="0"/>
-              <a:t>05/12/2018</a:t>
+              <a:t>16/12/2022</a:t>
             </a:fld>
             <a:endParaRPr lang="fr-FR"/>
           </a:p>
@@ -2387,7 +2393,7 @@
           <a:p>
             <a:fld id="{85E56C94-0564-4D6E-ACD0-6DF4DAADB4C5}" type="datetimeFigureOut">
               <a:rPr lang="fr-FR" smtClean="0"/>
-              <a:t>05/12/2018</a:t>
+              <a:t>16/12/2022</a:t>
             </a:fld>
             <a:endParaRPr lang="fr-FR"/>
           </a:p>
@@ -2500,7 +2506,7 @@
           <a:p>
             <a:fld id="{85E56C94-0564-4D6E-ACD0-6DF4DAADB4C5}" type="datetimeFigureOut">
               <a:rPr lang="fr-FR" smtClean="0"/>
-              <a:t>05/12/2018</a:t>
+              <a:t>16/12/2022</a:t>
             </a:fld>
             <a:endParaRPr lang="fr-FR"/>
           </a:p>
@@ -2811,7 +2817,7 @@
           <a:p>
             <a:fld id="{85E56C94-0564-4D6E-ACD0-6DF4DAADB4C5}" type="datetimeFigureOut">
               <a:rPr lang="fr-FR" smtClean="0"/>
-              <a:t>05/12/2018</a:t>
+              <a:t>16/12/2022</a:t>
             </a:fld>
             <a:endParaRPr lang="fr-FR"/>
           </a:p>
@@ -3099,7 +3105,7 @@
           <a:p>
             <a:fld id="{85E56C94-0564-4D6E-ACD0-6DF4DAADB4C5}" type="datetimeFigureOut">
               <a:rPr lang="fr-FR" smtClean="0"/>
-              <a:t>05/12/2018</a:t>
+              <a:t>16/12/2022</a:t>
             </a:fld>
             <a:endParaRPr lang="fr-FR"/>
           </a:p>
@@ -3340,7 +3346,7 @@
           <a:p>
             <a:fld id="{85E56C94-0564-4D6E-ACD0-6DF4DAADB4C5}" type="datetimeFigureOut">
               <a:rPr lang="fr-FR" smtClean="0"/>
-              <a:t>05/12/2018</a:t>
+              <a:t>16/12/2022</a:t>
             </a:fld>
             <a:endParaRPr lang="fr-FR"/>
           </a:p>
@@ -4687,16 +4693,7 @@
                               <a:rPr lang="fr-FR" sz="1600" b="0" i="0" smtClean="0">
                                 <a:latin typeface="Cambria Math" panose="02040503050406030204" pitchFamily="18" charset="0"/>
                               </a:rPr>
-                              <m:t>s</m:t>
-                            </m:r>
-                            <m:r>
-                              <m:rPr>
-                                <m:sty m:val="p"/>
-                              </m:rPr>
-                              <a:rPr lang="fr-FR" sz="1600" b="0" i="0" smtClean="0">
-                                <a:latin typeface="Cambria Math" panose="02040503050406030204" pitchFamily="18" charset="0"/>
-                              </a:rPr>
-                              <m:t>in</m:t>
+                              <m:t>sin</m:t>
                             </m:r>
                           </m:fName>
                           <m:e>
@@ -4813,6 +4810,7 @@
                 <a:endParaRPr lang="fr-FR" sz="1600" dirty="0"/>
               </a:p>
               <a:p>
+                <a:pPr/>
                 <a14:m>
                   <m:oMathPara xmlns:m="http://schemas.openxmlformats.org/officeDocument/2006/math">
                     <m:oMathParaPr>
@@ -4969,12 +4967,31 @@
                                           </m:ctrlPr>
                                         </m:fPr>
                                         <m:num>
-                                          <m:r>
-                                            <a:rPr lang="fr-FR" sz="1600" b="0" i="1" smtClean="0">
-                                              <a:latin typeface="Cambria Math" panose="02040503050406030204" pitchFamily="18" charset="0"/>
-                                            </a:rPr>
-                                            <m:t>𝑂</m:t>
-                                          </m:r>
+                                          <m:sSub>
+                                            <m:sSubPr>
+                                              <m:ctrlPr>
+                                                <a:rPr lang="fr-FR" sz="1600" b="0" i="1" smtClean="0">
+                                                  <a:latin typeface="Cambria Math" panose="02040503050406030204" pitchFamily="18" charset="0"/>
+                                                </a:rPr>
+                                              </m:ctrlPr>
+                                            </m:sSubPr>
+                                            <m:e>
+                                              <m:r>
+                                                <a:rPr lang="fr-FR" sz="1600" b="0" i="1" smtClean="0">
+                                                  <a:latin typeface="Cambria Math" panose="02040503050406030204" pitchFamily="18" charset="0"/>
+                                                </a:rPr>
+                                                <m:t>𝐺</m:t>
+                                              </m:r>
+                                            </m:e>
+                                            <m:sub>
+                                              <m:r>
+                                                <a:rPr lang="fr-FR" sz="1600" b="0" i="1" smtClean="0">
+                                                  <a:latin typeface="Cambria Math" panose="02040503050406030204" pitchFamily="18" charset="0"/>
+                                                </a:rPr>
+                                                <m:t>2</m:t>
+                                              </m:r>
+                                            </m:sub>
+                                          </m:sSub>
                                           <m:r>
                                             <a:rPr lang="fr-FR" sz="1600" b="0" i="1" smtClean="0">
                                               <a:latin typeface="Cambria Math" panose="02040503050406030204" pitchFamily="18" charset="0"/>
@@ -5517,6 +5534,7 @@
                 </a:endParaRPr>
               </a:p>
               <a:p>
+                <a:pPr/>
                 <a14:m>
                   <m:oMathPara xmlns:m="http://schemas.openxmlformats.org/officeDocument/2006/math">
                     <m:oMathParaPr>
@@ -5672,12 +5690,31 @@
                                           </m:ctrlPr>
                                         </m:fPr>
                                         <m:num>
-                                          <m:r>
-                                            <a:rPr lang="fr-FR" sz="1600" b="0" i="1" smtClean="0">
-                                              <a:latin typeface="Cambria Math" panose="02040503050406030204" pitchFamily="18" charset="0"/>
-                                            </a:rPr>
-                                            <m:t>𝑂</m:t>
-                                          </m:r>
+                                          <m:sSub>
+                                            <m:sSubPr>
+                                              <m:ctrlPr>
+                                                <a:rPr lang="fr-FR" sz="1600" b="0" i="1" smtClean="0">
+                                                  <a:latin typeface="Cambria Math" panose="02040503050406030204" pitchFamily="18" charset="0"/>
+                                                </a:rPr>
+                                              </m:ctrlPr>
+                                            </m:sSubPr>
+                                            <m:e>
+                                              <m:r>
+                                                <a:rPr lang="fr-FR" sz="1600" b="0" i="1" smtClean="0">
+                                                  <a:latin typeface="Cambria Math" panose="02040503050406030204" pitchFamily="18" charset="0"/>
+                                                </a:rPr>
+                                                <m:t>𝐺</m:t>
+                                              </m:r>
+                                            </m:e>
+                                            <m:sub>
+                                              <m:r>
+                                                <a:rPr lang="fr-FR" sz="1600" b="0" i="1" smtClean="0">
+                                                  <a:latin typeface="Cambria Math" panose="02040503050406030204" pitchFamily="18" charset="0"/>
+                                                </a:rPr>
+                                                <m:t>2</m:t>
+                                              </m:r>
+                                            </m:sub>
+                                          </m:sSub>
                                           <m:r>
                                             <a:rPr lang="fr-FR" sz="1600" b="0" i="1" smtClean="0">
                                               <a:latin typeface="Cambria Math" panose="02040503050406030204" pitchFamily="18" charset="0"/>
@@ -5794,12 +5831,31 @@
                                                           </m:ctrlPr>
                                                         </m:fPr>
                                                         <m:num>
-                                                          <m:r>
-                                                            <a:rPr lang="fr-FR" sz="1600" b="0" i="1" smtClean="0">
-                                                              <a:latin typeface="Cambria Math" panose="02040503050406030204" pitchFamily="18" charset="0"/>
-                                                            </a:rPr>
-                                                            <m:t>𝑂</m:t>
-                                                          </m:r>
+                                                          <m:sSub>
+                                                            <m:sSubPr>
+                                                              <m:ctrlPr>
+                                                                <a:rPr lang="fr-FR" sz="1600" b="0" i="1" smtClean="0">
+                                                                  <a:latin typeface="Cambria Math" panose="02040503050406030204" pitchFamily="18" charset="0"/>
+                                                                </a:rPr>
+                                                              </m:ctrlPr>
+                                                            </m:sSubPr>
+                                                            <m:e>
+                                                              <m:r>
+                                                                <a:rPr lang="fr-FR" sz="1600" b="0" i="1" smtClean="0">
+                                                                  <a:latin typeface="Cambria Math" panose="02040503050406030204" pitchFamily="18" charset="0"/>
+                                                                </a:rPr>
+                                                                <m:t>𝐺</m:t>
+                                                              </m:r>
+                                                            </m:e>
+                                                            <m:sub>
+                                                              <m:r>
+                                                                <a:rPr lang="fr-FR" sz="1600" b="0" i="1" smtClean="0">
+                                                                  <a:latin typeface="Cambria Math" panose="02040503050406030204" pitchFamily="18" charset="0"/>
+                                                                </a:rPr>
+                                                                <m:t>2</m:t>
+                                                              </m:r>
+                                                            </m:sub>
+                                                          </m:sSub>
                                                           <m:r>
                                                             <a:rPr lang="fr-FR" sz="1600" b="0" i="1" smtClean="0">
                                                               <a:latin typeface="Cambria Math" panose="02040503050406030204" pitchFamily="18" charset="0"/>
@@ -6034,8 +6090,8 @@
             </a:fontRef>
           </p:style>
         </p:cxnSp>
-        <mc:AlternateContent xmlns:mc="http://schemas.openxmlformats.org/markup-compatibility/2006">
-          <mc:Choice xmlns:a14="http://schemas.microsoft.com/office/drawing/2010/main" Requires="a14">
+        <mc:AlternateContent xmlns:mc="http://schemas.openxmlformats.org/markup-compatibility/2006" xmlns:a14="http://schemas.microsoft.com/office/drawing/2010/main">
+          <mc:Choice Requires="a14">
             <p:sp>
               <p:nvSpPr>
                 <p:cNvPr id="34" name="Rectangle 33">
@@ -6063,6 +6119,7 @@
                 </a:bodyPr>
                 <a:lstStyle/>
                 <a:p>
+                  <a:pPr/>
                   <a14:m>
                     <m:oMathPara xmlns:m="http://schemas.openxmlformats.org/officeDocument/2006/math">
                       <m:oMathParaPr>
@@ -6114,7 +6171,7 @@
               </p:txBody>
             </p:sp>
           </mc:Choice>
-          <mc:Fallback>
+          <mc:Fallback xmlns="">
             <p:sp>
               <p:nvSpPr>
                 <p:cNvPr id="34" name="Rectangle 33">
@@ -6159,8 +6216,8 @@
             </p:sp>
           </mc:Fallback>
         </mc:AlternateContent>
-        <mc:AlternateContent xmlns:mc="http://schemas.openxmlformats.org/markup-compatibility/2006">
-          <mc:Choice xmlns:a14="http://schemas.microsoft.com/office/drawing/2010/main" Requires="a14">
+        <mc:AlternateContent xmlns:mc="http://schemas.openxmlformats.org/markup-compatibility/2006" xmlns:a14="http://schemas.microsoft.com/office/drawing/2010/main">
+          <mc:Choice Requires="a14">
             <p:sp>
               <p:nvSpPr>
                 <p:cNvPr id="35" name="Rectangle 34">
@@ -6188,6 +6245,7 @@
                 </a:bodyPr>
                 <a:lstStyle/>
                 <a:p>
+                  <a:pPr/>
                   <a14:m>
                     <m:oMathPara xmlns:m="http://schemas.openxmlformats.org/officeDocument/2006/math">
                       <m:oMathParaPr>
@@ -6239,7 +6297,7 @@
               </p:txBody>
             </p:sp>
           </mc:Choice>
-          <mc:Fallback>
+          <mc:Fallback xmlns="">
             <p:sp>
               <p:nvSpPr>
                 <p:cNvPr id="35" name="Rectangle 34">
@@ -6338,8 +6396,8 @@
             </a:p>
           </p:txBody>
         </p:sp>
-        <mc:AlternateContent xmlns:mc="http://schemas.openxmlformats.org/markup-compatibility/2006">
-          <mc:Choice xmlns:a14="http://schemas.microsoft.com/office/drawing/2010/main" Requires="a14">
+        <mc:AlternateContent xmlns:mc="http://schemas.openxmlformats.org/markup-compatibility/2006" xmlns:a14="http://schemas.microsoft.com/office/drawing/2010/main">
+          <mc:Choice Requires="a14">
             <p:sp>
               <p:nvSpPr>
                 <p:cNvPr id="37" name="Rectangle 36">
@@ -6367,6 +6425,7 @@
                 </a:bodyPr>
                 <a:lstStyle/>
                 <a:p>
+                  <a:pPr/>
                   <a14:m>
                     <m:oMathPara xmlns:m="http://schemas.openxmlformats.org/officeDocument/2006/math">
                       <m:oMathParaPr>
@@ -6418,7 +6477,7 @@
               </p:txBody>
             </p:sp>
           </mc:Choice>
-          <mc:Fallback>
+          <mc:Fallback xmlns="">
             <p:sp>
               <p:nvSpPr>
                 <p:cNvPr id="37" name="Rectangle 36">
@@ -6740,8 +6799,8 @@
             </p:style>
           </p:cxnSp>
         </p:grpSp>
-        <mc:AlternateContent xmlns:mc="http://schemas.openxmlformats.org/markup-compatibility/2006">
-          <mc:Choice xmlns:a14="http://schemas.microsoft.com/office/drawing/2010/main" Requires="a14">
+        <mc:AlternateContent xmlns:mc="http://schemas.openxmlformats.org/markup-compatibility/2006" xmlns:a14="http://schemas.microsoft.com/office/drawing/2010/main">
+          <mc:Choice Requires="a14">
             <p:sp>
               <p:nvSpPr>
                 <p:cNvPr id="43" name="Rectangle 42">
@@ -6769,6 +6828,7 @@
                 </a:bodyPr>
                 <a:lstStyle/>
                 <a:p>
+                  <a:pPr/>
                   <a14:m>
                     <m:oMathPara xmlns:m="http://schemas.openxmlformats.org/officeDocument/2006/math">
                       <m:oMathParaPr>
@@ -6820,7 +6880,7 @@
               </p:txBody>
             </p:sp>
           </mc:Choice>
-          <mc:Fallback>
+          <mc:Fallback xmlns="">
             <p:sp>
               <p:nvSpPr>
                 <p:cNvPr id="43" name="Rectangle 42">
@@ -6865,8 +6925,8 @@
             </p:sp>
           </mc:Fallback>
         </mc:AlternateContent>
-        <mc:AlternateContent xmlns:mc="http://schemas.openxmlformats.org/markup-compatibility/2006">
-          <mc:Choice xmlns:a14="http://schemas.microsoft.com/office/drawing/2010/main" Requires="a14">
+        <mc:AlternateContent xmlns:mc="http://schemas.openxmlformats.org/markup-compatibility/2006" xmlns:a14="http://schemas.microsoft.com/office/drawing/2010/main">
+          <mc:Choice Requires="a14">
             <p:sp>
               <p:nvSpPr>
                 <p:cNvPr id="44" name="Rectangle 43">
@@ -6894,6 +6954,7 @@
                 </a:bodyPr>
                 <a:lstStyle/>
                 <a:p>
+                  <a:pPr/>
                   <a14:m>
                     <m:oMathPara xmlns:m="http://schemas.openxmlformats.org/officeDocument/2006/math">
                       <m:oMathParaPr>
@@ -6945,7 +7006,7 @@
               </p:txBody>
             </p:sp>
           </mc:Choice>
-          <mc:Fallback>
+          <mc:Fallback xmlns="">
             <p:sp>
               <p:nvSpPr>
                 <p:cNvPr id="44" name="Rectangle 43">
@@ -7044,8 +7105,8 @@
             </a:p>
           </p:txBody>
         </p:sp>
-        <mc:AlternateContent xmlns:mc="http://schemas.openxmlformats.org/markup-compatibility/2006">
-          <mc:Choice xmlns:a14="http://schemas.microsoft.com/office/drawing/2010/main" Requires="a14">
+        <mc:AlternateContent xmlns:mc="http://schemas.openxmlformats.org/markup-compatibility/2006" xmlns:a14="http://schemas.microsoft.com/office/drawing/2010/main">
+          <mc:Choice Requires="a14">
             <p:sp>
               <p:nvSpPr>
                 <p:cNvPr id="46" name="Rectangle 45">
@@ -7073,6 +7134,7 @@
                 </a:bodyPr>
                 <a:lstStyle/>
                 <a:p>
+                  <a:pPr/>
                   <a14:m>
                     <m:oMathPara xmlns:m="http://schemas.openxmlformats.org/officeDocument/2006/math">
                       <m:oMathParaPr>
@@ -7124,7 +7186,7 @@
               </p:txBody>
             </p:sp>
           </mc:Choice>
-          <mc:Fallback>
+          <mc:Fallback xmlns="">
             <p:sp>
               <p:nvSpPr>
                 <p:cNvPr id="46" name="Rectangle 45">
@@ -7223,8 +7285,8 @@
             </a:p>
           </p:txBody>
         </p:sp>
-        <mc:AlternateContent xmlns:mc="http://schemas.openxmlformats.org/markup-compatibility/2006">
-          <mc:Choice xmlns:a14="http://schemas.microsoft.com/office/drawing/2010/main" Requires="a14">
+        <mc:AlternateContent xmlns:mc="http://schemas.openxmlformats.org/markup-compatibility/2006" xmlns:a14="http://schemas.microsoft.com/office/drawing/2010/main">
+          <mc:Choice Requires="a14">
             <p:sp>
               <p:nvSpPr>
                 <p:cNvPr id="52" name="Rectangle 51">
@@ -7252,6 +7314,7 @@
                 </a:bodyPr>
                 <a:lstStyle/>
                 <a:p>
+                  <a:pPr/>
                   <a14:m>
                     <m:oMathPara xmlns:m="http://schemas.openxmlformats.org/officeDocument/2006/math">
                       <m:oMathParaPr>
@@ -7303,7 +7366,7 @@
               </p:txBody>
             </p:sp>
           </mc:Choice>
-          <mc:Fallback>
+          <mc:Fallback xmlns="">
             <p:sp>
               <p:nvSpPr>
                 <p:cNvPr id="52" name="Rectangle 51">
@@ -7348,8 +7411,8 @@
             </p:sp>
           </mc:Fallback>
         </mc:AlternateContent>
-        <mc:AlternateContent xmlns:mc="http://schemas.openxmlformats.org/markup-compatibility/2006">
-          <mc:Choice xmlns:a14="http://schemas.microsoft.com/office/drawing/2010/main" Requires="a14">
+        <mc:AlternateContent xmlns:mc="http://schemas.openxmlformats.org/markup-compatibility/2006" xmlns:a14="http://schemas.microsoft.com/office/drawing/2010/main">
+          <mc:Choice Requires="a14">
             <p:sp>
               <p:nvSpPr>
                 <p:cNvPr id="53" name="Rectangle 52">
@@ -7377,6 +7440,7 @@
                 </a:bodyPr>
                 <a:lstStyle/>
                 <a:p>
+                  <a:pPr/>
                   <a14:m>
                     <m:oMathPara xmlns:m="http://schemas.openxmlformats.org/officeDocument/2006/math">
                       <m:oMathParaPr>
@@ -7428,7 +7492,7 @@
               </p:txBody>
             </p:sp>
           </mc:Choice>
-          <mc:Fallback>
+          <mc:Fallback xmlns="">
             <p:sp>
               <p:nvSpPr>
                 <p:cNvPr id="53" name="Rectangle 52">
@@ -7696,8 +7760,8 @@
             </p:style>
           </p:cxnSp>
         </p:grpSp>
-        <mc:AlternateContent xmlns:mc="http://schemas.openxmlformats.org/markup-compatibility/2006">
-          <mc:Choice xmlns:a14="http://schemas.microsoft.com/office/drawing/2010/main" Requires="a14">
+        <mc:AlternateContent xmlns:mc="http://schemas.openxmlformats.org/markup-compatibility/2006" xmlns:a14="http://schemas.microsoft.com/office/drawing/2010/main">
+          <mc:Choice Requires="a14">
             <p:sp>
               <p:nvSpPr>
                 <p:cNvPr id="58" name="Rectangle 57">
@@ -7725,6 +7789,7 @@
                 </a:bodyPr>
                 <a:lstStyle/>
                 <a:p>
+                  <a:pPr/>
                   <a14:m>
                     <m:oMathPara xmlns:m="http://schemas.openxmlformats.org/officeDocument/2006/math">
                       <m:oMathParaPr>
@@ -7776,7 +7841,7 @@
               </p:txBody>
             </p:sp>
           </mc:Choice>
-          <mc:Fallback>
+          <mc:Fallback xmlns="">
             <p:sp>
               <p:nvSpPr>
                 <p:cNvPr id="58" name="Rectangle 57">
@@ -7821,8 +7886,8 @@
             </p:sp>
           </mc:Fallback>
         </mc:AlternateContent>
-        <mc:AlternateContent xmlns:mc="http://schemas.openxmlformats.org/markup-compatibility/2006">
-          <mc:Choice xmlns:a14="http://schemas.microsoft.com/office/drawing/2010/main" Requires="a14">
+        <mc:AlternateContent xmlns:mc="http://schemas.openxmlformats.org/markup-compatibility/2006" xmlns:a14="http://schemas.microsoft.com/office/drawing/2010/main">
+          <mc:Choice Requires="a14">
             <p:sp>
               <p:nvSpPr>
                 <p:cNvPr id="59" name="Rectangle 58">
@@ -7850,6 +7915,7 @@
                 </a:bodyPr>
                 <a:lstStyle/>
                 <a:p>
+                  <a:pPr/>
                   <a14:m>
                     <m:oMathPara xmlns:m="http://schemas.openxmlformats.org/officeDocument/2006/math">
                       <m:oMathParaPr>
@@ -7901,7 +7967,7 @@
               </p:txBody>
             </p:sp>
           </mc:Choice>
-          <mc:Fallback>
+          <mc:Fallback xmlns="">
             <p:sp>
               <p:nvSpPr>
                 <p:cNvPr id="59" name="Rectangle 58">
@@ -8000,8 +8066,8 @@
             </a:p>
           </p:txBody>
         </p:sp>
-        <mc:AlternateContent xmlns:mc="http://schemas.openxmlformats.org/markup-compatibility/2006">
-          <mc:Choice xmlns:a14="http://schemas.microsoft.com/office/drawing/2010/main" Requires="a14">
+        <mc:AlternateContent xmlns:mc="http://schemas.openxmlformats.org/markup-compatibility/2006" xmlns:a14="http://schemas.microsoft.com/office/drawing/2010/main">
+          <mc:Choice Requires="a14">
             <p:sp>
               <p:nvSpPr>
                 <p:cNvPr id="61" name="Rectangle 60">
@@ -8029,6 +8095,7 @@
                 </a:bodyPr>
                 <a:lstStyle/>
                 <a:p>
+                  <a:pPr/>
                   <a14:m>
                     <m:oMathPara xmlns:m="http://schemas.openxmlformats.org/officeDocument/2006/math">
                       <m:oMathParaPr>
@@ -8080,7 +8147,7 @@
               </p:txBody>
             </p:sp>
           </mc:Choice>
-          <mc:Fallback>
+          <mc:Fallback xmlns="">
             <p:sp>
               <p:nvSpPr>
                 <p:cNvPr id="61" name="Rectangle 60">
@@ -8179,8 +8246,8 @@
             </a:p>
           </p:txBody>
         </p:sp>
-        <mc:AlternateContent xmlns:mc="http://schemas.openxmlformats.org/markup-compatibility/2006">
-          <mc:Choice xmlns:a14="http://schemas.microsoft.com/office/drawing/2010/main" Requires="a14">
+        <mc:AlternateContent xmlns:mc="http://schemas.openxmlformats.org/markup-compatibility/2006" xmlns:a14="http://schemas.microsoft.com/office/drawing/2010/main">
+          <mc:Choice Requires="a14">
             <p:sp>
               <p:nvSpPr>
                 <p:cNvPr id="63" name="Rectangle 62">
@@ -8208,6 +8275,7 @@
                 </a:bodyPr>
                 <a:lstStyle/>
                 <a:p>
+                  <a:pPr/>
                   <a14:m>
                     <m:oMathPara xmlns:m="http://schemas.openxmlformats.org/officeDocument/2006/math">
                       <m:oMathParaPr>
@@ -8259,7 +8327,7 @@
               </p:txBody>
             </p:sp>
           </mc:Choice>
-          <mc:Fallback>
+          <mc:Fallback xmlns="">
             <p:sp>
               <p:nvSpPr>
                 <p:cNvPr id="63" name="Rectangle 62">
@@ -8304,8 +8372,8 @@
             </p:sp>
           </mc:Fallback>
         </mc:AlternateContent>
-        <mc:AlternateContent xmlns:mc="http://schemas.openxmlformats.org/markup-compatibility/2006">
-          <mc:Choice xmlns:a14="http://schemas.microsoft.com/office/drawing/2010/main" Requires="a14">
+        <mc:AlternateContent xmlns:mc="http://schemas.openxmlformats.org/markup-compatibility/2006" xmlns:a14="http://schemas.microsoft.com/office/drawing/2010/main">
+          <mc:Choice Requires="a14">
             <p:sp>
               <p:nvSpPr>
                 <p:cNvPr id="64" name="Rectangle 63">
@@ -8333,6 +8401,7 @@
                 </a:bodyPr>
                 <a:lstStyle/>
                 <a:p>
+                  <a:pPr/>
                   <a14:m>
                     <m:oMathPara xmlns:m="http://schemas.openxmlformats.org/officeDocument/2006/math">
                       <m:oMathParaPr>
@@ -8384,7 +8453,7 @@
               </p:txBody>
             </p:sp>
           </mc:Choice>
-          <mc:Fallback>
+          <mc:Fallback xmlns="">
             <p:sp>
               <p:nvSpPr>
                 <p:cNvPr id="64" name="Rectangle 63">
@@ -8430,8 +8499,8 @@
           </mc:Fallback>
         </mc:AlternateContent>
       </p:grpSp>
-      <mc:AlternateContent xmlns:mc="http://schemas.openxmlformats.org/markup-compatibility/2006">
-        <mc:Choice xmlns:a14="http://schemas.microsoft.com/office/drawing/2010/main" Requires="a14">
+      <mc:AlternateContent xmlns:mc="http://schemas.openxmlformats.org/markup-compatibility/2006" xmlns:a14="http://schemas.microsoft.com/office/drawing/2010/main">
+        <mc:Choice Requires="a14">
           <p:sp>
             <p:nvSpPr>
               <p:cNvPr id="69" name="Rectangle 68">
@@ -8459,6 +8528,7 @@
               </a:bodyPr>
               <a:lstStyle/>
               <a:p>
+                <a:pPr/>
                 <a14:m>
                   <m:oMathPara xmlns:m="http://schemas.openxmlformats.org/officeDocument/2006/math">
                     <m:oMathParaPr>
@@ -8479,7 +8549,7 @@
             </p:txBody>
           </p:sp>
         </mc:Choice>
-        <mc:Fallback>
+        <mc:Fallback xmlns="">
           <p:sp>
             <p:nvSpPr>
               <p:cNvPr id="69" name="Rectangle 68">
@@ -8524,8 +8594,8 @@
           </p:sp>
         </mc:Fallback>
       </mc:AlternateContent>
-      <mc:AlternateContent xmlns:mc="http://schemas.openxmlformats.org/markup-compatibility/2006">
-        <mc:Choice xmlns:a14="http://schemas.microsoft.com/office/drawing/2010/main" Requires="a14">
+      <mc:AlternateContent xmlns:mc="http://schemas.openxmlformats.org/markup-compatibility/2006" xmlns:a14="http://schemas.microsoft.com/office/drawing/2010/main">
+        <mc:Choice Requires="a14">
           <p:sp>
             <p:nvSpPr>
               <p:cNvPr id="70" name="Rectangle 69">
@@ -8553,6 +8623,7 @@
               </a:bodyPr>
               <a:lstStyle/>
               <a:p>
+                <a:pPr/>
                 <a14:m>
                   <m:oMathPara xmlns:m="http://schemas.openxmlformats.org/officeDocument/2006/math">
                     <m:oMathParaPr>
@@ -8573,7 +8644,7 @@
             </p:txBody>
           </p:sp>
         </mc:Choice>
-        <mc:Fallback>
+        <mc:Fallback xmlns="">
           <p:sp>
             <p:nvSpPr>
               <p:cNvPr id="70" name="Rectangle 69">
@@ -8618,8 +8689,8 @@
           </p:sp>
         </mc:Fallback>
       </mc:AlternateContent>
-      <mc:AlternateContent xmlns:mc="http://schemas.openxmlformats.org/markup-compatibility/2006">
-        <mc:Choice xmlns:a14="http://schemas.microsoft.com/office/drawing/2010/main" Requires="a14">
+      <mc:AlternateContent xmlns:mc="http://schemas.openxmlformats.org/markup-compatibility/2006" xmlns:a14="http://schemas.microsoft.com/office/drawing/2010/main">
+        <mc:Choice Requires="a14">
           <p:sp>
             <p:nvSpPr>
               <p:cNvPr id="72" name="Rectangle 71">
@@ -9344,7 +9415,7 @@
             </p:txBody>
           </p:sp>
         </mc:Choice>
-        <mc:Fallback>
+        <mc:Fallback xmlns="">
           <p:sp>
             <p:nvSpPr>
               <p:cNvPr id="72" name="Rectangle 71">
@@ -9389,8 +9460,8 @@
           </p:sp>
         </mc:Fallback>
       </mc:AlternateContent>
-      <mc:AlternateContent xmlns:mc="http://schemas.openxmlformats.org/markup-compatibility/2006">
-        <mc:Choice xmlns:a14="http://schemas.microsoft.com/office/drawing/2010/main" Requires="a14">
+      <mc:AlternateContent xmlns:mc="http://schemas.openxmlformats.org/markup-compatibility/2006" xmlns:a14="http://schemas.microsoft.com/office/drawing/2010/main">
+        <mc:Choice Requires="a14">
           <p:sp>
             <p:nvSpPr>
               <p:cNvPr id="73" name="Rectangle 72">
@@ -9962,13 +10033,7 @@
                       <a:rPr lang="fr-FR" b="0" i="1" smtClean="0">
                         <a:latin typeface="Cambria Math" panose="02040503050406030204" pitchFamily="18" charset="0"/>
                       </a:rPr>
-                      <m:t>=</m:t>
-                    </m:r>
-                    <m:r>
-                      <a:rPr lang="fr-FR" b="0" i="1" smtClean="0">
-                        <a:latin typeface="Cambria Math" panose="02040503050406030204" pitchFamily="18" charset="0"/>
-                      </a:rPr>
-                      <m:t>−</m:t>
+                      <m:t>=−</m:t>
                     </m:r>
                     <m:acc>
                       <m:accPr>
@@ -10121,7 +10186,7 @@
             </p:txBody>
           </p:sp>
         </mc:Choice>
-        <mc:Fallback>
+        <mc:Fallback xmlns="">
           <p:sp>
             <p:nvSpPr>
               <p:cNvPr id="73" name="Rectangle 72">
@@ -10183,7 +10248,7 @@
             <p:spPr>
               <a:xfrm>
                 <a:off x="2527411" y="3038498"/>
-                <a:ext cx="10875572" cy="794064"/>
+                <a:ext cx="10875572" cy="1009507"/>
               </a:xfrm>
               <a:prstGeom prst="rect">
                 <a:avLst/>
@@ -10195,7 +10260,6 @@
               </a:bodyPr>
               <a:lstStyle/>
               <a:p>
-                <a:pPr/>
                 <a14:m>
                   <m:oMath xmlns:m="http://schemas.openxmlformats.org/officeDocument/2006/math">
                     <m:sSub>
@@ -10287,12 +10351,31 @@
                                                 </m:ctrlPr>
                                               </m:fPr>
                                               <m:num>
-                                                <m:r>
-                                                  <a:rPr lang="fr-FR" sz="1400" i="1">
-                                                    <a:latin typeface="Cambria Math" panose="02040503050406030204" pitchFamily="18" charset="0"/>
-                                                  </a:rPr>
-                                                  <m:t>𝑂</m:t>
-                                                </m:r>
+                                                <m:sSub>
+                                                  <m:sSubPr>
+                                                    <m:ctrlPr>
+                                                      <a:rPr lang="fr-FR" sz="1400" b="0" i="1" smtClean="0">
+                                                        <a:latin typeface="Cambria Math" panose="02040503050406030204" pitchFamily="18" charset="0"/>
+                                                      </a:rPr>
+                                                    </m:ctrlPr>
+                                                  </m:sSubPr>
+                                                  <m:e>
+                                                    <m:r>
+                                                      <a:rPr lang="fr-FR" sz="1400" b="0" i="1" smtClean="0">
+                                                        <a:latin typeface="Cambria Math" panose="02040503050406030204" pitchFamily="18" charset="0"/>
+                                                      </a:rPr>
+                                                      <m:t>𝐺</m:t>
+                                                    </m:r>
+                                                  </m:e>
+                                                  <m:sub>
+                                                    <m:r>
+                                                      <a:rPr lang="fr-FR" sz="1400" b="0" i="1" smtClean="0">
+                                                        <a:latin typeface="Cambria Math" panose="02040503050406030204" pitchFamily="18" charset="0"/>
+                                                      </a:rPr>
+                                                      <m:t>2</m:t>
+                                                    </m:r>
+                                                  </m:sub>
+                                                </m:sSub>
                                                 <m:r>
                                                   <a:rPr lang="fr-FR" sz="1400" i="1">
                                                     <a:latin typeface="Cambria Math" panose="02040503050406030204" pitchFamily="18" charset="0"/>
@@ -11377,6 +11460,9 @@
                 </a14:m>
                 <a:endParaRPr lang="fr-FR" sz="1400" dirty="0"/>
               </a:p>
+              <a:p>
+                <a:endParaRPr lang="fr-FR" sz="1400" dirty="0"/>
+              </a:p>
             </p:txBody>
           </p:sp>
         </mc:Choice>
@@ -11398,7 +11484,7 @@
             <p:spPr>
               <a:xfrm>
                 <a:off x="2527411" y="3038498"/>
-                <a:ext cx="10875572" cy="794064"/>
+                <a:ext cx="10875572" cy="1009507"/>
               </a:xfrm>
               <a:prstGeom prst="rect">
                 <a:avLst/>
@@ -11441,7 +11527,7 @@
             </p:nvSpPr>
             <p:spPr>
               <a:xfrm>
-                <a:off x="2527411" y="3943696"/>
+                <a:off x="2761827" y="4550643"/>
                 <a:ext cx="10875572" cy="706988"/>
               </a:xfrm>
               <a:prstGeom prst="rect">
@@ -11550,12 +11636,31 @@
                                                   </m:ctrlPr>
                                                 </m:fPr>
                                                 <m:num>
-                                                  <m:r>
-                                                    <a:rPr lang="fr-FR" sz="1400" i="1">
-                                                      <a:latin typeface="Cambria Math" panose="02040503050406030204" pitchFamily="18" charset="0"/>
-                                                    </a:rPr>
-                                                    <m:t>𝑂</m:t>
-                                                  </m:r>
+                                                  <m:sSub>
+                                                    <m:sSubPr>
+                                                      <m:ctrlPr>
+                                                        <a:rPr lang="fr-FR" sz="1400" b="0" i="1" smtClean="0">
+                                                          <a:latin typeface="Cambria Math" panose="02040503050406030204" pitchFamily="18" charset="0"/>
+                                                        </a:rPr>
+                                                      </m:ctrlPr>
+                                                    </m:sSubPr>
+                                                    <m:e>
+                                                      <m:r>
+                                                        <a:rPr lang="fr-FR" sz="1400" b="0" i="1" smtClean="0">
+                                                          <a:latin typeface="Cambria Math" panose="02040503050406030204" pitchFamily="18" charset="0"/>
+                                                        </a:rPr>
+                                                        <m:t>𝐺</m:t>
+                                                      </m:r>
+                                                    </m:e>
+                                                    <m:sub>
+                                                      <m:r>
+                                                        <a:rPr lang="fr-FR" sz="1400" b="0" i="1" smtClean="0">
+                                                          <a:latin typeface="Cambria Math" panose="02040503050406030204" pitchFamily="18" charset="0"/>
+                                                        </a:rPr>
+                                                        <m:t>2</m:t>
+                                                      </m:r>
+                                                    </m:sub>
+                                                  </m:sSub>
                                                   <m:r>
                                                     <a:rPr lang="fr-FR" sz="1400" i="1">
                                                       <a:latin typeface="Cambria Math" panose="02040503050406030204" pitchFamily="18" charset="0"/>
@@ -12075,7 +12180,7 @@
             </p:nvSpPr>
             <p:spPr>
               <a:xfrm>
-                <a:off x="2527411" y="3943696"/>
+                <a:off x="2761827" y="4550643"/>
                 <a:ext cx="10875572" cy="706988"/>
               </a:xfrm>
               <a:prstGeom prst="rect">
@@ -12107,6 +12212,7482 @@
     <p:extLst>
       <p:ext uri="{BB962C8B-B14F-4D97-AF65-F5344CB8AC3E}">
         <p14:creationId xmlns:p14="http://schemas.microsoft.com/office/powerpoint/2010/main" val="1516586266"/>
+      </p:ext>
+    </p:extLst>
+  </p:cSld>
+  <p:clrMapOvr>
+    <a:masterClrMapping/>
+  </p:clrMapOvr>
+</p:sld>
+</file>
+
+<file path=ppt/slides/slide2.xml><?xml version="1.0" encoding="utf-8"?>
+<p:sld xmlns:a="http://schemas.openxmlformats.org/drawingml/2006/main" xmlns:r="http://schemas.openxmlformats.org/officeDocument/2006/relationships" xmlns:p="http://schemas.openxmlformats.org/presentationml/2006/main">
+  <p:cSld>
+    <p:spTree>
+      <p:nvGrpSpPr>
+        <p:cNvPr id="1" name=""/>
+        <p:cNvGrpSpPr/>
+        <p:nvPr/>
+      </p:nvGrpSpPr>
+      <p:grpSpPr>
+        <a:xfrm>
+          <a:off x="0" y="0"/>
+          <a:ext cx="0" cy="0"/>
+          <a:chOff x="0" y="0"/>
+          <a:chExt cx="0" cy="0"/>
+        </a:xfrm>
+      </p:grpSpPr>
+      <p:sp>
+        <p:nvSpPr>
+          <p:cNvPr id="2" name="Titre 1">
+            <a:extLst>
+              <a:ext uri="{FF2B5EF4-FFF2-40B4-BE49-F238E27FC236}">
+                <a16:creationId xmlns:a16="http://schemas.microsoft.com/office/drawing/2014/main" id="{5DB960F7-F011-B5DC-1CC2-990CD87C1BD8}"/>
+              </a:ext>
+            </a:extLst>
+          </p:cNvPr>
+          <p:cNvSpPr>
+            <a:spLocks noGrp="1"/>
+          </p:cNvSpPr>
+          <p:nvPr>
+            <p:ph type="title"/>
+          </p:nvPr>
+        </p:nvSpPr>
+        <p:spPr/>
+        <p:txBody>
+          <a:bodyPr/>
+          <a:lstStyle/>
+          <a:p>
+            <a:r>
+              <a:rPr lang="fr-FR" dirty="0"/>
+              <a:t>Moment dynamique à corriger : il manque des moments d’inertie…</a:t>
+            </a:r>
+          </a:p>
+        </p:txBody>
+      </p:sp>
+      <mc:AlternateContent xmlns:mc="http://schemas.openxmlformats.org/markup-compatibility/2006">
+        <mc:Choice xmlns:a14="http://schemas.microsoft.com/office/drawing/2010/main" Requires="a14">
+          <p:sp>
+            <p:nvSpPr>
+              <p:cNvPr id="4" name="Rectangle 3">
+                <a:extLst>
+                  <a:ext uri="{FF2B5EF4-FFF2-40B4-BE49-F238E27FC236}">
+                    <a16:creationId xmlns:a16="http://schemas.microsoft.com/office/drawing/2014/main" id="{E3DDC123-F2F2-B249-FC3E-32906498160A}"/>
+                  </a:ext>
+                </a:extLst>
+              </p:cNvPr>
+              <p:cNvSpPr/>
+              <p:nvPr/>
+            </p:nvSpPr>
+            <p:spPr>
+              <a:xfrm>
+                <a:off x="403762" y="2064721"/>
+                <a:ext cx="11459688" cy="581441"/>
+              </a:xfrm>
+              <a:prstGeom prst="rect">
+                <a:avLst/>
+              </a:prstGeom>
+            </p:spPr>
+            <p:txBody>
+              <a:bodyPr wrap="square">
+                <a:spAutoFit/>
+              </a:bodyPr>
+              <a:lstStyle/>
+              <a:p>
+                <a14:m>
+                  <m:oMath xmlns:m="http://schemas.openxmlformats.org/officeDocument/2006/math">
+                    <m:acc>
+                      <m:accPr>
+                        <m:chr m:val="⃗"/>
+                        <m:ctrlPr>
+                          <a:rPr lang="fr-FR" sz="1400" i="1">
+                            <a:latin typeface="Cambria Math" panose="02040503050406030204" pitchFamily="18" charset="0"/>
+                            <a:ea typeface="Cambria Math" panose="02040503050406030204" pitchFamily="18" charset="0"/>
+                          </a:rPr>
+                        </m:ctrlPr>
+                      </m:accPr>
+                      <m:e>
+                        <m:r>
+                          <a:rPr lang="fr-FR" sz="1400" i="1">
+                            <a:latin typeface="Cambria Math" panose="02040503050406030204" pitchFamily="18" charset="0"/>
+                            <a:ea typeface="Cambria Math" panose="02040503050406030204" pitchFamily="18" charset="0"/>
+                          </a:rPr>
+                          <m:t>𝛿</m:t>
+                        </m:r>
+                        <m:d>
+                          <m:dPr>
+                            <m:ctrlPr>
+                              <a:rPr lang="fr-FR" sz="1400" i="1">
+                                <a:latin typeface="Cambria Math" panose="02040503050406030204" pitchFamily="18" charset="0"/>
+                              </a:rPr>
+                            </m:ctrlPr>
+                          </m:dPr>
+                          <m:e>
+                            <m:f>
+                              <m:fPr>
+                                <m:type m:val="lin"/>
+                                <m:ctrlPr>
+                                  <a:rPr lang="fr-FR" sz="1400" i="1">
+                                    <a:latin typeface="Cambria Math" panose="02040503050406030204" pitchFamily="18" charset="0"/>
+                                  </a:rPr>
+                                </m:ctrlPr>
+                              </m:fPr>
+                              <m:num>
+                                <m:sSub>
+                                  <m:sSubPr>
+                                    <m:ctrlPr>
+                                      <a:rPr lang="fr-FR" sz="1400" i="1">
+                                        <a:latin typeface="Cambria Math" panose="02040503050406030204" pitchFamily="18" charset="0"/>
+                                      </a:rPr>
+                                    </m:ctrlPr>
+                                  </m:sSubPr>
+                                  <m:e>
+                                    <m:r>
+                                      <a:rPr lang="fr-FR" sz="1400" i="1">
+                                        <a:latin typeface="Cambria Math" panose="02040503050406030204" pitchFamily="18" charset="0"/>
+                                      </a:rPr>
+                                      <m:t>𝐺</m:t>
+                                    </m:r>
+                                  </m:e>
+                                  <m:sub>
+                                    <m:r>
+                                      <a:rPr lang="fr-FR" sz="1400" i="1">
+                                        <a:latin typeface="Cambria Math" panose="02040503050406030204" pitchFamily="18" charset="0"/>
+                                      </a:rPr>
+                                      <m:t>2</m:t>
+                                    </m:r>
+                                  </m:sub>
+                                </m:sSub>
+                                <m:r>
+                                  <a:rPr lang="fr-FR" sz="1400" i="1">
+                                    <a:latin typeface="Cambria Math" panose="02040503050406030204" pitchFamily="18" charset="0"/>
+                                  </a:rPr>
+                                  <m:t>,2</m:t>
+                                </m:r>
+                              </m:num>
+                              <m:den>
+                                <m:r>
+                                  <a:rPr lang="fr-FR" sz="1400" i="1">
+                                    <a:latin typeface="Cambria Math" panose="02040503050406030204" pitchFamily="18" charset="0"/>
+                                  </a:rPr>
+                                  <m:t>0</m:t>
+                                </m:r>
+                              </m:den>
+                            </m:f>
+                          </m:e>
+                        </m:d>
+                      </m:e>
+                    </m:acc>
+                    <m:r>
+                      <a:rPr lang="fr-FR" sz="1400" i="1">
+                        <a:latin typeface="Cambria Math" panose="02040503050406030204" pitchFamily="18" charset="0"/>
+                        <a:ea typeface="Cambria Math" panose="02040503050406030204" pitchFamily="18" charset="0"/>
+                      </a:rPr>
+                      <m:t>=</m:t>
+                    </m:r>
+                    <m:r>
+                      <a:rPr lang="fr-FR" sz="1400" i="1">
+                        <a:latin typeface="Cambria Math" panose="02040503050406030204" pitchFamily="18" charset="0"/>
+                      </a:rPr>
+                      <m:t>𝐴</m:t>
+                    </m:r>
+                    <m:acc>
+                      <m:accPr>
+                        <m:chr m:val="̈"/>
+                        <m:ctrlPr>
+                          <a:rPr lang="fr-FR" sz="1400" i="1">
+                            <a:latin typeface="Cambria Math" panose="02040503050406030204" pitchFamily="18" charset="0"/>
+                            <a:ea typeface="Cambria Math" panose="02040503050406030204" pitchFamily="18" charset="0"/>
+                          </a:rPr>
+                        </m:ctrlPr>
+                      </m:accPr>
+                      <m:e>
+                        <m:r>
+                          <a:rPr lang="fr-FR" sz="1400" i="1">
+                            <a:latin typeface="Cambria Math" panose="02040503050406030204" pitchFamily="18" charset="0"/>
+                            <a:ea typeface="Cambria Math" panose="02040503050406030204" pitchFamily="18" charset="0"/>
+                          </a:rPr>
+                          <m:t>𝜑</m:t>
+                        </m:r>
+                      </m:e>
+                    </m:acc>
+                    <m:func>
+                      <m:funcPr>
+                        <m:ctrlPr>
+                          <a:rPr lang="fr-FR" sz="1400" i="1">
+                            <a:latin typeface="Cambria Math" panose="02040503050406030204" pitchFamily="18" charset="0"/>
+                          </a:rPr>
+                        </m:ctrlPr>
+                      </m:funcPr>
+                      <m:fName>
+                        <m:r>
+                          <m:rPr>
+                            <m:sty m:val="p"/>
+                          </m:rPr>
+                          <a:rPr lang="fr-FR" sz="1400">
+                            <a:latin typeface="Cambria Math" panose="02040503050406030204" pitchFamily="18" charset="0"/>
+                          </a:rPr>
+                          <m:t>cos</m:t>
+                        </m:r>
+                      </m:fName>
+                      <m:e>
+                        <m:r>
+                          <a:rPr lang="fr-FR" sz="1400" i="1">
+                            <a:latin typeface="Cambria Math" panose="02040503050406030204" pitchFamily="18" charset="0"/>
+                          </a:rPr>
+                          <m:t>𝜃</m:t>
+                        </m:r>
+                      </m:e>
+                    </m:func>
+                    <m:acc>
+                      <m:accPr>
+                        <m:chr m:val="⃗"/>
+                        <m:ctrlPr>
+                          <a:rPr lang="fr-FR" sz="1400" i="1">
+                            <a:latin typeface="Cambria Math" panose="02040503050406030204" pitchFamily="18" charset="0"/>
+                          </a:rPr>
+                        </m:ctrlPr>
+                      </m:accPr>
+                      <m:e>
+                        <m:sSub>
+                          <m:sSubPr>
+                            <m:ctrlPr>
+                              <a:rPr lang="fr-FR" sz="1400" i="1">
+                                <a:latin typeface="Cambria Math" panose="02040503050406030204" pitchFamily="18" charset="0"/>
+                              </a:rPr>
+                            </m:ctrlPr>
+                          </m:sSubPr>
+                          <m:e>
+                            <m:r>
+                              <a:rPr lang="fr-FR" sz="1400" i="1">
+                                <a:latin typeface="Cambria Math" panose="02040503050406030204" pitchFamily="18" charset="0"/>
+                              </a:rPr>
+                              <m:t>𝑥</m:t>
+                            </m:r>
+                          </m:e>
+                          <m:sub>
+                            <m:r>
+                              <a:rPr lang="fr-FR" sz="1400" i="1">
+                                <a:latin typeface="Cambria Math" panose="02040503050406030204" pitchFamily="18" charset="0"/>
+                              </a:rPr>
+                              <m:t>2</m:t>
+                            </m:r>
+                          </m:sub>
+                        </m:sSub>
+                      </m:e>
+                    </m:acc>
+                    <m:r>
+                      <a:rPr lang="fr-FR" sz="1400" i="1">
+                        <a:latin typeface="Cambria Math" panose="02040503050406030204" pitchFamily="18" charset="0"/>
+                      </a:rPr>
+                      <m:t>−</m:t>
+                    </m:r>
+                    <m:r>
+                      <a:rPr lang="fr-FR" sz="1400" i="1">
+                        <a:latin typeface="Cambria Math" panose="02040503050406030204" pitchFamily="18" charset="0"/>
+                      </a:rPr>
+                      <m:t>𝐴</m:t>
+                    </m:r>
+                    <m:acc>
+                      <m:accPr>
+                        <m:chr m:val="̇"/>
+                        <m:ctrlPr>
+                          <a:rPr lang="fr-FR" sz="1400" i="1">
+                            <a:latin typeface="Cambria Math" panose="02040503050406030204" pitchFamily="18" charset="0"/>
+                          </a:rPr>
+                        </m:ctrlPr>
+                      </m:accPr>
+                      <m:e>
+                        <m:r>
+                          <a:rPr lang="fr-FR" sz="1400" i="1">
+                            <a:latin typeface="Cambria Math" panose="02040503050406030204" pitchFamily="18" charset="0"/>
+                          </a:rPr>
+                          <m:t>𝜑</m:t>
+                        </m:r>
+                      </m:e>
+                    </m:acc>
+                    <m:acc>
+                      <m:accPr>
+                        <m:chr m:val="̇"/>
+                        <m:ctrlPr>
+                          <a:rPr lang="fr-FR" sz="1400" i="1">
+                            <a:latin typeface="Cambria Math" panose="02040503050406030204" pitchFamily="18" charset="0"/>
+                          </a:rPr>
+                        </m:ctrlPr>
+                      </m:accPr>
+                      <m:e>
+                        <m:r>
+                          <a:rPr lang="fr-FR" sz="1400" i="1">
+                            <a:latin typeface="Cambria Math" panose="02040503050406030204" pitchFamily="18" charset="0"/>
+                          </a:rPr>
+                          <m:t>𝜃</m:t>
+                        </m:r>
+                      </m:e>
+                    </m:acc>
+                    <m:func>
+                      <m:funcPr>
+                        <m:ctrlPr>
+                          <a:rPr lang="fr-FR" sz="1400" i="1">
+                            <a:latin typeface="Cambria Math" panose="02040503050406030204" pitchFamily="18" charset="0"/>
+                          </a:rPr>
+                        </m:ctrlPr>
+                      </m:funcPr>
+                      <m:fName>
+                        <m:r>
+                          <m:rPr>
+                            <m:sty m:val="p"/>
+                          </m:rPr>
+                          <a:rPr lang="fr-FR" sz="1400">
+                            <a:latin typeface="Cambria Math" panose="02040503050406030204" pitchFamily="18" charset="0"/>
+                          </a:rPr>
+                          <m:t>sin</m:t>
+                        </m:r>
+                      </m:fName>
+                      <m:e>
+                        <m:r>
+                          <a:rPr lang="fr-FR" sz="1400" i="1">
+                            <a:latin typeface="Cambria Math" panose="02040503050406030204" pitchFamily="18" charset="0"/>
+                          </a:rPr>
+                          <m:t>𝜃</m:t>
+                        </m:r>
+                      </m:e>
+                    </m:func>
+                    <m:acc>
+                      <m:accPr>
+                        <m:chr m:val="⃗"/>
+                        <m:ctrlPr>
+                          <a:rPr lang="fr-FR" sz="1400" i="1">
+                            <a:latin typeface="Cambria Math" panose="02040503050406030204" pitchFamily="18" charset="0"/>
+                          </a:rPr>
+                        </m:ctrlPr>
+                      </m:accPr>
+                      <m:e>
+                        <m:sSub>
+                          <m:sSubPr>
+                            <m:ctrlPr>
+                              <a:rPr lang="fr-FR" sz="1400" i="1">
+                                <a:latin typeface="Cambria Math" panose="02040503050406030204" pitchFamily="18" charset="0"/>
+                              </a:rPr>
+                            </m:ctrlPr>
+                          </m:sSubPr>
+                          <m:e>
+                            <m:r>
+                              <a:rPr lang="fr-FR" sz="1400" i="1">
+                                <a:latin typeface="Cambria Math" panose="02040503050406030204" pitchFamily="18" charset="0"/>
+                              </a:rPr>
+                              <m:t>𝑥</m:t>
+                            </m:r>
+                          </m:e>
+                          <m:sub>
+                            <m:r>
+                              <a:rPr lang="fr-FR" sz="1400" i="1">
+                                <a:latin typeface="Cambria Math" panose="02040503050406030204" pitchFamily="18" charset="0"/>
+                              </a:rPr>
+                              <m:t>2</m:t>
+                            </m:r>
+                          </m:sub>
+                        </m:sSub>
+                      </m:e>
+                    </m:acc>
+                    <m:r>
+                      <a:rPr lang="fr-FR" sz="1400" i="1">
+                        <a:latin typeface="Cambria Math" panose="02040503050406030204" pitchFamily="18" charset="0"/>
+                      </a:rPr>
+                      <m:t>+</m:t>
+                    </m:r>
+                    <m:r>
+                      <a:rPr lang="fr-FR" sz="1400" i="1">
+                        <a:latin typeface="Cambria Math" panose="02040503050406030204" pitchFamily="18" charset="0"/>
+                      </a:rPr>
+                      <m:t>𝐴</m:t>
+                    </m:r>
+                    <m:acc>
+                      <m:accPr>
+                        <m:chr m:val="̇"/>
+                        <m:ctrlPr>
+                          <a:rPr lang="fr-FR" sz="1400" i="1">
+                            <a:latin typeface="Cambria Math" panose="02040503050406030204" pitchFamily="18" charset="0"/>
+                          </a:rPr>
+                        </m:ctrlPr>
+                      </m:accPr>
+                      <m:e>
+                        <m:r>
+                          <a:rPr lang="fr-FR" sz="1400" i="1">
+                            <a:latin typeface="Cambria Math" panose="02040503050406030204" pitchFamily="18" charset="0"/>
+                          </a:rPr>
+                          <m:t>𝜑</m:t>
+                        </m:r>
+                      </m:e>
+                    </m:acc>
+                    <m:func>
+                      <m:funcPr>
+                        <m:ctrlPr>
+                          <a:rPr lang="fr-FR" sz="1400" i="1">
+                            <a:latin typeface="Cambria Math" panose="02040503050406030204" pitchFamily="18" charset="0"/>
+                          </a:rPr>
+                        </m:ctrlPr>
+                      </m:funcPr>
+                      <m:fName>
+                        <m:r>
+                          <m:rPr>
+                            <m:sty m:val="p"/>
+                          </m:rPr>
+                          <a:rPr lang="fr-FR" sz="1400">
+                            <a:latin typeface="Cambria Math" panose="02040503050406030204" pitchFamily="18" charset="0"/>
+                          </a:rPr>
+                          <m:t>cos</m:t>
+                        </m:r>
+                      </m:fName>
+                      <m:e>
+                        <m:r>
+                          <a:rPr lang="fr-FR" sz="1400" i="1">
+                            <a:latin typeface="Cambria Math" panose="02040503050406030204" pitchFamily="18" charset="0"/>
+                          </a:rPr>
+                          <m:t>𝜃</m:t>
+                        </m:r>
+                      </m:e>
+                    </m:func>
+                    <m:d>
+                      <m:dPr>
+                        <m:ctrlPr>
+                          <a:rPr lang="fr-FR" sz="1400" i="1">
+                            <a:latin typeface="Cambria Math" panose="02040503050406030204" pitchFamily="18" charset="0"/>
+                          </a:rPr>
+                        </m:ctrlPr>
+                      </m:dPr>
+                      <m:e>
+                        <m:acc>
+                          <m:accPr>
+                            <m:chr m:val="̇"/>
+                            <m:ctrlPr>
+                              <a:rPr lang="fr-FR" sz="1400" i="1">
+                                <a:latin typeface="Cambria Math" panose="02040503050406030204" pitchFamily="18" charset="0"/>
+                              </a:rPr>
+                            </m:ctrlPr>
+                          </m:accPr>
+                          <m:e>
+                            <m:r>
+                              <a:rPr lang="fr-FR" sz="1400" i="1">
+                                <a:latin typeface="Cambria Math" panose="02040503050406030204" pitchFamily="18" charset="0"/>
+                              </a:rPr>
+                              <m:t>𝜑</m:t>
+                            </m:r>
+                          </m:e>
+                        </m:acc>
+                        <m:func>
+                          <m:funcPr>
+                            <m:ctrlPr>
+                              <a:rPr lang="fr-FR" sz="1400" i="1">
+                                <a:latin typeface="Cambria Math" panose="02040503050406030204" pitchFamily="18" charset="0"/>
+                              </a:rPr>
+                            </m:ctrlPr>
+                          </m:funcPr>
+                          <m:fName>
+                            <m:r>
+                              <m:rPr>
+                                <m:sty m:val="p"/>
+                              </m:rPr>
+                              <a:rPr lang="fr-FR" sz="1400">
+                                <a:latin typeface="Cambria Math" panose="02040503050406030204" pitchFamily="18" charset="0"/>
+                              </a:rPr>
+                              <m:t>sin</m:t>
+                            </m:r>
+                          </m:fName>
+                          <m:e>
+                            <m:r>
+                              <a:rPr lang="fr-FR" sz="1400" i="1">
+                                <a:latin typeface="Cambria Math" panose="02040503050406030204" pitchFamily="18" charset="0"/>
+                              </a:rPr>
+                              <m:t>𝜃</m:t>
+                            </m:r>
+                          </m:e>
+                        </m:func>
+                        <m:acc>
+                          <m:accPr>
+                            <m:chr m:val="⃗"/>
+                            <m:ctrlPr>
+                              <a:rPr lang="fr-FR" sz="1400" i="1">
+                                <a:latin typeface="Cambria Math" panose="02040503050406030204" pitchFamily="18" charset="0"/>
+                              </a:rPr>
+                            </m:ctrlPr>
+                          </m:accPr>
+                          <m:e>
+                            <m:sSub>
+                              <m:sSubPr>
+                                <m:ctrlPr>
+                                  <a:rPr lang="fr-FR" sz="1400" i="1">
+                                    <a:latin typeface="Cambria Math" panose="02040503050406030204" pitchFamily="18" charset="0"/>
+                                  </a:rPr>
+                                </m:ctrlPr>
+                              </m:sSubPr>
+                              <m:e>
+                                <m:r>
+                                  <a:rPr lang="fr-FR" sz="1400" i="1">
+                                    <a:latin typeface="Cambria Math" panose="02040503050406030204" pitchFamily="18" charset="0"/>
+                                  </a:rPr>
+                                  <m:t>𝑦</m:t>
+                                </m:r>
+                              </m:e>
+                              <m:sub>
+                                <m:r>
+                                  <a:rPr lang="fr-FR" sz="1400" i="1">
+                                    <a:latin typeface="Cambria Math" panose="02040503050406030204" pitchFamily="18" charset="0"/>
+                                  </a:rPr>
+                                  <m:t>1</m:t>
+                                </m:r>
+                              </m:sub>
+                            </m:sSub>
+                          </m:e>
+                        </m:acc>
+                        <m:r>
+                          <a:rPr lang="fr-FR" sz="1400" i="1">
+                            <a:latin typeface="Cambria Math" panose="02040503050406030204" pitchFamily="18" charset="0"/>
+                          </a:rPr>
+                          <m:t>−</m:t>
+                        </m:r>
+                        <m:acc>
+                          <m:accPr>
+                            <m:chr m:val="̇"/>
+                            <m:ctrlPr>
+                              <a:rPr lang="fr-FR" sz="1400" i="1">
+                                <a:latin typeface="Cambria Math" panose="02040503050406030204" pitchFamily="18" charset="0"/>
+                              </a:rPr>
+                            </m:ctrlPr>
+                          </m:accPr>
+                          <m:e>
+                            <m:r>
+                              <a:rPr lang="fr-FR" sz="1400" i="1">
+                                <a:latin typeface="Cambria Math" panose="02040503050406030204" pitchFamily="18" charset="0"/>
+                              </a:rPr>
+                              <m:t>𝜃</m:t>
+                            </m:r>
+                          </m:e>
+                        </m:acc>
+                        <m:acc>
+                          <m:accPr>
+                            <m:chr m:val="⃗"/>
+                            <m:ctrlPr>
+                              <a:rPr lang="fr-FR" sz="1400" i="1">
+                                <a:latin typeface="Cambria Math" panose="02040503050406030204" pitchFamily="18" charset="0"/>
+                              </a:rPr>
+                            </m:ctrlPr>
+                          </m:accPr>
+                          <m:e>
+                            <m:sSub>
+                              <m:sSubPr>
+                                <m:ctrlPr>
+                                  <a:rPr lang="fr-FR" sz="1400" i="1">
+                                    <a:latin typeface="Cambria Math" panose="02040503050406030204" pitchFamily="18" charset="0"/>
+                                  </a:rPr>
+                                </m:ctrlPr>
+                              </m:sSubPr>
+                              <m:e>
+                                <m:r>
+                                  <a:rPr lang="fr-FR" sz="1400" i="1">
+                                    <a:latin typeface="Cambria Math" panose="02040503050406030204" pitchFamily="18" charset="0"/>
+                                  </a:rPr>
+                                  <m:t>𝑧</m:t>
+                                </m:r>
+                              </m:e>
+                              <m:sub>
+                                <m:r>
+                                  <a:rPr lang="fr-FR" sz="1400" i="1">
+                                    <a:latin typeface="Cambria Math" panose="02040503050406030204" pitchFamily="18" charset="0"/>
+                                  </a:rPr>
+                                  <m:t>2</m:t>
+                                </m:r>
+                              </m:sub>
+                            </m:sSub>
+                          </m:e>
+                        </m:acc>
+                      </m:e>
+                    </m:d>
+                    <m:r>
+                      <a:rPr lang="fr-FR" sz="1400" i="1">
+                        <a:latin typeface="Cambria Math" panose="02040503050406030204" pitchFamily="18" charset="0"/>
+                      </a:rPr>
+                      <m:t>+</m:t>
+                    </m:r>
+                    <m:acc>
+                      <m:accPr>
+                        <m:chr m:val="̈"/>
+                        <m:ctrlPr>
+                          <a:rPr lang="fr-FR" sz="1400" i="1">
+                            <a:latin typeface="Cambria Math" panose="02040503050406030204" pitchFamily="18" charset="0"/>
+                            <a:ea typeface="Cambria Math" panose="02040503050406030204" pitchFamily="18" charset="0"/>
+                          </a:rPr>
+                        </m:ctrlPr>
+                      </m:accPr>
+                      <m:e>
+                        <m:r>
+                          <a:rPr lang="fr-FR" sz="1400" i="1">
+                            <a:latin typeface="Cambria Math" panose="02040503050406030204" pitchFamily="18" charset="0"/>
+                            <a:ea typeface="Cambria Math" panose="02040503050406030204" pitchFamily="18" charset="0"/>
+                          </a:rPr>
+                          <m:t>𝜃</m:t>
+                        </m:r>
+                      </m:e>
+                    </m:acc>
+                    <m:acc>
+                      <m:accPr>
+                        <m:chr m:val="⃗"/>
+                        <m:ctrlPr>
+                          <a:rPr lang="fr-FR" sz="1400" i="1">
+                            <a:latin typeface="Cambria Math" panose="02040503050406030204" pitchFamily="18" charset="0"/>
+                          </a:rPr>
+                        </m:ctrlPr>
+                      </m:accPr>
+                      <m:e>
+                        <m:sSub>
+                          <m:sSubPr>
+                            <m:ctrlPr>
+                              <a:rPr lang="fr-FR" sz="1400" i="1">
+                                <a:latin typeface="Cambria Math" panose="02040503050406030204" pitchFamily="18" charset="0"/>
+                              </a:rPr>
+                            </m:ctrlPr>
+                          </m:sSubPr>
+                          <m:e>
+                            <m:r>
+                              <a:rPr lang="fr-FR" sz="1400" i="1">
+                                <a:latin typeface="Cambria Math" panose="02040503050406030204" pitchFamily="18" charset="0"/>
+                              </a:rPr>
+                              <m:t>𝑦</m:t>
+                            </m:r>
+                          </m:e>
+                          <m:sub>
+                            <m:r>
+                              <a:rPr lang="fr-FR" sz="1400" i="1">
+                                <a:latin typeface="Cambria Math" panose="02040503050406030204" pitchFamily="18" charset="0"/>
+                              </a:rPr>
+                              <m:t>2</m:t>
+                            </m:r>
+                          </m:sub>
+                        </m:sSub>
+                      </m:e>
+                    </m:acc>
+                    <m:r>
+                      <a:rPr lang="fr-FR" sz="1400" i="1">
+                        <a:latin typeface="Cambria Math" panose="02040503050406030204" pitchFamily="18" charset="0"/>
+                      </a:rPr>
+                      <m:t>+</m:t>
+                    </m:r>
+                    <m:acc>
+                      <m:accPr>
+                        <m:chr m:val="̇"/>
+                        <m:ctrlPr>
+                          <a:rPr lang="fr-FR" sz="1400" i="1">
+                            <a:latin typeface="Cambria Math" panose="02040503050406030204" pitchFamily="18" charset="0"/>
+                          </a:rPr>
+                        </m:ctrlPr>
+                      </m:accPr>
+                      <m:e>
+                        <m:r>
+                          <a:rPr lang="fr-FR" sz="1400" i="1">
+                            <a:latin typeface="Cambria Math" panose="02040503050406030204" pitchFamily="18" charset="0"/>
+                          </a:rPr>
+                          <m:t>𝜃</m:t>
+                        </m:r>
+                      </m:e>
+                    </m:acc>
+                    <m:acc>
+                      <m:accPr>
+                        <m:chr m:val="̇"/>
+                        <m:ctrlPr>
+                          <a:rPr lang="fr-FR" sz="1400" i="1">
+                            <a:latin typeface="Cambria Math" panose="02040503050406030204" pitchFamily="18" charset="0"/>
+                          </a:rPr>
+                        </m:ctrlPr>
+                      </m:accPr>
+                      <m:e>
+                        <m:r>
+                          <a:rPr lang="fr-FR" sz="1400" i="1">
+                            <a:latin typeface="Cambria Math" panose="02040503050406030204" pitchFamily="18" charset="0"/>
+                          </a:rPr>
+                          <m:t>𝜑</m:t>
+                        </m:r>
+                      </m:e>
+                    </m:acc>
+                    <m:acc>
+                      <m:accPr>
+                        <m:chr m:val="⃗"/>
+                        <m:ctrlPr>
+                          <a:rPr lang="fr-FR" sz="1400" i="1">
+                            <a:latin typeface="Cambria Math" panose="02040503050406030204" pitchFamily="18" charset="0"/>
+                          </a:rPr>
+                        </m:ctrlPr>
+                      </m:accPr>
+                      <m:e>
+                        <m:sSub>
+                          <m:sSubPr>
+                            <m:ctrlPr>
+                              <a:rPr lang="fr-FR" sz="1400" i="1">
+                                <a:latin typeface="Cambria Math" panose="02040503050406030204" pitchFamily="18" charset="0"/>
+                              </a:rPr>
+                            </m:ctrlPr>
+                          </m:sSubPr>
+                          <m:e>
+                            <m:r>
+                              <a:rPr lang="fr-FR" sz="1400" i="1">
+                                <a:latin typeface="Cambria Math" panose="02040503050406030204" pitchFamily="18" charset="0"/>
+                              </a:rPr>
+                              <m:t>𝑧</m:t>
+                            </m:r>
+                          </m:e>
+                          <m:sub>
+                            <m:r>
+                              <a:rPr lang="fr-FR" sz="1400" i="1">
+                                <a:latin typeface="Cambria Math" panose="02040503050406030204" pitchFamily="18" charset="0"/>
+                              </a:rPr>
+                              <m:t>1</m:t>
+                            </m:r>
+                          </m:sub>
+                        </m:sSub>
+                      </m:e>
+                    </m:acc>
+                    <m:r>
+                      <a:rPr lang="fr-FR" sz="1400" i="1">
+                        <a:latin typeface="Cambria Math" panose="02040503050406030204" pitchFamily="18" charset="0"/>
+                      </a:rPr>
+                      <m:t>+</m:t>
+                    </m:r>
+                    <m:r>
+                      <a:rPr lang="fr-FR" sz="1400" i="1">
+                        <a:latin typeface="Cambria Math" panose="02040503050406030204" pitchFamily="18" charset="0"/>
+                      </a:rPr>
+                      <m:t>𝐶</m:t>
+                    </m:r>
+                    <m:acc>
+                      <m:accPr>
+                        <m:chr m:val="̈"/>
+                        <m:ctrlPr>
+                          <a:rPr lang="fr-FR" sz="1400" i="1" smtClean="0">
+                            <a:latin typeface="Cambria Math" panose="02040503050406030204" pitchFamily="18" charset="0"/>
+                            <a:ea typeface="Cambria Math" panose="02040503050406030204" pitchFamily="18" charset="0"/>
+                          </a:rPr>
+                        </m:ctrlPr>
+                      </m:accPr>
+                      <m:e>
+                        <m:r>
+                          <a:rPr lang="fr-FR" sz="1400" i="1">
+                            <a:latin typeface="Cambria Math" panose="02040503050406030204" pitchFamily="18" charset="0"/>
+                            <a:ea typeface="Cambria Math" panose="02040503050406030204" pitchFamily="18" charset="0"/>
+                          </a:rPr>
+                          <m:t>𝜑</m:t>
+                        </m:r>
+                      </m:e>
+                    </m:acc>
+                    <m:func>
+                      <m:funcPr>
+                        <m:ctrlPr>
+                          <a:rPr lang="fr-FR" sz="1400" i="1">
+                            <a:latin typeface="Cambria Math" panose="02040503050406030204" pitchFamily="18" charset="0"/>
+                          </a:rPr>
+                        </m:ctrlPr>
+                      </m:funcPr>
+                      <m:fName>
+                        <m:r>
+                          <m:rPr>
+                            <m:sty m:val="p"/>
+                          </m:rPr>
+                          <a:rPr lang="fr-FR" sz="1400">
+                            <a:latin typeface="Cambria Math" panose="02040503050406030204" pitchFamily="18" charset="0"/>
+                          </a:rPr>
+                          <m:t>sin</m:t>
+                        </m:r>
+                      </m:fName>
+                      <m:e>
+                        <m:r>
+                          <a:rPr lang="fr-FR" sz="1400" i="1">
+                            <a:latin typeface="Cambria Math" panose="02040503050406030204" pitchFamily="18" charset="0"/>
+                          </a:rPr>
+                          <m:t>𝜃</m:t>
+                        </m:r>
+                      </m:e>
+                    </m:func>
+                    <m:acc>
+                      <m:accPr>
+                        <m:chr m:val="⃗"/>
+                        <m:ctrlPr>
+                          <a:rPr lang="fr-FR" sz="1400" i="1">
+                            <a:latin typeface="Cambria Math" panose="02040503050406030204" pitchFamily="18" charset="0"/>
+                          </a:rPr>
+                        </m:ctrlPr>
+                      </m:accPr>
+                      <m:e>
+                        <m:sSub>
+                          <m:sSubPr>
+                            <m:ctrlPr>
+                              <a:rPr lang="fr-FR" sz="1400" i="1">
+                                <a:latin typeface="Cambria Math" panose="02040503050406030204" pitchFamily="18" charset="0"/>
+                              </a:rPr>
+                            </m:ctrlPr>
+                          </m:sSubPr>
+                          <m:e>
+                            <m:r>
+                              <a:rPr lang="fr-FR" sz="1400" i="1">
+                                <a:latin typeface="Cambria Math" panose="02040503050406030204" pitchFamily="18" charset="0"/>
+                              </a:rPr>
+                              <m:t>𝑧</m:t>
+                            </m:r>
+                          </m:e>
+                          <m:sub>
+                            <m:r>
+                              <a:rPr lang="fr-FR" sz="1400" i="1">
+                                <a:latin typeface="Cambria Math" panose="02040503050406030204" pitchFamily="18" charset="0"/>
+                              </a:rPr>
+                              <m:t>2</m:t>
+                            </m:r>
+                          </m:sub>
+                        </m:sSub>
+                      </m:e>
+                    </m:acc>
+                    <m:r>
+                      <a:rPr lang="fr-FR" sz="1400" i="1">
+                        <a:latin typeface="Cambria Math" panose="02040503050406030204" pitchFamily="18" charset="0"/>
+                      </a:rPr>
+                      <m:t>+</m:t>
+                    </m:r>
+                    <m:r>
+                      <a:rPr lang="fr-FR" sz="1400" i="1">
+                        <a:latin typeface="Cambria Math" panose="02040503050406030204" pitchFamily="18" charset="0"/>
+                      </a:rPr>
+                      <m:t>𝐶</m:t>
+                    </m:r>
+                    <m:acc>
+                      <m:accPr>
+                        <m:chr m:val="̇"/>
+                        <m:ctrlPr>
+                          <a:rPr lang="fr-FR" sz="1400" i="1">
+                            <a:latin typeface="Cambria Math" panose="02040503050406030204" pitchFamily="18" charset="0"/>
+                          </a:rPr>
+                        </m:ctrlPr>
+                      </m:accPr>
+                      <m:e>
+                        <m:r>
+                          <a:rPr lang="fr-FR" sz="1400" i="1">
+                            <a:latin typeface="Cambria Math" panose="02040503050406030204" pitchFamily="18" charset="0"/>
+                          </a:rPr>
+                          <m:t>𝜑</m:t>
+                        </m:r>
+                      </m:e>
+                    </m:acc>
+                    <m:acc>
+                      <m:accPr>
+                        <m:chr m:val="̇"/>
+                        <m:ctrlPr>
+                          <a:rPr lang="fr-FR" sz="1400" i="1" smtClean="0">
+                            <a:latin typeface="Cambria Math" panose="02040503050406030204" pitchFamily="18" charset="0"/>
+                          </a:rPr>
+                        </m:ctrlPr>
+                      </m:accPr>
+                      <m:e>
+                        <m:r>
+                          <a:rPr lang="fr-FR" sz="1400" i="1">
+                            <a:latin typeface="Cambria Math" panose="02040503050406030204" pitchFamily="18" charset="0"/>
+                          </a:rPr>
+                          <m:t>𝜃</m:t>
+                        </m:r>
+                      </m:e>
+                    </m:acc>
+                    <m:func>
+                      <m:funcPr>
+                        <m:ctrlPr>
+                          <a:rPr lang="fr-FR" sz="1400" i="1">
+                            <a:latin typeface="Cambria Math" panose="02040503050406030204" pitchFamily="18" charset="0"/>
+                          </a:rPr>
+                        </m:ctrlPr>
+                      </m:funcPr>
+                      <m:fName>
+                        <m:r>
+                          <m:rPr>
+                            <m:sty m:val="p"/>
+                          </m:rPr>
+                          <a:rPr lang="fr-FR" sz="1400" b="0" i="0" smtClean="0">
+                            <a:latin typeface="Cambria Math" panose="02040503050406030204" pitchFamily="18" charset="0"/>
+                          </a:rPr>
+                          <m:t>cos</m:t>
+                        </m:r>
+                      </m:fName>
+                      <m:e>
+                        <m:r>
+                          <a:rPr lang="fr-FR" sz="1400" i="1">
+                            <a:latin typeface="Cambria Math" panose="02040503050406030204" pitchFamily="18" charset="0"/>
+                          </a:rPr>
+                          <m:t>𝜃</m:t>
+                        </m:r>
+                      </m:e>
+                    </m:func>
+                    <m:acc>
+                      <m:accPr>
+                        <m:chr m:val="⃗"/>
+                        <m:ctrlPr>
+                          <a:rPr lang="fr-FR" sz="1400" i="1">
+                            <a:latin typeface="Cambria Math" panose="02040503050406030204" pitchFamily="18" charset="0"/>
+                          </a:rPr>
+                        </m:ctrlPr>
+                      </m:accPr>
+                      <m:e>
+                        <m:sSub>
+                          <m:sSubPr>
+                            <m:ctrlPr>
+                              <a:rPr lang="fr-FR" sz="1400" i="1">
+                                <a:latin typeface="Cambria Math" panose="02040503050406030204" pitchFamily="18" charset="0"/>
+                              </a:rPr>
+                            </m:ctrlPr>
+                          </m:sSubPr>
+                          <m:e>
+                            <m:r>
+                              <a:rPr lang="fr-FR" sz="1400" i="1">
+                                <a:latin typeface="Cambria Math" panose="02040503050406030204" pitchFamily="18" charset="0"/>
+                              </a:rPr>
+                              <m:t>𝑧</m:t>
+                            </m:r>
+                          </m:e>
+                          <m:sub>
+                            <m:r>
+                              <a:rPr lang="fr-FR" sz="1400" i="1">
+                                <a:latin typeface="Cambria Math" panose="02040503050406030204" pitchFamily="18" charset="0"/>
+                              </a:rPr>
+                              <m:t>2</m:t>
+                            </m:r>
+                          </m:sub>
+                        </m:sSub>
+                      </m:e>
+                    </m:acc>
+                  </m:oMath>
+                </a14:m>
+                <a:r>
+                  <a:rPr lang="fr-FR" sz="1400" dirty="0"/>
+                  <a:t> </a:t>
+                </a:r>
+                <a14:m>
+                  <m:oMath xmlns:m="http://schemas.openxmlformats.org/officeDocument/2006/math">
+                    <m:r>
+                      <a:rPr lang="fr-FR" sz="1400" i="1">
+                        <a:latin typeface="Cambria Math" panose="02040503050406030204" pitchFamily="18" charset="0"/>
+                      </a:rPr>
+                      <m:t>+</m:t>
+                    </m:r>
+                    <m:r>
+                      <a:rPr lang="fr-FR" sz="1400" i="1">
+                        <a:latin typeface="Cambria Math" panose="02040503050406030204" pitchFamily="18" charset="0"/>
+                      </a:rPr>
+                      <m:t>𝐶</m:t>
+                    </m:r>
+                    <m:acc>
+                      <m:accPr>
+                        <m:chr m:val="̇"/>
+                        <m:ctrlPr>
+                          <a:rPr lang="fr-FR" sz="1400" i="1">
+                            <a:latin typeface="Cambria Math" panose="02040503050406030204" pitchFamily="18" charset="0"/>
+                          </a:rPr>
+                        </m:ctrlPr>
+                      </m:accPr>
+                      <m:e>
+                        <m:r>
+                          <a:rPr lang="fr-FR" sz="1400" i="1">
+                            <a:latin typeface="Cambria Math" panose="02040503050406030204" pitchFamily="18" charset="0"/>
+                          </a:rPr>
+                          <m:t>𝜑</m:t>
+                        </m:r>
+                      </m:e>
+                    </m:acc>
+                    <m:func>
+                      <m:funcPr>
+                        <m:ctrlPr>
+                          <a:rPr lang="fr-FR" sz="1400" i="1">
+                            <a:latin typeface="Cambria Math" panose="02040503050406030204" pitchFamily="18" charset="0"/>
+                          </a:rPr>
+                        </m:ctrlPr>
+                      </m:funcPr>
+                      <m:fName>
+                        <m:r>
+                          <m:rPr>
+                            <m:sty m:val="p"/>
+                          </m:rPr>
+                          <a:rPr lang="fr-FR" sz="1400">
+                            <a:latin typeface="Cambria Math" panose="02040503050406030204" pitchFamily="18" charset="0"/>
+                          </a:rPr>
+                          <m:t>sin</m:t>
+                        </m:r>
+                      </m:fName>
+                      <m:e>
+                        <m:r>
+                          <a:rPr lang="fr-FR" sz="1400" i="1">
+                            <a:latin typeface="Cambria Math" panose="02040503050406030204" pitchFamily="18" charset="0"/>
+                          </a:rPr>
+                          <m:t>𝜃</m:t>
+                        </m:r>
+                      </m:e>
+                    </m:func>
+                    <m:d>
+                      <m:dPr>
+                        <m:ctrlPr>
+                          <a:rPr lang="fr-FR" sz="1400" i="1" smtClean="0">
+                            <a:latin typeface="Cambria Math" panose="02040503050406030204" pitchFamily="18" charset="0"/>
+                          </a:rPr>
+                        </m:ctrlPr>
+                      </m:dPr>
+                      <m:e>
+                        <m:r>
+                          <a:rPr lang="fr-FR" sz="1400" b="0" i="1" smtClean="0">
+                            <a:latin typeface="Cambria Math" panose="02040503050406030204" pitchFamily="18" charset="0"/>
+                          </a:rPr>
+                          <m:t>−</m:t>
+                        </m:r>
+                        <m:acc>
+                          <m:accPr>
+                            <m:chr m:val="̇"/>
+                            <m:ctrlPr>
+                              <a:rPr lang="fr-FR" sz="1400" b="0" i="1" smtClean="0">
+                                <a:latin typeface="Cambria Math" panose="02040503050406030204" pitchFamily="18" charset="0"/>
+                              </a:rPr>
+                            </m:ctrlPr>
+                          </m:accPr>
+                          <m:e>
+                            <m:r>
+                              <a:rPr lang="fr-FR" sz="1400" b="0" i="1" smtClean="0">
+                                <a:latin typeface="Cambria Math" panose="02040503050406030204" pitchFamily="18" charset="0"/>
+                              </a:rPr>
+                              <m:t>𝜑</m:t>
+                            </m:r>
+                          </m:e>
+                        </m:acc>
+                        <m:func>
+                          <m:funcPr>
+                            <m:ctrlPr>
+                              <a:rPr lang="fr-FR" sz="1400" b="0" i="1" smtClean="0">
+                                <a:latin typeface="Cambria Math" panose="02040503050406030204" pitchFamily="18" charset="0"/>
+                              </a:rPr>
+                            </m:ctrlPr>
+                          </m:funcPr>
+                          <m:fName>
+                            <m:r>
+                              <m:rPr>
+                                <m:sty m:val="p"/>
+                              </m:rPr>
+                              <a:rPr lang="fr-FR" sz="1400" b="0" i="0" smtClean="0">
+                                <a:latin typeface="Cambria Math" panose="02040503050406030204" pitchFamily="18" charset="0"/>
+                              </a:rPr>
+                              <m:t>cos</m:t>
+                            </m:r>
+                          </m:fName>
+                          <m:e>
+                            <m:r>
+                              <a:rPr lang="fr-FR" sz="1400" b="0" i="1" smtClean="0">
+                                <a:latin typeface="Cambria Math" panose="02040503050406030204" pitchFamily="18" charset="0"/>
+                              </a:rPr>
+                              <m:t>𝜃</m:t>
+                            </m:r>
+                          </m:e>
+                        </m:func>
+                        <m:acc>
+                          <m:accPr>
+                            <m:chr m:val="⃗"/>
+                            <m:ctrlPr>
+                              <a:rPr lang="fr-FR" sz="1400" i="1" smtClean="0">
+                                <a:latin typeface="Cambria Math" panose="02040503050406030204" pitchFamily="18" charset="0"/>
+                              </a:rPr>
+                            </m:ctrlPr>
+                          </m:accPr>
+                          <m:e>
+                            <m:sSub>
+                              <m:sSubPr>
+                                <m:ctrlPr>
+                                  <a:rPr lang="fr-FR" sz="1400" b="0" i="1" smtClean="0">
+                                    <a:latin typeface="Cambria Math" panose="02040503050406030204" pitchFamily="18" charset="0"/>
+                                  </a:rPr>
+                                </m:ctrlPr>
+                              </m:sSubPr>
+                              <m:e>
+                                <m:r>
+                                  <a:rPr lang="fr-FR" sz="1400" b="0" i="1" smtClean="0">
+                                    <a:latin typeface="Cambria Math" panose="02040503050406030204" pitchFamily="18" charset="0"/>
+                                  </a:rPr>
+                                  <m:t>𝑦</m:t>
+                                </m:r>
+                              </m:e>
+                              <m:sub>
+                                <m:r>
+                                  <a:rPr lang="fr-FR" sz="1400" b="0" i="1" smtClean="0">
+                                    <a:latin typeface="Cambria Math" panose="02040503050406030204" pitchFamily="18" charset="0"/>
+                                  </a:rPr>
+                                  <m:t>1</m:t>
+                                </m:r>
+                              </m:sub>
+                            </m:sSub>
+                          </m:e>
+                        </m:acc>
+                        <m:r>
+                          <a:rPr lang="fr-FR" sz="1400" b="0" i="1" smtClean="0">
+                            <a:latin typeface="Cambria Math" panose="02040503050406030204" pitchFamily="18" charset="0"/>
+                          </a:rPr>
+                          <m:t>+</m:t>
+                        </m:r>
+                        <m:acc>
+                          <m:accPr>
+                            <m:chr m:val="̇"/>
+                            <m:ctrlPr>
+                              <a:rPr lang="fr-FR" sz="1400" b="0" i="1" smtClean="0">
+                                <a:latin typeface="Cambria Math" panose="02040503050406030204" pitchFamily="18" charset="0"/>
+                              </a:rPr>
+                            </m:ctrlPr>
+                          </m:accPr>
+                          <m:e>
+                            <m:r>
+                              <a:rPr lang="fr-FR" sz="1400" b="0" i="1" smtClean="0">
+                                <a:latin typeface="Cambria Math" panose="02040503050406030204" pitchFamily="18" charset="0"/>
+                              </a:rPr>
+                              <m:t>𝜃</m:t>
+                            </m:r>
+                          </m:e>
+                        </m:acc>
+                        <m:acc>
+                          <m:accPr>
+                            <m:chr m:val="⃗"/>
+                            <m:ctrlPr>
+                              <a:rPr lang="fr-FR" sz="1400" i="1" smtClean="0">
+                                <a:latin typeface="Cambria Math" panose="02040503050406030204" pitchFamily="18" charset="0"/>
+                              </a:rPr>
+                            </m:ctrlPr>
+                          </m:accPr>
+                          <m:e>
+                            <m:sSub>
+                              <m:sSubPr>
+                                <m:ctrlPr>
+                                  <a:rPr lang="fr-FR" sz="1400" b="0" i="1" smtClean="0">
+                                    <a:latin typeface="Cambria Math" panose="02040503050406030204" pitchFamily="18" charset="0"/>
+                                  </a:rPr>
+                                </m:ctrlPr>
+                              </m:sSubPr>
+                              <m:e>
+                                <m:r>
+                                  <a:rPr lang="fr-FR" sz="1400" b="0" i="1" smtClean="0">
+                                    <a:latin typeface="Cambria Math" panose="02040503050406030204" pitchFamily="18" charset="0"/>
+                                  </a:rPr>
+                                  <m:t>𝑥</m:t>
+                                </m:r>
+                              </m:e>
+                              <m:sub>
+                                <m:r>
+                                  <a:rPr lang="fr-FR" sz="1400" b="0" i="1" smtClean="0">
+                                    <a:latin typeface="Cambria Math" panose="02040503050406030204" pitchFamily="18" charset="0"/>
+                                  </a:rPr>
+                                  <m:t>2</m:t>
+                                </m:r>
+                              </m:sub>
+                            </m:sSub>
+                          </m:e>
+                        </m:acc>
+                      </m:e>
+                    </m:d>
+                  </m:oMath>
+                </a14:m>
+                <a:endParaRPr lang="fr-FR" sz="1400" dirty="0"/>
+              </a:p>
+              <a:p>
+                <a:endParaRPr lang="fr-FR" sz="1400" dirty="0"/>
+              </a:p>
+            </p:txBody>
+          </p:sp>
+        </mc:Choice>
+        <mc:Fallback>
+          <p:sp>
+            <p:nvSpPr>
+              <p:cNvPr id="4" name="Rectangle 3">
+                <a:extLst>
+                  <a:ext uri="{FF2B5EF4-FFF2-40B4-BE49-F238E27FC236}">
+                    <a16:creationId xmlns:a16="http://schemas.microsoft.com/office/drawing/2014/main" id="{E3DDC123-F2F2-B249-FC3E-32906498160A}"/>
+                  </a:ext>
+                </a:extLst>
+              </p:cNvPr>
+              <p:cNvSpPr>
+                <a:spLocks noRot="1" noChangeAspect="1" noMove="1" noResize="1" noEditPoints="1" noAdjustHandles="1" noChangeArrowheads="1" noChangeShapeType="1" noTextEdit="1"/>
+              </p:cNvSpPr>
+              <p:nvPr/>
+            </p:nvSpPr>
+            <p:spPr>
+              <a:xfrm>
+                <a:off x="403762" y="2064721"/>
+                <a:ext cx="11459688" cy="581441"/>
+              </a:xfrm>
+              <a:prstGeom prst="rect">
+                <a:avLst/>
+              </a:prstGeom>
+              <a:blipFill>
+                <a:blip r:embed="rId2"/>
+                <a:stretch>
+                  <a:fillRect t="-42105" b="-43158"/>
+                </a:stretch>
+              </a:blipFill>
+            </p:spPr>
+            <p:txBody>
+              <a:bodyPr/>
+              <a:lstStyle/>
+              <a:p>
+                <a:r>
+                  <a:rPr lang="fr-FR">
+                    <a:noFill/>
+                  </a:rPr>
+                  <a:t> </a:t>
+                </a:r>
+              </a:p>
+            </p:txBody>
+          </p:sp>
+        </mc:Fallback>
+      </mc:AlternateContent>
+      <mc:AlternateContent xmlns:mc="http://schemas.openxmlformats.org/markup-compatibility/2006">
+        <mc:Choice xmlns:a14="http://schemas.microsoft.com/office/drawing/2010/main" Requires="a14">
+          <p:sp>
+            <p:nvSpPr>
+              <p:cNvPr id="5" name="Rectangle 4">
+                <a:extLst>
+                  <a:ext uri="{FF2B5EF4-FFF2-40B4-BE49-F238E27FC236}">
+                    <a16:creationId xmlns:a16="http://schemas.microsoft.com/office/drawing/2014/main" id="{65DE9745-9A3C-D2F7-2978-58055599BF0F}"/>
+                  </a:ext>
+                </a:extLst>
+              </p:cNvPr>
+              <p:cNvSpPr/>
+              <p:nvPr/>
+            </p:nvSpPr>
+            <p:spPr>
+              <a:xfrm>
+                <a:off x="-249861" y="2687645"/>
+                <a:ext cx="11459688" cy="1050480"/>
+              </a:xfrm>
+              <a:prstGeom prst="rect">
+                <a:avLst/>
+              </a:prstGeom>
+            </p:spPr>
+            <p:txBody>
+              <a:bodyPr wrap="square">
+                <a:spAutoFit/>
+              </a:bodyPr>
+              <a:lstStyle/>
+              <a:p>
+                <a14:m>
+                  <m:oMathPara xmlns:m="http://schemas.openxmlformats.org/officeDocument/2006/math">
+                    <m:oMathParaPr>
+                      <m:jc m:val="centerGroup"/>
+                    </m:oMathParaPr>
+                    <m:oMath xmlns:m="http://schemas.openxmlformats.org/officeDocument/2006/math">
+                      <m:acc>
+                        <m:accPr>
+                          <m:chr m:val="⃗"/>
+                          <m:ctrlPr>
+                            <a:rPr lang="fr-FR" sz="1400" i="1" smtClean="0">
+                              <a:latin typeface="Cambria Math" panose="02040503050406030204" pitchFamily="18" charset="0"/>
+                              <a:ea typeface="Cambria Math" panose="02040503050406030204" pitchFamily="18" charset="0"/>
+                            </a:rPr>
+                          </m:ctrlPr>
+                        </m:accPr>
+                        <m:e>
+                          <m:r>
+                            <a:rPr lang="fr-FR" sz="1400" i="1">
+                              <a:latin typeface="Cambria Math" panose="02040503050406030204" pitchFamily="18" charset="0"/>
+                              <a:ea typeface="Cambria Math" panose="02040503050406030204" pitchFamily="18" charset="0"/>
+                            </a:rPr>
+                            <m:t>𝛿</m:t>
+                          </m:r>
+                          <m:d>
+                            <m:dPr>
+                              <m:ctrlPr>
+                                <a:rPr lang="fr-FR" sz="1400" i="1">
+                                  <a:latin typeface="Cambria Math" panose="02040503050406030204" pitchFamily="18" charset="0"/>
+                                </a:rPr>
+                              </m:ctrlPr>
+                            </m:dPr>
+                            <m:e>
+                              <m:f>
+                                <m:fPr>
+                                  <m:type m:val="lin"/>
+                                  <m:ctrlPr>
+                                    <a:rPr lang="fr-FR" sz="1400" i="1">
+                                      <a:latin typeface="Cambria Math" panose="02040503050406030204" pitchFamily="18" charset="0"/>
+                                    </a:rPr>
+                                  </m:ctrlPr>
+                                </m:fPr>
+                                <m:num>
+                                  <m:sSub>
+                                    <m:sSubPr>
+                                      <m:ctrlPr>
+                                        <a:rPr lang="fr-FR" sz="1400" i="1">
+                                          <a:latin typeface="Cambria Math" panose="02040503050406030204" pitchFamily="18" charset="0"/>
+                                        </a:rPr>
+                                      </m:ctrlPr>
+                                    </m:sSubPr>
+                                    <m:e>
+                                      <m:r>
+                                        <a:rPr lang="fr-FR" sz="1400" i="1">
+                                          <a:latin typeface="Cambria Math" panose="02040503050406030204" pitchFamily="18" charset="0"/>
+                                        </a:rPr>
+                                        <m:t>𝐺</m:t>
+                                      </m:r>
+                                    </m:e>
+                                    <m:sub>
+                                      <m:r>
+                                        <a:rPr lang="fr-FR" sz="1400" i="1">
+                                          <a:latin typeface="Cambria Math" panose="02040503050406030204" pitchFamily="18" charset="0"/>
+                                        </a:rPr>
+                                        <m:t>2</m:t>
+                                      </m:r>
+                                    </m:sub>
+                                  </m:sSub>
+                                  <m:r>
+                                    <a:rPr lang="fr-FR" sz="1400" i="1">
+                                      <a:latin typeface="Cambria Math" panose="02040503050406030204" pitchFamily="18" charset="0"/>
+                                    </a:rPr>
+                                    <m:t>,2</m:t>
+                                  </m:r>
+                                </m:num>
+                                <m:den>
+                                  <m:r>
+                                    <a:rPr lang="fr-FR" sz="1400" i="1">
+                                      <a:latin typeface="Cambria Math" panose="02040503050406030204" pitchFamily="18" charset="0"/>
+                                    </a:rPr>
+                                    <m:t>0</m:t>
+                                  </m:r>
+                                </m:den>
+                              </m:f>
+                            </m:e>
+                          </m:d>
+                        </m:e>
+                      </m:acc>
+                      <m:r>
+                        <a:rPr lang="fr-FR" sz="1400" b="0" i="1" smtClean="0">
+                          <a:latin typeface="Cambria Math" panose="02040503050406030204" pitchFamily="18" charset="0"/>
+                        </a:rPr>
+                        <m:t>⋅</m:t>
+                      </m:r>
+                      <m:acc>
+                        <m:accPr>
+                          <m:chr m:val="⃗"/>
+                          <m:ctrlPr>
+                            <a:rPr lang="fr-FR" sz="1400" i="1">
+                              <a:latin typeface="Cambria Math" panose="02040503050406030204" pitchFamily="18" charset="0"/>
+                            </a:rPr>
+                          </m:ctrlPr>
+                        </m:accPr>
+                        <m:e>
+                          <m:sSub>
+                            <m:sSubPr>
+                              <m:ctrlPr>
+                                <a:rPr lang="fr-FR" sz="1400" i="1">
+                                  <a:latin typeface="Cambria Math" panose="02040503050406030204" pitchFamily="18" charset="0"/>
+                                </a:rPr>
+                              </m:ctrlPr>
+                            </m:sSubPr>
+                            <m:e>
+                              <m:r>
+                                <a:rPr lang="fr-FR" sz="1400" i="1">
+                                  <a:latin typeface="Cambria Math" panose="02040503050406030204" pitchFamily="18" charset="0"/>
+                                </a:rPr>
+                                <m:t>𝑥</m:t>
+                              </m:r>
+                            </m:e>
+                            <m:sub>
+                              <m:r>
+                                <a:rPr lang="fr-FR" sz="1400" b="0" i="1" smtClean="0">
+                                  <a:latin typeface="Cambria Math" panose="02040503050406030204" pitchFamily="18" charset="0"/>
+                                </a:rPr>
+                                <m:t>1</m:t>
+                              </m:r>
+                            </m:sub>
+                          </m:sSub>
+                        </m:e>
+                      </m:acc>
+                      <m:r>
+                        <a:rPr lang="fr-FR" sz="1400" i="1">
+                          <a:latin typeface="Cambria Math" panose="02040503050406030204" pitchFamily="18" charset="0"/>
+                          <a:ea typeface="Cambria Math" panose="02040503050406030204" pitchFamily="18" charset="0"/>
+                        </a:rPr>
+                        <m:t>=</m:t>
+                      </m:r>
+                      <m:r>
+                        <a:rPr lang="fr-FR" sz="1400" i="1">
+                          <a:latin typeface="Cambria Math" panose="02040503050406030204" pitchFamily="18" charset="0"/>
+                        </a:rPr>
+                        <m:t>𝐴</m:t>
+                      </m:r>
+                      <m:acc>
+                        <m:accPr>
+                          <m:chr m:val="̈"/>
+                          <m:ctrlPr>
+                            <a:rPr lang="fr-FR" sz="1400" i="1">
+                              <a:latin typeface="Cambria Math" panose="02040503050406030204" pitchFamily="18" charset="0"/>
+                              <a:ea typeface="Cambria Math" panose="02040503050406030204" pitchFamily="18" charset="0"/>
+                            </a:rPr>
+                          </m:ctrlPr>
+                        </m:accPr>
+                        <m:e>
+                          <m:r>
+                            <a:rPr lang="fr-FR" sz="1400" i="1">
+                              <a:latin typeface="Cambria Math" panose="02040503050406030204" pitchFamily="18" charset="0"/>
+                              <a:ea typeface="Cambria Math" panose="02040503050406030204" pitchFamily="18" charset="0"/>
+                            </a:rPr>
+                            <m:t>𝜑</m:t>
+                          </m:r>
+                        </m:e>
+                      </m:acc>
+                      <m:func>
+                        <m:funcPr>
+                          <m:ctrlPr>
+                            <a:rPr lang="fr-FR" sz="1400" i="1">
+                              <a:latin typeface="Cambria Math" panose="02040503050406030204" pitchFamily="18" charset="0"/>
+                            </a:rPr>
+                          </m:ctrlPr>
+                        </m:funcPr>
+                        <m:fName>
+                          <m:r>
+                            <m:rPr>
+                              <m:sty m:val="p"/>
+                            </m:rPr>
+                            <a:rPr lang="fr-FR" sz="1400">
+                              <a:latin typeface="Cambria Math" panose="02040503050406030204" pitchFamily="18" charset="0"/>
+                            </a:rPr>
+                            <m:t>cos</m:t>
+                          </m:r>
+                        </m:fName>
+                        <m:e>
+                          <m:r>
+                            <a:rPr lang="fr-FR" sz="1400" i="1">
+                              <a:latin typeface="Cambria Math" panose="02040503050406030204" pitchFamily="18" charset="0"/>
+                            </a:rPr>
+                            <m:t>𝜃</m:t>
+                          </m:r>
+                        </m:e>
+                      </m:func>
+                      <m:acc>
+                        <m:accPr>
+                          <m:chr m:val="⃗"/>
+                          <m:ctrlPr>
+                            <a:rPr lang="fr-FR" sz="1400" i="1">
+                              <a:latin typeface="Cambria Math" panose="02040503050406030204" pitchFamily="18" charset="0"/>
+                            </a:rPr>
+                          </m:ctrlPr>
+                        </m:accPr>
+                        <m:e>
+                          <m:sSub>
+                            <m:sSubPr>
+                              <m:ctrlPr>
+                                <a:rPr lang="fr-FR" sz="1400" i="1">
+                                  <a:latin typeface="Cambria Math" panose="02040503050406030204" pitchFamily="18" charset="0"/>
+                                </a:rPr>
+                              </m:ctrlPr>
+                            </m:sSubPr>
+                            <m:e>
+                              <m:r>
+                                <a:rPr lang="fr-FR" sz="1400" i="1">
+                                  <a:latin typeface="Cambria Math" panose="02040503050406030204" pitchFamily="18" charset="0"/>
+                                </a:rPr>
+                                <m:t>𝑥</m:t>
+                              </m:r>
+                            </m:e>
+                            <m:sub>
+                              <m:r>
+                                <a:rPr lang="fr-FR" sz="1400" i="1">
+                                  <a:latin typeface="Cambria Math" panose="02040503050406030204" pitchFamily="18" charset="0"/>
+                                </a:rPr>
+                                <m:t>2</m:t>
+                              </m:r>
+                            </m:sub>
+                          </m:sSub>
+                        </m:e>
+                      </m:acc>
+                      <m:r>
+                        <a:rPr lang="fr-FR" sz="1400" i="1">
+                          <a:latin typeface="Cambria Math" panose="02040503050406030204" pitchFamily="18" charset="0"/>
+                        </a:rPr>
+                        <m:t>⋅</m:t>
+                      </m:r>
+                      <m:acc>
+                        <m:accPr>
+                          <m:chr m:val="⃗"/>
+                          <m:ctrlPr>
+                            <a:rPr lang="fr-FR" sz="1400" i="1">
+                              <a:latin typeface="Cambria Math" panose="02040503050406030204" pitchFamily="18" charset="0"/>
+                            </a:rPr>
+                          </m:ctrlPr>
+                        </m:accPr>
+                        <m:e>
+                          <m:sSub>
+                            <m:sSubPr>
+                              <m:ctrlPr>
+                                <a:rPr lang="fr-FR" sz="1400" i="1">
+                                  <a:latin typeface="Cambria Math" panose="02040503050406030204" pitchFamily="18" charset="0"/>
+                                </a:rPr>
+                              </m:ctrlPr>
+                            </m:sSubPr>
+                            <m:e>
+                              <m:r>
+                                <a:rPr lang="fr-FR" sz="1400" i="1">
+                                  <a:latin typeface="Cambria Math" panose="02040503050406030204" pitchFamily="18" charset="0"/>
+                                </a:rPr>
+                                <m:t>𝑥</m:t>
+                              </m:r>
+                            </m:e>
+                            <m:sub>
+                              <m:r>
+                                <a:rPr lang="fr-FR" sz="1400" i="1">
+                                  <a:latin typeface="Cambria Math" panose="02040503050406030204" pitchFamily="18" charset="0"/>
+                                </a:rPr>
+                                <m:t>1</m:t>
+                              </m:r>
+                            </m:sub>
+                          </m:sSub>
+                        </m:e>
+                      </m:acc>
+                      <m:r>
+                        <a:rPr lang="fr-FR" sz="1400" i="1">
+                          <a:latin typeface="Cambria Math" panose="02040503050406030204" pitchFamily="18" charset="0"/>
+                        </a:rPr>
+                        <m:t>−</m:t>
+                      </m:r>
+                      <m:r>
+                        <a:rPr lang="fr-FR" sz="1400" i="1">
+                          <a:latin typeface="Cambria Math" panose="02040503050406030204" pitchFamily="18" charset="0"/>
+                        </a:rPr>
+                        <m:t>𝐴</m:t>
+                      </m:r>
+                      <m:acc>
+                        <m:accPr>
+                          <m:chr m:val="̇"/>
+                          <m:ctrlPr>
+                            <a:rPr lang="fr-FR" sz="1400" i="1">
+                              <a:latin typeface="Cambria Math" panose="02040503050406030204" pitchFamily="18" charset="0"/>
+                            </a:rPr>
+                          </m:ctrlPr>
+                        </m:accPr>
+                        <m:e>
+                          <m:r>
+                            <a:rPr lang="fr-FR" sz="1400" i="1">
+                              <a:latin typeface="Cambria Math" panose="02040503050406030204" pitchFamily="18" charset="0"/>
+                            </a:rPr>
+                            <m:t>𝜑</m:t>
+                          </m:r>
+                        </m:e>
+                      </m:acc>
+                      <m:acc>
+                        <m:accPr>
+                          <m:chr m:val="̇"/>
+                          <m:ctrlPr>
+                            <a:rPr lang="fr-FR" sz="1400" i="1">
+                              <a:latin typeface="Cambria Math" panose="02040503050406030204" pitchFamily="18" charset="0"/>
+                            </a:rPr>
+                          </m:ctrlPr>
+                        </m:accPr>
+                        <m:e>
+                          <m:r>
+                            <a:rPr lang="fr-FR" sz="1400" i="1">
+                              <a:latin typeface="Cambria Math" panose="02040503050406030204" pitchFamily="18" charset="0"/>
+                            </a:rPr>
+                            <m:t>𝜃</m:t>
+                          </m:r>
+                        </m:e>
+                      </m:acc>
+                      <m:func>
+                        <m:funcPr>
+                          <m:ctrlPr>
+                            <a:rPr lang="fr-FR" sz="1400" i="1">
+                              <a:latin typeface="Cambria Math" panose="02040503050406030204" pitchFamily="18" charset="0"/>
+                            </a:rPr>
+                          </m:ctrlPr>
+                        </m:funcPr>
+                        <m:fName>
+                          <m:r>
+                            <m:rPr>
+                              <m:sty m:val="p"/>
+                            </m:rPr>
+                            <a:rPr lang="fr-FR" sz="1400">
+                              <a:latin typeface="Cambria Math" panose="02040503050406030204" pitchFamily="18" charset="0"/>
+                            </a:rPr>
+                            <m:t>sin</m:t>
+                          </m:r>
+                        </m:fName>
+                        <m:e>
+                          <m:r>
+                            <a:rPr lang="fr-FR" sz="1400" i="1">
+                              <a:latin typeface="Cambria Math" panose="02040503050406030204" pitchFamily="18" charset="0"/>
+                            </a:rPr>
+                            <m:t>𝜃</m:t>
+                          </m:r>
+                        </m:e>
+                      </m:func>
+                      <m:acc>
+                        <m:accPr>
+                          <m:chr m:val="⃗"/>
+                          <m:ctrlPr>
+                            <a:rPr lang="fr-FR" sz="1400" i="1" smtClean="0">
+                              <a:latin typeface="Cambria Math" panose="02040503050406030204" pitchFamily="18" charset="0"/>
+                            </a:rPr>
+                          </m:ctrlPr>
+                        </m:accPr>
+                        <m:e>
+                          <m:sSub>
+                            <m:sSubPr>
+                              <m:ctrlPr>
+                                <a:rPr lang="fr-FR" sz="1400" i="1">
+                                  <a:latin typeface="Cambria Math" panose="02040503050406030204" pitchFamily="18" charset="0"/>
+                                </a:rPr>
+                              </m:ctrlPr>
+                            </m:sSubPr>
+                            <m:e>
+                              <m:r>
+                                <a:rPr lang="fr-FR" sz="1400" i="1">
+                                  <a:latin typeface="Cambria Math" panose="02040503050406030204" pitchFamily="18" charset="0"/>
+                                </a:rPr>
+                                <m:t>𝑥</m:t>
+                              </m:r>
+                            </m:e>
+                            <m:sub>
+                              <m:r>
+                                <a:rPr lang="fr-FR" sz="1400" i="1">
+                                  <a:latin typeface="Cambria Math" panose="02040503050406030204" pitchFamily="18" charset="0"/>
+                                </a:rPr>
+                                <m:t>2</m:t>
+                              </m:r>
+                            </m:sub>
+                          </m:sSub>
+                        </m:e>
+                      </m:acc>
+                      <m:r>
+                        <a:rPr lang="fr-FR" sz="1400" i="1">
+                          <a:latin typeface="Cambria Math" panose="02040503050406030204" pitchFamily="18" charset="0"/>
+                        </a:rPr>
+                        <m:t>⋅</m:t>
+                      </m:r>
+                      <m:acc>
+                        <m:accPr>
+                          <m:chr m:val="⃗"/>
+                          <m:ctrlPr>
+                            <a:rPr lang="fr-FR" sz="1400" i="1">
+                              <a:latin typeface="Cambria Math" panose="02040503050406030204" pitchFamily="18" charset="0"/>
+                            </a:rPr>
+                          </m:ctrlPr>
+                        </m:accPr>
+                        <m:e>
+                          <m:sSub>
+                            <m:sSubPr>
+                              <m:ctrlPr>
+                                <a:rPr lang="fr-FR" sz="1400" i="1">
+                                  <a:latin typeface="Cambria Math" panose="02040503050406030204" pitchFamily="18" charset="0"/>
+                                </a:rPr>
+                              </m:ctrlPr>
+                            </m:sSubPr>
+                            <m:e>
+                              <m:r>
+                                <a:rPr lang="fr-FR" sz="1400" i="1">
+                                  <a:latin typeface="Cambria Math" panose="02040503050406030204" pitchFamily="18" charset="0"/>
+                                </a:rPr>
+                                <m:t>𝑥</m:t>
+                              </m:r>
+                            </m:e>
+                            <m:sub>
+                              <m:r>
+                                <a:rPr lang="fr-FR" sz="1400" i="1">
+                                  <a:latin typeface="Cambria Math" panose="02040503050406030204" pitchFamily="18" charset="0"/>
+                                </a:rPr>
+                                <m:t>1</m:t>
+                              </m:r>
+                            </m:sub>
+                          </m:sSub>
+                        </m:e>
+                      </m:acc>
+                      <m:r>
+                        <a:rPr lang="fr-FR" sz="1400" i="1">
+                          <a:latin typeface="Cambria Math" panose="02040503050406030204" pitchFamily="18" charset="0"/>
+                        </a:rPr>
+                        <m:t>+</m:t>
+                      </m:r>
+                      <m:r>
+                        <a:rPr lang="fr-FR" sz="1400" i="1">
+                          <a:latin typeface="Cambria Math" panose="02040503050406030204" pitchFamily="18" charset="0"/>
+                        </a:rPr>
+                        <m:t>𝐴</m:t>
+                      </m:r>
+                      <m:acc>
+                        <m:accPr>
+                          <m:chr m:val="̇"/>
+                          <m:ctrlPr>
+                            <a:rPr lang="fr-FR" sz="1400" i="1">
+                              <a:latin typeface="Cambria Math" panose="02040503050406030204" pitchFamily="18" charset="0"/>
+                            </a:rPr>
+                          </m:ctrlPr>
+                        </m:accPr>
+                        <m:e>
+                          <m:r>
+                            <a:rPr lang="fr-FR" sz="1400" i="1">
+                              <a:latin typeface="Cambria Math" panose="02040503050406030204" pitchFamily="18" charset="0"/>
+                            </a:rPr>
+                            <m:t>𝜑</m:t>
+                          </m:r>
+                        </m:e>
+                      </m:acc>
+                      <m:func>
+                        <m:funcPr>
+                          <m:ctrlPr>
+                            <a:rPr lang="fr-FR" sz="1400" i="1">
+                              <a:latin typeface="Cambria Math" panose="02040503050406030204" pitchFamily="18" charset="0"/>
+                            </a:rPr>
+                          </m:ctrlPr>
+                        </m:funcPr>
+                        <m:fName>
+                          <m:r>
+                            <m:rPr>
+                              <m:sty m:val="p"/>
+                            </m:rPr>
+                            <a:rPr lang="fr-FR" sz="1400">
+                              <a:latin typeface="Cambria Math" panose="02040503050406030204" pitchFamily="18" charset="0"/>
+                            </a:rPr>
+                            <m:t>cos</m:t>
+                          </m:r>
+                        </m:fName>
+                        <m:e>
+                          <m:r>
+                            <a:rPr lang="fr-FR" sz="1400" i="1">
+                              <a:latin typeface="Cambria Math" panose="02040503050406030204" pitchFamily="18" charset="0"/>
+                            </a:rPr>
+                            <m:t>𝜃</m:t>
+                          </m:r>
+                        </m:e>
+                      </m:func>
+                      <m:d>
+                        <m:dPr>
+                          <m:ctrlPr>
+                            <a:rPr lang="fr-FR" sz="1400" i="1">
+                              <a:latin typeface="Cambria Math" panose="02040503050406030204" pitchFamily="18" charset="0"/>
+                            </a:rPr>
+                          </m:ctrlPr>
+                        </m:dPr>
+                        <m:e>
+                          <m:acc>
+                            <m:accPr>
+                              <m:chr m:val="̇"/>
+                              <m:ctrlPr>
+                                <a:rPr lang="fr-FR" sz="1400" i="1">
+                                  <a:latin typeface="Cambria Math" panose="02040503050406030204" pitchFamily="18" charset="0"/>
+                                </a:rPr>
+                              </m:ctrlPr>
+                            </m:accPr>
+                            <m:e>
+                              <m:r>
+                                <a:rPr lang="fr-FR" sz="1400" i="1">
+                                  <a:latin typeface="Cambria Math" panose="02040503050406030204" pitchFamily="18" charset="0"/>
+                                </a:rPr>
+                                <m:t>𝜑</m:t>
+                              </m:r>
+                            </m:e>
+                          </m:acc>
+                          <m:func>
+                            <m:funcPr>
+                              <m:ctrlPr>
+                                <a:rPr lang="fr-FR" sz="1400" i="1">
+                                  <a:latin typeface="Cambria Math" panose="02040503050406030204" pitchFamily="18" charset="0"/>
+                                </a:rPr>
+                              </m:ctrlPr>
+                            </m:funcPr>
+                            <m:fName>
+                              <m:r>
+                                <m:rPr>
+                                  <m:sty m:val="p"/>
+                                </m:rPr>
+                                <a:rPr lang="fr-FR" sz="1400">
+                                  <a:latin typeface="Cambria Math" panose="02040503050406030204" pitchFamily="18" charset="0"/>
+                                </a:rPr>
+                                <m:t>sin</m:t>
+                              </m:r>
+                            </m:fName>
+                            <m:e>
+                              <m:r>
+                                <a:rPr lang="fr-FR" sz="1400" i="1">
+                                  <a:latin typeface="Cambria Math" panose="02040503050406030204" pitchFamily="18" charset="0"/>
+                                </a:rPr>
+                                <m:t>𝜃</m:t>
+                              </m:r>
+                            </m:e>
+                          </m:func>
+                          <m:acc>
+                            <m:accPr>
+                              <m:chr m:val="⃗"/>
+                              <m:ctrlPr>
+                                <a:rPr lang="fr-FR" sz="1400" i="1">
+                                  <a:latin typeface="Cambria Math" panose="02040503050406030204" pitchFamily="18" charset="0"/>
+                                </a:rPr>
+                              </m:ctrlPr>
+                            </m:accPr>
+                            <m:e>
+                              <m:sSub>
+                                <m:sSubPr>
+                                  <m:ctrlPr>
+                                    <a:rPr lang="fr-FR" sz="1400" i="1">
+                                      <a:latin typeface="Cambria Math" panose="02040503050406030204" pitchFamily="18" charset="0"/>
+                                    </a:rPr>
+                                  </m:ctrlPr>
+                                </m:sSubPr>
+                                <m:e>
+                                  <m:r>
+                                    <a:rPr lang="fr-FR" sz="1400" i="1">
+                                      <a:latin typeface="Cambria Math" panose="02040503050406030204" pitchFamily="18" charset="0"/>
+                                    </a:rPr>
+                                    <m:t>𝑦</m:t>
+                                  </m:r>
+                                </m:e>
+                                <m:sub>
+                                  <m:r>
+                                    <a:rPr lang="fr-FR" sz="1400" i="1">
+                                      <a:latin typeface="Cambria Math" panose="02040503050406030204" pitchFamily="18" charset="0"/>
+                                    </a:rPr>
+                                    <m:t>1</m:t>
+                                  </m:r>
+                                </m:sub>
+                              </m:sSub>
+                            </m:e>
+                          </m:acc>
+                          <m:r>
+                            <a:rPr lang="fr-FR" sz="1400" i="1">
+                              <a:latin typeface="Cambria Math" panose="02040503050406030204" pitchFamily="18" charset="0"/>
+                            </a:rPr>
+                            <m:t>⋅</m:t>
+                          </m:r>
+                          <m:acc>
+                            <m:accPr>
+                              <m:chr m:val="⃗"/>
+                              <m:ctrlPr>
+                                <a:rPr lang="fr-FR" sz="1400" i="1">
+                                  <a:latin typeface="Cambria Math" panose="02040503050406030204" pitchFamily="18" charset="0"/>
+                                </a:rPr>
+                              </m:ctrlPr>
+                            </m:accPr>
+                            <m:e>
+                              <m:sSub>
+                                <m:sSubPr>
+                                  <m:ctrlPr>
+                                    <a:rPr lang="fr-FR" sz="1400" i="1">
+                                      <a:latin typeface="Cambria Math" panose="02040503050406030204" pitchFamily="18" charset="0"/>
+                                    </a:rPr>
+                                  </m:ctrlPr>
+                                </m:sSubPr>
+                                <m:e>
+                                  <m:r>
+                                    <a:rPr lang="fr-FR" sz="1400" i="1">
+                                      <a:latin typeface="Cambria Math" panose="02040503050406030204" pitchFamily="18" charset="0"/>
+                                    </a:rPr>
+                                    <m:t>𝑥</m:t>
+                                  </m:r>
+                                </m:e>
+                                <m:sub>
+                                  <m:r>
+                                    <a:rPr lang="fr-FR" sz="1400" i="1">
+                                      <a:latin typeface="Cambria Math" panose="02040503050406030204" pitchFamily="18" charset="0"/>
+                                    </a:rPr>
+                                    <m:t>1</m:t>
+                                  </m:r>
+                                </m:sub>
+                              </m:sSub>
+                            </m:e>
+                          </m:acc>
+                          <m:r>
+                            <a:rPr lang="fr-FR" sz="1400" i="1">
+                              <a:latin typeface="Cambria Math" panose="02040503050406030204" pitchFamily="18" charset="0"/>
+                            </a:rPr>
+                            <m:t>−</m:t>
+                          </m:r>
+                          <m:acc>
+                            <m:accPr>
+                              <m:chr m:val="̇"/>
+                              <m:ctrlPr>
+                                <a:rPr lang="fr-FR" sz="1400" i="1">
+                                  <a:latin typeface="Cambria Math" panose="02040503050406030204" pitchFamily="18" charset="0"/>
+                                </a:rPr>
+                              </m:ctrlPr>
+                            </m:accPr>
+                            <m:e>
+                              <m:r>
+                                <a:rPr lang="fr-FR" sz="1400" i="1">
+                                  <a:latin typeface="Cambria Math" panose="02040503050406030204" pitchFamily="18" charset="0"/>
+                                </a:rPr>
+                                <m:t>𝜃</m:t>
+                              </m:r>
+                            </m:e>
+                          </m:acc>
+                          <m:acc>
+                            <m:accPr>
+                              <m:chr m:val="⃗"/>
+                              <m:ctrlPr>
+                                <a:rPr lang="fr-FR" sz="1400" i="1">
+                                  <a:latin typeface="Cambria Math" panose="02040503050406030204" pitchFamily="18" charset="0"/>
+                                </a:rPr>
+                              </m:ctrlPr>
+                            </m:accPr>
+                            <m:e>
+                              <m:sSub>
+                                <m:sSubPr>
+                                  <m:ctrlPr>
+                                    <a:rPr lang="fr-FR" sz="1400" i="1">
+                                      <a:latin typeface="Cambria Math" panose="02040503050406030204" pitchFamily="18" charset="0"/>
+                                    </a:rPr>
+                                  </m:ctrlPr>
+                                </m:sSubPr>
+                                <m:e>
+                                  <m:r>
+                                    <a:rPr lang="fr-FR" sz="1400" i="1">
+                                      <a:latin typeface="Cambria Math" panose="02040503050406030204" pitchFamily="18" charset="0"/>
+                                    </a:rPr>
+                                    <m:t>𝑧</m:t>
+                                  </m:r>
+                                </m:e>
+                                <m:sub>
+                                  <m:r>
+                                    <a:rPr lang="fr-FR" sz="1400" i="1">
+                                      <a:latin typeface="Cambria Math" panose="02040503050406030204" pitchFamily="18" charset="0"/>
+                                    </a:rPr>
+                                    <m:t>2</m:t>
+                                  </m:r>
+                                </m:sub>
+                              </m:sSub>
+                            </m:e>
+                          </m:acc>
+                          <m:r>
+                            <a:rPr lang="fr-FR" sz="1400" i="1">
+                              <a:latin typeface="Cambria Math" panose="02040503050406030204" pitchFamily="18" charset="0"/>
+                            </a:rPr>
+                            <m:t>⋅</m:t>
+                          </m:r>
+                          <m:acc>
+                            <m:accPr>
+                              <m:chr m:val="⃗"/>
+                              <m:ctrlPr>
+                                <a:rPr lang="fr-FR" sz="1400" i="1">
+                                  <a:latin typeface="Cambria Math" panose="02040503050406030204" pitchFamily="18" charset="0"/>
+                                </a:rPr>
+                              </m:ctrlPr>
+                            </m:accPr>
+                            <m:e>
+                              <m:sSub>
+                                <m:sSubPr>
+                                  <m:ctrlPr>
+                                    <a:rPr lang="fr-FR" sz="1400" i="1">
+                                      <a:latin typeface="Cambria Math" panose="02040503050406030204" pitchFamily="18" charset="0"/>
+                                    </a:rPr>
+                                  </m:ctrlPr>
+                                </m:sSubPr>
+                                <m:e>
+                                  <m:r>
+                                    <a:rPr lang="fr-FR" sz="1400" i="1">
+                                      <a:latin typeface="Cambria Math" panose="02040503050406030204" pitchFamily="18" charset="0"/>
+                                    </a:rPr>
+                                    <m:t>𝑥</m:t>
+                                  </m:r>
+                                </m:e>
+                                <m:sub>
+                                  <m:r>
+                                    <a:rPr lang="fr-FR" sz="1400" i="1">
+                                      <a:latin typeface="Cambria Math" panose="02040503050406030204" pitchFamily="18" charset="0"/>
+                                    </a:rPr>
+                                    <m:t>1</m:t>
+                                  </m:r>
+                                </m:sub>
+                              </m:sSub>
+                            </m:e>
+                          </m:acc>
+                        </m:e>
+                      </m:d>
+                      <m:r>
+                        <a:rPr lang="fr-FR" sz="1400" i="1">
+                          <a:latin typeface="Cambria Math" panose="02040503050406030204" pitchFamily="18" charset="0"/>
+                        </a:rPr>
+                        <m:t>+</m:t>
+                      </m:r>
+                      <m:acc>
+                        <m:accPr>
+                          <m:chr m:val="̈"/>
+                          <m:ctrlPr>
+                            <a:rPr lang="fr-FR" sz="1400" i="1">
+                              <a:latin typeface="Cambria Math" panose="02040503050406030204" pitchFamily="18" charset="0"/>
+                              <a:ea typeface="Cambria Math" panose="02040503050406030204" pitchFamily="18" charset="0"/>
+                            </a:rPr>
+                          </m:ctrlPr>
+                        </m:accPr>
+                        <m:e>
+                          <m:r>
+                            <a:rPr lang="fr-FR" sz="1400" i="1">
+                              <a:latin typeface="Cambria Math" panose="02040503050406030204" pitchFamily="18" charset="0"/>
+                              <a:ea typeface="Cambria Math" panose="02040503050406030204" pitchFamily="18" charset="0"/>
+                            </a:rPr>
+                            <m:t>𝜃</m:t>
+                          </m:r>
+                        </m:e>
+                      </m:acc>
+                      <m:acc>
+                        <m:accPr>
+                          <m:chr m:val="⃗"/>
+                          <m:ctrlPr>
+                            <a:rPr lang="fr-FR" sz="1400" i="1">
+                              <a:latin typeface="Cambria Math" panose="02040503050406030204" pitchFamily="18" charset="0"/>
+                            </a:rPr>
+                          </m:ctrlPr>
+                        </m:accPr>
+                        <m:e>
+                          <m:sSub>
+                            <m:sSubPr>
+                              <m:ctrlPr>
+                                <a:rPr lang="fr-FR" sz="1400" i="1">
+                                  <a:latin typeface="Cambria Math" panose="02040503050406030204" pitchFamily="18" charset="0"/>
+                                </a:rPr>
+                              </m:ctrlPr>
+                            </m:sSubPr>
+                            <m:e>
+                              <m:r>
+                                <a:rPr lang="fr-FR" sz="1400" i="1">
+                                  <a:latin typeface="Cambria Math" panose="02040503050406030204" pitchFamily="18" charset="0"/>
+                                </a:rPr>
+                                <m:t>𝑦</m:t>
+                              </m:r>
+                            </m:e>
+                            <m:sub>
+                              <m:r>
+                                <a:rPr lang="fr-FR" sz="1400" i="1">
+                                  <a:latin typeface="Cambria Math" panose="02040503050406030204" pitchFamily="18" charset="0"/>
+                                </a:rPr>
+                                <m:t>2</m:t>
+                              </m:r>
+                            </m:sub>
+                          </m:sSub>
+                        </m:e>
+                      </m:acc>
+                      <m:r>
+                        <a:rPr lang="fr-FR" sz="1400" i="1">
+                          <a:latin typeface="Cambria Math" panose="02040503050406030204" pitchFamily="18" charset="0"/>
+                        </a:rPr>
+                        <m:t>⋅</m:t>
+                      </m:r>
+                      <m:acc>
+                        <m:accPr>
+                          <m:chr m:val="⃗"/>
+                          <m:ctrlPr>
+                            <a:rPr lang="fr-FR" sz="1400" i="1">
+                              <a:latin typeface="Cambria Math" panose="02040503050406030204" pitchFamily="18" charset="0"/>
+                            </a:rPr>
+                          </m:ctrlPr>
+                        </m:accPr>
+                        <m:e>
+                          <m:sSub>
+                            <m:sSubPr>
+                              <m:ctrlPr>
+                                <a:rPr lang="fr-FR" sz="1400" i="1">
+                                  <a:latin typeface="Cambria Math" panose="02040503050406030204" pitchFamily="18" charset="0"/>
+                                </a:rPr>
+                              </m:ctrlPr>
+                            </m:sSubPr>
+                            <m:e>
+                              <m:r>
+                                <a:rPr lang="fr-FR" sz="1400" i="1">
+                                  <a:latin typeface="Cambria Math" panose="02040503050406030204" pitchFamily="18" charset="0"/>
+                                </a:rPr>
+                                <m:t>𝑥</m:t>
+                              </m:r>
+                            </m:e>
+                            <m:sub>
+                              <m:r>
+                                <a:rPr lang="fr-FR" sz="1400" i="1">
+                                  <a:latin typeface="Cambria Math" panose="02040503050406030204" pitchFamily="18" charset="0"/>
+                                </a:rPr>
+                                <m:t>1</m:t>
+                              </m:r>
+                            </m:sub>
+                          </m:sSub>
+                        </m:e>
+                      </m:acc>
+                      <m:r>
+                        <a:rPr lang="fr-FR" sz="1400" i="1">
+                          <a:latin typeface="Cambria Math" panose="02040503050406030204" pitchFamily="18" charset="0"/>
+                        </a:rPr>
+                        <m:t>+</m:t>
+                      </m:r>
+                      <m:acc>
+                        <m:accPr>
+                          <m:chr m:val="̇"/>
+                          <m:ctrlPr>
+                            <a:rPr lang="fr-FR" sz="1400" i="1">
+                              <a:latin typeface="Cambria Math" panose="02040503050406030204" pitchFamily="18" charset="0"/>
+                            </a:rPr>
+                          </m:ctrlPr>
+                        </m:accPr>
+                        <m:e>
+                          <m:r>
+                            <a:rPr lang="fr-FR" sz="1400" i="1">
+                              <a:latin typeface="Cambria Math" panose="02040503050406030204" pitchFamily="18" charset="0"/>
+                            </a:rPr>
+                            <m:t>𝜃</m:t>
+                          </m:r>
+                        </m:e>
+                      </m:acc>
+                      <m:acc>
+                        <m:accPr>
+                          <m:chr m:val="̇"/>
+                          <m:ctrlPr>
+                            <a:rPr lang="fr-FR" sz="1400" i="1">
+                              <a:latin typeface="Cambria Math" panose="02040503050406030204" pitchFamily="18" charset="0"/>
+                            </a:rPr>
+                          </m:ctrlPr>
+                        </m:accPr>
+                        <m:e>
+                          <m:r>
+                            <a:rPr lang="fr-FR" sz="1400" i="1">
+                              <a:latin typeface="Cambria Math" panose="02040503050406030204" pitchFamily="18" charset="0"/>
+                            </a:rPr>
+                            <m:t>𝜑</m:t>
+                          </m:r>
+                        </m:e>
+                      </m:acc>
+                      <m:acc>
+                        <m:accPr>
+                          <m:chr m:val="⃗"/>
+                          <m:ctrlPr>
+                            <a:rPr lang="fr-FR" sz="1400" i="1">
+                              <a:latin typeface="Cambria Math" panose="02040503050406030204" pitchFamily="18" charset="0"/>
+                            </a:rPr>
+                          </m:ctrlPr>
+                        </m:accPr>
+                        <m:e>
+                          <m:sSub>
+                            <m:sSubPr>
+                              <m:ctrlPr>
+                                <a:rPr lang="fr-FR" sz="1400" i="1">
+                                  <a:latin typeface="Cambria Math" panose="02040503050406030204" pitchFamily="18" charset="0"/>
+                                </a:rPr>
+                              </m:ctrlPr>
+                            </m:sSubPr>
+                            <m:e>
+                              <m:r>
+                                <a:rPr lang="fr-FR" sz="1400" i="1">
+                                  <a:latin typeface="Cambria Math" panose="02040503050406030204" pitchFamily="18" charset="0"/>
+                                </a:rPr>
+                                <m:t>𝑧</m:t>
+                              </m:r>
+                            </m:e>
+                            <m:sub>
+                              <m:r>
+                                <a:rPr lang="fr-FR" sz="1400" i="1">
+                                  <a:latin typeface="Cambria Math" panose="02040503050406030204" pitchFamily="18" charset="0"/>
+                                </a:rPr>
+                                <m:t>1</m:t>
+                              </m:r>
+                            </m:sub>
+                          </m:sSub>
+                        </m:e>
+                      </m:acc>
+                      <m:r>
+                        <a:rPr lang="fr-FR" sz="1400" i="1">
+                          <a:latin typeface="Cambria Math" panose="02040503050406030204" pitchFamily="18" charset="0"/>
+                        </a:rPr>
+                        <m:t>⋅</m:t>
+                      </m:r>
+                      <m:acc>
+                        <m:accPr>
+                          <m:chr m:val="⃗"/>
+                          <m:ctrlPr>
+                            <a:rPr lang="fr-FR" sz="1400" i="1">
+                              <a:latin typeface="Cambria Math" panose="02040503050406030204" pitchFamily="18" charset="0"/>
+                            </a:rPr>
+                          </m:ctrlPr>
+                        </m:accPr>
+                        <m:e>
+                          <m:sSub>
+                            <m:sSubPr>
+                              <m:ctrlPr>
+                                <a:rPr lang="fr-FR" sz="1400" i="1">
+                                  <a:latin typeface="Cambria Math" panose="02040503050406030204" pitchFamily="18" charset="0"/>
+                                </a:rPr>
+                              </m:ctrlPr>
+                            </m:sSubPr>
+                            <m:e>
+                              <m:r>
+                                <a:rPr lang="fr-FR" sz="1400" i="1">
+                                  <a:latin typeface="Cambria Math" panose="02040503050406030204" pitchFamily="18" charset="0"/>
+                                </a:rPr>
+                                <m:t>𝑥</m:t>
+                              </m:r>
+                            </m:e>
+                            <m:sub>
+                              <m:r>
+                                <a:rPr lang="fr-FR" sz="1400" i="1">
+                                  <a:latin typeface="Cambria Math" panose="02040503050406030204" pitchFamily="18" charset="0"/>
+                                </a:rPr>
+                                <m:t>1</m:t>
+                              </m:r>
+                            </m:sub>
+                          </m:sSub>
+                        </m:e>
+                      </m:acc>
+                      <m:r>
+                        <a:rPr lang="fr-FR" sz="1400" i="1">
+                          <a:latin typeface="Cambria Math" panose="02040503050406030204" pitchFamily="18" charset="0"/>
+                        </a:rPr>
+                        <m:t>+</m:t>
+                      </m:r>
+                      <m:r>
+                        <a:rPr lang="fr-FR" sz="1400" i="1">
+                          <a:latin typeface="Cambria Math" panose="02040503050406030204" pitchFamily="18" charset="0"/>
+                        </a:rPr>
+                        <m:t>𝐶</m:t>
+                      </m:r>
+                      <m:acc>
+                        <m:accPr>
+                          <m:chr m:val="̈"/>
+                          <m:ctrlPr>
+                            <a:rPr lang="fr-FR" sz="1400" i="1" smtClean="0">
+                              <a:latin typeface="Cambria Math" panose="02040503050406030204" pitchFamily="18" charset="0"/>
+                              <a:ea typeface="Cambria Math" panose="02040503050406030204" pitchFamily="18" charset="0"/>
+                            </a:rPr>
+                          </m:ctrlPr>
+                        </m:accPr>
+                        <m:e>
+                          <m:r>
+                            <a:rPr lang="fr-FR" sz="1400" i="1">
+                              <a:latin typeface="Cambria Math" panose="02040503050406030204" pitchFamily="18" charset="0"/>
+                              <a:ea typeface="Cambria Math" panose="02040503050406030204" pitchFamily="18" charset="0"/>
+                            </a:rPr>
+                            <m:t>𝜑</m:t>
+                          </m:r>
+                        </m:e>
+                      </m:acc>
+                      <m:func>
+                        <m:funcPr>
+                          <m:ctrlPr>
+                            <a:rPr lang="fr-FR" sz="1400" i="1">
+                              <a:latin typeface="Cambria Math" panose="02040503050406030204" pitchFamily="18" charset="0"/>
+                            </a:rPr>
+                          </m:ctrlPr>
+                        </m:funcPr>
+                        <m:fName>
+                          <m:r>
+                            <m:rPr>
+                              <m:sty m:val="p"/>
+                            </m:rPr>
+                            <a:rPr lang="fr-FR" sz="1400">
+                              <a:latin typeface="Cambria Math" panose="02040503050406030204" pitchFamily="18" charset="0"/>
+                            </a:rPr>
+                            <m:t>sin</m:t>
+                          </m:r>
+                        </m:fName>
+                        <m:e>
+                          <m:r>
+                            <a:rPr lang="fr-FR" sz="1400" i="1">
+                              <a:latin typeface="Cambria Math" panose="02040503050406030204" pitchFamily="18" charset="0"/>
+                            </a:rPr>
+                            <m:t>𝜃</m:t>
+                          </m:r>
+                        </m:e>
+                      </m:func>
+                      <m:acc>
+                        <m:accPr>
+                          <m:chr m:val="⃗"/>
+                          <m:ctrlPr>
+                            <a:rPr lang="fr-FR" sz="1400" i="1">
+                              <a:latin typeface="Cambria Math" panose="02040503050406030204" pitchFamily="18" charset="0"/>
+                            </a:rPr>
+                          </m:ctrlPr>
+                        </m:accPr>
+                        <m:e>
+                          <m:sSub>
+                            <m:sSubPr>
+                              <m:ctrlPr>
+                                <a:rPr lang="fr-FR" sz="1400" i="1">
+                                  <a:latin typeface="Cambria Math" panose="02040503050406030204" pitchFamily="18" charset="0"/>
+                                </a:rPr>
+                              </m:ctrlPr>
+                            </m:sSubPr>
+                            <m:e>
+                              <m:r>
+                                <a:rPr lang="fr-FR" sz="1400" i="1">
+                                  <a:latin typeface="Cambria Math" panose="02040503050406030204" pitchFamily="18" charset="0"/>
+                                </a:rPr>
+                                <m:t>𝑧</m:t>
+                              </m:r>
+                            </m:e>
+                            <m:sub>
+                              <m:r>
+                                <a:rPr lang="fr-FR" sz="1400" i="1">
+                                  <a:latin typeface="Cambria Math" panose="02040503050406030204" pitchFamily="18" charset="0"/>
+                                </a:rPr>
+                                <m:t>2</m:t>
+                              </m:r>
+                            </m:sub>
+                          </m:sSub>
+                        </m:e>
+                      </m:acc>
+                      <m:r>
+                        <a:rPr lang="fr-FR" sz="1400" i="1">
+                          <a:latin typeface="Cambria Math" panose="02040503050406030204" pitchFamily="18" charset="0"/>
+                        </a:rPr>
+                        <m:t>⋅</m:t>
+                      </m:r>
+                      <m:acc>
+                        <m:accPr>
+                          <m:chr m:val="⃗"/>
+                          <m:ctrlPr>
+                            <a:rPr lang="fr-FR" sz="1400" i="1">
+                              <a:latin typeface="Cambria Math" panose="02040503050406030204" pitchFamily="18" charset="0"/>
+                            </a:rPr>
+                          </m:ctrlPr>
+                        </m:accPr>
+                        <m:e>
+                          <m:sSub>
+                            <m:sSubPr>
+                              <m:ctrlPr>
+                                <a:rPr lang="fr-FR" sz="1400" i="1">
+                                  <a:latin typeface="Cambria Math" panose="02040503050406030204" pitchFamily="18" charset="0"/>
+                                </a:rPr>
+                              </m:ctrlPr>
+                            </m:sSubPr>
+                            <m:e>
+                              <m:r>
+                                <a:rPr lang="fr-FR" sz="1400" i="1">
+                                  <a:latin typeface="Cambria Math" panose="02040503050406030204" pitchFamily="18" charset="0"/>
+                                </a:rPr>
+                                <m:t>𝑥</m:t>
+                              </m:r>
+                            </m:e>
+                            <m:sub>
+                              <m:r>
+                                <a:rPr lang="fr-FR" sz="1400" i="1">
+                                  <a:latin typeface="Cambria Math" panose="02040503050406030204" pitchFamily="18" charset="0"/>
+                                </a:rPr>
+                                <m:t>1</m:t>
+                              </m:r>
+                            </m:sub>
+                          </m:sSub>
+                        </m:e>
+                      </m:acc>
+                      <m:r>
+                        <a:rPr lang="fr-FR" sz="1400" i="1">
+                          <a:latin typeface="Cambria Math" panose="02040503050406030204" pitchFamily="18" charset="0"/>
+                        </a:rPr>
+                        <m:t>+</m:t>
+                      </m:r>
+                      <m:r>
+                        <a:rPr lang="fr-FR" sz="1400" i="1">
+                          <a:latin typeface="Cambria Math" panose="02040503050406030204" pitchFamily="18" charset="0"/>
+                        </a:rPr>
+                        <m:t>𝐶</m:t>
+                      </m:r>
+                      <m:acc>
+                        <m:accPr>
+                          <m:chr m:val="̇"/>
+                          <m:ctrlPr>
+                            <a:rPr lang="fr-FR" sz="1400" i="1">
+                              <a:latin typeface="Cambria Math" panose="02040503050406030204" pitchFamily="18" charset="0"/>
+                            </a:rPr>
+                          </m:ctrlPr>
+                        </m:accPr>
+                        <m:e>
+                          <m:r>
+                            <a:rPr lang="fr-FR" sz="1400" i="1">
+                              <a:latin typeface="Cambria Math" panose="02040503050406030204" pitchFamily="18" charset="0"/>
+                            </a:rPr>
+                            <m:t>𝜑</m:t>
+                          </m:r>
+                        </m:e>
+                      </m:acc>
+                      <m:acc>
+                        <m:accPr>
+                          <m:chr m:val="̇"/>
+                          <m:ctrlPr>
+                            <a:rPr lang="fr-FR" sz="1400" i="1" smtClean="0">
+                              <a:latin typeface="Cambria Math" panose="02040503050406030204" pitchFamily="18" charset="0"/>
+                            </a:rPr>
+                          </m:ctrlPr>
+                        </m:accPr>
+                        <m:e>
+                          <m:r>
+                            <a:rPr lang="fr-FR" sz="1400" i="1">
+                              <a:latin typeface="Cambria Math" panose="02040503050406030204" pitchFamily="18" charset="0"/>
+                            </a:rPr>
+                            <m:t>𝜃</m:t>
+                          </m:r>
+                        </m:e>
+                      </m:acc>
+                      <m:func>
+                        <m:funcPr>
+                          <m:ctrlPr>
+                            <a:rPr lang="fr-FR" sz="1400" i="1">
+                              <a:latin typeface="Cambria Math" panose="02040503050406030204" pitchFamily="18" charset="0"/>
+                            </a:rPr>
+                          </m:ctrlPr>
+                        </m:funcPr>
+                        <m:fName>
+                          <m:r>
+                            <m:rPr>
+                              <m:sty m:val="p"/>
+                            </m:rPr>
+                            <a:rPr lang="fr-FR" sz="1400" b="0" i="0" smtClean="0">
+                              <a:latin typeface="Cambria Math" panose="02040503050406030204" pitchFamily="18" charset="0"/>
+                            </a:rPr>
+                            <m:t>cos</m:t>
+                          </m:r>
+                        </m:fName>
+                        <m:e>
+                          <m:r>
+                            <a:rPr lang="fr-FR" sz="1400" i="1">
+                              <a:latin typeface="Cambria Math" panose="02040503050406030204" pitchFamily="18" charset="0"/>
+                            </a:rPr>
+                            <m:t>𝜃</m:t>
+                          </m:r>
+                        </m:e>
+                      </m:func>
+                      <m:acc>
+                        <m:accPr>
+                          <m:chr m:val="⃗"/>
+                          <m:ctrlPr>
+                            <a:rPr lang="fr-FR" sz="1400" i="1">
+                              <a:latin typeface="Cambria Math" panose="02040503050406030204" pitchFamily="18" charset="0"/>
+                            </a:rPr>
+                          </m:ctrlPr>
+                        </m:accPr>
+                        <m:e>
+                          <m:sSub>
+                            <m:sSubPr>
+                              <m:ctrlPr>
+                                <a:rPr lang="fr-FR" sz="1400" i="1">
+                                  <a:latin typeface="Cambria Math" panose="02040503050406030204" pitchFamily="18" charset="0"/>
+                                </a:rPr>
+                              </m:ctrlPr>
+                            </m:sSubPr>
+                            <m:e>
+                              <m:r>
+                                <a:rPr lang="fr-FR" sz="1400" i="1">
+                                  <a:latin typeface="Cambria Math" panose="02040503050406030204" pitchFamily="18" charset="0"/>
+                                </a:rPr>
+                                <m:t>𝑧</m:t>
+                              </m:r>
+                            </m:e>
+                            <m:sub>
+                              <m:r>
+                                <a:rPr lang="fr-FR" sz="1400" i="1">
+                                  <a:latin typeface="Cambria Math" panose="02040503050406030204" pitchFamily="18" charset="0"/>
+                                </a:rPr>
+                                <m:t>2</m:t>
+                              </m:r>
+                            </m:sub>
+                          </m:sSub>
+                        </m:e>
+                      </m:acc>
+                      <m:r>
+                        <a:rPr lang="fr-FR" sz="1400" i="1">
+                          <a:latin typeface="Cambria Math" panose="02040503050406030204" pitchFamily="18" charset="0"/>
+                        </a:rPr>
+                        <m:t>⋅</m:t>
+                      </m:r>
+                      <m:acc>
+                        <m:accPr>
+                          <m:chr m:val="⃗"/>
+                          <m:ctrlPr>
+                            <a:rPr lang="fr-FR" sz="1400" i="1">
+                              <a:latin typeface="Cambria Math" panose="02040503050406030204" pitchFamily="18" charset="0"/>
+                            </a:rPr>
+                          </m:ctrlPr>
+                        </m:accPr>
+                        <m:e>
+                          <m:sSub>
+                            <m:sSubPr>
+                              <m:ctrlPr>
+                                <a:rPr lang="fr-FR" sz="1400" i="1">
+                                  <a:latin typeface="Cambria Math" panose="02040503050406030204" pitchFamily="18" charset="0"/>
+                                </a:rPr>
+                              </m:ctrlPr>
+                            </m:sSubPr>
+                            <m:e>
+                              <m:r>
+                                <a:rPr lang="fr-FR" sz="1400" i="1">
+                                  <a:latin typeface="Cambria Math" panose="02040503050406030204" pitchFamily="18" charset="0"/>
+                                </a:rPr>
+                                <m:t>𝑥</m:t>
+                              </m:r>
+                            </m:e>
+                            <m:sub>
+                              <m:r>
+                                <a:rPr lang="fr-FR" sz="1400" i="1">
+                                  <a:latin typeface="Cambria Math" panose="02040503050406030204" pitchFamily="18" charset="0"/>
+                                </a:rPr>
+                                <m:t>1</m:t>
+                              </m:r>
+                            </m:sub>
+                          </m:sSub>
+                        </m:e>
+                      </m:acc>
+                      <m:r>
+                        <a:rPr lang="fr-FR" sz="1400" i="1">
+                          <a:latin typeface="Cambria Math" panose="02040503050406030204" pitchFamily="18" charset="0"/>
+                        </a:rPr>
+                        <m:t>+</m:t>
+                      </m:r>
+                      <m:r>
+                        <a:rPr lang="fr-FR" sz="1400" i="1">
+                          <a:latin typeface="Cambria Math" panose="02040503050406030204" pitchFamily="18" charset="0"/>
+                        </a:rPr>
+                        <m:t>𝐶</m:t>
+                      </m:r>
+                      <m:acc>
+                        <m:accPr>
+                          <m:chr m:val="̇"/>
+                          <m:ctrlPr>
+                            <a:rPr lang="fr-FR" sz="1400" i="1">
+                              <a:latin typeface="Cambria Math" panose="02040503050406030204" pitchFamily="18" charset="0"/>
+                            </a:rPr>
+                          </m:ctrlPr>
+                        </m:accPr>
+                        <m:e>
+                          <m:r>
+                            <a:rPr lang="fr-FR" sz="1400" i="1">
+                              <a:latin typeface="Cambria Math" panose="02040503050406030204" pitchFamily="18" charset="0"/>
+                            </a:rPr>
+                            <m:t>𝜑</m:t>
+                          </m:r>
+                        </m:e>
+                      </m:acc>
+                      <m:func>
+                        <m:funcPr>
+                          <m:ctrlPr>
+                            <a:rPr lang="fr-FR" sz="1400" i="1">
+                              <a:latin typeface="Cambria Math" panose="02040503050406030204" pitchFamily="18" charset="0"/>
+                            </a:rPr>
+                          </m:ctrlPr>
+                        </m:funcPr>
+                        <m:fName>
+                          <m:r>
+                            <m:rPr>
+                              <m:sty m:val="p"/>
+                            </m:rPr>
+                            <a:rPr lang="fr-FR" sz="1400">
+                              <a:latin typeface="Cambria Math" panose="02040503050406030204" pitchFamily="18" charset="0"/>
+                            </a:rPr>
+                            <m:t>sin</m:t>
+                          </m:r>
+                        </m:fName>
+                        <m:e>
+                          <m:r>
+                            <a:rPr lang="fr-FR" sz="1400" i="1">
+                              <a:latin typeface="Cambria Math" panose="02040503050406030204" pitchFamily="18" charset="0"/>
+                            </a:rPr>
+                            <m:t>𝜃</m:t>
+                          </m:r>
+                        </m:e>
+                      </m:func>
+                      <m:d>
+                        <m:dPr>
+                          <m:ctrlPr>
+                            <a:rPr lang="fr-FR" sz="1400" i="1" smtClean="0">
+                              <a:latin typeface="Cambria Math" panose="02040503050406030204" pitchFamily="18" charset="0"/>
+                            </a:rPr>
+                          </m:ctrlPr>
+                        </m:dPr>
+                        <m:e>
+                          <m:r>
+                            <a:rPr lang="fr-FR" sz="1400" b="0" i="1" smtClean="0">
+                              <a:latin typeface="Cambria Math" panose="02040503050406030204" pitchFamily="18" charset="0"/>
+                            </a:rPr>
+                            <m:t>−</m:t>
+                          </m:r>
+                          <m:acc>
+                            <m:accPr>
+                              <m:chr m:val="̇"/>
+                              <m:ctrlPr>
+                                <a:rPr lang="fr-FR" sz="1400" b="0" i="1" smtClean="0">
+                                  <a:latin typeface="Cambria Math" panose="02040503050406030204" pitchFamily="18" charset="0"/>
+                                </a:rPr>
+                              </m:ctrlPr>
+                            </m:accPr>
+                            <m:e>
+                              <m:r>
+                                <a:rPr lang="fr-FR" sz="1400" b="0" i="1" smtClean="0">
+                                  <a:latin typeface="Cambria Math" panose="02040503050406030204" pitchFamily="18" charset="0"/>
+                                </a:rPr>
+                                <m:t>𝜑</m:t>
+                              </m:r>
+                            </m:e>
+                          </m:acc>
+                          <m:func>
+                            <m:funcPr>
+                              <m:ctrlPr>
+                                <a:rPr lang="fr-FR" sz="1400" b="0" i="1" smtClean="0">
+                                  <a:latin typeface="Cambria Math" panose="02040503050406030204" pitchFamily="18" charset="0"/>
+                                </a:rPr>
+                              </m:ctrlPr>
+                            </m:funcPr>
+                            <m:fName>
+                              <m:r>
+                                <m:rPr>
+                                  <m:sty m:val="p"/>
+                                </m:rPr>
+                                <a:rPr lang="fr-FR" sz="1400" b="0" i="0" smtClean="0">
+                                  <a:latin typeface="Cambria Math" panose="02040503050406030204" pitchFamily="18" charset="0"/>
+                                </a:rPr>
+                                <m:t>cos</m:t>
+                              </m:r>
+                            </m:fName>
+                            <m:e>
+                              <m:r>
+                                <a:rPr lang="fr-FR" sz="1400" b="0" i="1" smtClean="0">
+                                  <a:latin typeface="Cambria Math" panose="02040503050406030204" pitchFamily="18" charset="0"/>
+                                </a:rPr>
+                                <m:t>𝜃</m:t>
+                              </m:r>
+                            </m:e>
+                          </m:func>
+                          <m:acc>
+                            <m:accPr>
+                              <m:chr m:val="⃗"/>
+                              <m:ctrlPr>
+                                <a:rPr lang="fr-FR" sz="1400" i="1" smtClean="0">
+                                  <a:latin typeface="Cambria Math" panose="02040503050406030204" pitchFamily="18" charset="0"/>
+                                </a:rPr>
+                              </m:ctrlPr>
+                            </m:accPr>
+                            <m:e>
+                              <m:sSub>
+                                <m:sSubPr>
+                                  <m:ctrlPr>
+                                    <a:rPr lang="fr-FR" sz="1400" b="0" i="1" smtClean="0">
+                                      <a:latin typeface="Cambria Math" panose="02040503050406030204" pitchFamily="18" charset="0"/>
+                                    </a:rPr>
+                                  </m:ctrlPr>
+                                </m:sSubPr>
+                                <m:e>
+                                  <m:r>
+                                    <a:rPr lang="fr-FR" sz="1400" b="0" i="1" smtClean="0">
+                                      <a:latin typeface="Cambria Math" panose="02040503050406030204" pitchFamily="18" charset="0"/>
+                                    </a:rPr>
+                                    <m:t>𝑦</m:t>
+                                  </m:r>
+                                </m:e>
+                                <m:sub>
+                                  <m:r>
+                                    <a:rPr lang="fr-FR" sz="1400" b="0" i="1" smtClean="0">
+                                      <a:latin typeface="Cambria Math" panose="02040503050406030204" pitchFamily="18" charset="0"/>
+                                    </a:rPr>
+                                    <m:t>1</m:t>
+                                  </m:r>
+                                </m:sub>
+                              </m:sSub>
+                            </m:e>
+                          </m:acc>
+                          <m:r>
+                            <a:rPr lang="fr-FR" sz="1400" i="1">
+                              <a:latin typeface="Cambria Math" panose="02040503050406030204" pitchFamily="18" charset="0"/>
+                            </a:rPr>
+                            <m:t>⋅</m:t>
+                          </m:r>
+                          <m:acc>
+                            <m:accPr>
+                              <m:chr m:val="⃗"/>
+                              <m:ctrlPr>
+                                <a:rPr lang="fr-FR" sz="1400" i="1">
+                                  <a:latin typeface="Cambria Math" panose="02040503050406030204" pitchFamily="18" charset="0"/>
+                                </a:rPr>
+                              </m:ctrlPr>
+                            </m:accPr>
+                            <m:e>
+                              <m:sSub>
+                                <m:sSubPr>
+                                  <m:ctrlPr>
+                                    <a:rPr lang="fr-FR" sz="1400" i="1">
+                                      <a:latin typeface="Cambria Math" panose="02040503050406030204" pitchFamily="18" charset="0"/>
+                                    </a:rPr>
+                                  </m:ctrlPr>
+                                </m:sSubPr>
+                                <m:e>
+                                  <m:r>
+                                    <a:rPr lang="fr-FR" sz="1400" i="1">
+                                      <a:latin typeface="Cambria Math" panose="02040503050406030204" pitchFamily="18" charset="0"/>
+                                    </a:rPr>
+                                    <m:t>𝑥</m:t>
+                                  </m:r>
+                                </m:e>
+                                <m:sub>
+                                  <m:r>
+                                    <a:rPr lang="fr-FR" sz="1400" i="1">
+                                      <a:latin typeface="Cambria Math" panose="02040503050406030204" pitchFamily="18" charset="0"/>
+                                    </a:rPr>
+                                    <m:t>1</m:t>
+                                  </m:r>
+                                </m:sub>
+                              </m:sSub>
+                            </m:e>
+                          </m:acc>
+                          <m:r>
+                            <a:rPr lang="fr-FR" sz="1400" b="0" i="1" smtClean="0">
+                              <a:latin typeface="Cambria Math" panose="02040503050406030204" pitchFamily="18" charset="0"/>
+                            </a:rPr>
+                            <m:t>+</m:t>
+                          </m:r>
+                          <m:acc>
+                            <m:accPr>
+                              <m:chr m:val="̇"/>
+                              <m:ctrlPr>
+                                <a:rPr lang="fr-FR" sz="1400" b="0" i="1" smtClean="0">
+                                  <a:latin typeface="Cambria Math" panose="02040503050406030204" pitchFamily="18" charset="0"/>
+                                </a:rPr>
+                              </m:ctrlPr>
+                            </m:accPr>
+                            <m:e>
+                              <m:r>
+                                <a:rPr lang="fr-FR" sz="1400" b="0" i="1" smtClean="0">
+                                  <a:latin typeface="Cambria Math" panose="02040503050406030204" pitchFamily="18" charset="0"/>
+                                </a:rPr>
+                                <m:t>𝜃</m:t>
+                              </m:r>
+                            </m:e>
+                          </m:acc>
+                          <m:acc>
+                            <m:accPr>
+                              <m:chr m:val="⃗"/>
+                              <m:ctrlPr>
+                                <a:rPr lang="fr-FR" sz="1400" i="1" smtClean="0">
+                                  <a:latin typeface="Cambria Math" panose="02040503050406030204" pitchFamily="18" charset="0"/>
+                                </a:rPr>
+                              </m:ctrlPr>
+                            </m:accPr>
+                            <m:e>
+                              <m:sSub>
+                                <m:sSubPr>
+                                  <m:ctrlPr>
+                                    <a:rPr lang="fr-FR" sz="1400" b="0" i="1" smtClean="0">
+                                      <a:latin typeface="Cambria Math" panose="02040503050406030204" pitchFamily="18" charset="0"/>
+                                    </a:rPr>
+                                  </m:ctrlPr>
+                                </m:sSubPr>
+                                <m:e>
+                                  <m:r>
+                                    <a:rPr lang="fr-FR" sz="1400" b="0" i="1" smtClean="0">
+                                      <a:latin typeface="Cambria Math" panose="02040503050406030204" pitchFamily="18" charset="0"/>
+                                    </a:rPr>
+                                    <m:t>𝑥</m:t>
+                                  </m:r>
+                                </m:e>
+                                <m:sub>
+                                  <m:r>
+                                    <a:rPr lang="fr-FR" sz="1400" b="0" i="1" smtClean="0">
+                                      <a:latin typeface="Cambria Math" panose="02040503050406030204" pitchFamily="18" charset="0"/>
+                                    </a:rPr>
+                                    <m:t>2</m:t>
+                                  </m:r>
+                                </m:sub>
+                              </m:sSub>
+                            </m:e>
+                          </m:acc>
+                          <m:r>
+                            <a:rPr lang="fr-FR" sz="1400" i="1">
+                              <a:latin typeface="Cambria Math" panose="02040503050406030204" pitchFamily="18" charset="0"/>
+                            </a:rPr>
+                            <m:t>⋅</m:t>
+                          </m:r>
+                          <m:acc>
+                            <m:accPr>
+                              <m:chr m:val="⃗"/>
+                              <m:ctrlPr>
+                                <a:rPr lang="fr-FR" sz="1400" i="1">
+                                  <a:latin typeface="Cambria Math" panose="02040503050406030204" pitchFamily="18" charset="0"/>
+                                </a:rPr>
+                              </m:ctrlPr>
+                            </m:accPr>
+                            <m:e>
+                              <m:sSub>
+                                <m:sSubPr>
+                                  <m:ctrlPr>
+                                    <a:rPr lang="fr-FR" sz="1400" i="1">
+                                      <a:latin typeface="Cambria Math" panose="02040503050406030204" pitchFamily="18" charset="0"/>
+                                    </a:rPr>
+                                  </m:ctrlPr>
+                                </m:sSubPr>
+                                <m:e>
+                                  <m:r>
+                                    <a:rPr lang="fr-FR" sz="1400" i="1">
+                                      <a:latin typeface="Cambria Math" panose="02040503050406030204" pitchFamily="18" charset="0"/>
+                                    </a:rPr>
+                                    <m:t>𝑥</m:t>
+                                  </m:r>
+                                </m:e>
+                                <m:sub>
+                                  <m:r>
+                                    <a:rPr lang="fr-FR" sz="1400" i="1">
+                                      <a:latin typeface="Cambria Math" panose="02040503050406030204" pitchFamily="18" charset="0"/>
+                                    </a:rPr>
+                                    <m:t>1</m:t>
+                                  </m:r>
+                                </m:sub>
+                              </m:sSub>
+                            </m:e>
+                          </m:acc>
+                        </m:e>
+                      </m:d>
+                    </m:oMath>
+                  </m:oMathPara>
+                </a14:m>
+                <a:endParaRPr lang="fr-FR" sz="1400" dirty="0"/>
+              </a:p>
+              <a:p>
+                <a:endParaRPr lang="fr-FR" sz="1400" dirty="0"/>
+              </a:p>
+            </p:txBody>
+          </p:sp>
+        </mc:Choice>
+        <mc:Fallback>
+          <p:sp>
+            <p:nvSpPr>
+              <p:cNvPr id="5" name="Rectangle 4">
+                <a:extLst>
+                  <a:ext uri="{FF2B5EF4-FFF2-40B4-BE49-F238E27FC236}">
+                    <a16:creationId xmlns:a16="http://schemas.microsoft.com/office/drawing/2014/main" id="{65DE9745-9A3C-D2F7-2978-58055599BF0F}"/>
+                  </a:ext>
+                </a:extLst>
+              </p:cNvPr>
+              <p:cNvSpPr>
+                <a:spLocks noRot="1" noChangeAspect="1" noMove="1" noResize="1" noEditPoints="1" noAdjustHandles="1" noChangeArrowheads="1" noChangeShapeType="1" noTextEdit="1"/>
+              </p:cNvSpPr>
+              <p:nvPr/>
+            </p:nvSpPr>
+            <p:spPr>
+              <a:xfrm>
+                <a:off x="-249861" y="2687645"/>
+                <a:ext cx="11459688" cy="1050480"/>
+              </a:xfrm>
+              <a:prstGeom prst="rect">
+                <a:avLst/>
+              </a:prstGeom>
+              <a:blipFill>
+                <a:blip r:embed="rId3"/>
+                <a:stretch>
+                  <a:fillRect t="-23256"/>
+                </a:stretch>
+              </a:blipFill>
+            </p:spPr>
+            <p:txBody>
+              <a:bodyPr/>
+              <a:lstStyle/>
+              <a:p>
+                <a:r>
+                  <a:rPr lang="fr-FR">
+                    <a:noFill/>
+                  </a:rPr>
+                  <a:t> </a:t>
+                </a:r>
+              </a:p>
+            </p:txBody>
+          </p:sp>
+        </mc:Fallback>
+      </mc:AlternateContent>
+      <mc:AlternateContent xmlns:mc="http://schemas.openxmlformats.org/markup-compatibility/2006">
+        <mc:Choice xmlns:a14="http://schemas.microsoft.com/office/drawing/2010/main" Requires="a14">
+          <p:sp>
+            <p:nvSpPr>
+              <p:cNvPr id="6" name="Rectangle 5">
+                <a:extLst>
+                  <a:ext uri="{FF2B5EF4-FFF2-40B4-BE49-F238E27FC236}">
+                    <a16:creationId xmlns:a16="http://schemas.microsoft.com/office/drawing/2014/main" id="{1FEDF2B5-080B-EAC4-B5CE-BA4B0D9387AC}"/>
+                  </a:ext>
+                </a:extLst>
+              </p:cNvPr>
+              <p:cNvSpPr/>
+              <p:nvPr/>
+            </p:nvSpPr>
+            <p:spPr>
+              <a:xfrm>
+                <a:off x="0" y="3430858"/>
+                <a:ext cx="11459688" cy="348750"/>
+              </a:xfrm>
+              <a:prstGeom prst="rect">
+                <a:avLst/>
+              </a:prstGeom>
+            </p:spPr>
+            <p:txBody>
+              <a:bodyPr wrap="square">
+                <a:spAutoFit/>
+              </a:bodyPr>
+              <a:lstStyle/>
+              <a:p>
+                <a14:m>
+                  <m:oMathPara xmlns:m="http://schemas.openxmlformats.org/officeDocument/2006/math">
+                    <m:oMathParaPr>
+                      <m:jc m:val="centerGroup"/>
+                    </m:oMathParaPr>
+                    <m:oMath xmlns:m="http://schemas.openxmlformats.org/officeDocument/2006/math">
+                      <m:acc>
+                        <m:accPr>
+                          <m:chr m:val="⃗"/>
+                          <m:ctrlPr>
+                            <a:rPr lang="fr-FR" sz="1400" i="1" smtClean="0">
+                              <a:latin typeface="Cambria Math" panose="02040503050406030204" pitchFamily="18" charset="0"/>
+                              <a:ea typeface="Cambria Math" panose="02040503050406030204" pitchFamily="18" charset="0"/>
+                            </a:rPr>
+                          </m:ctrlPr>
+                        </m:accPr>
+                        <m:e>
+                          <m:r>
+                            <a:rPr lang="fr-FR" sz="1400" i="1">
+                              <a:latin typeface="Cambria Math" panose="02040503050406030204" pitchFamily="18" charset="0"/>
+                              <a:ea typeface="Cambria Math" panose="02040503050406030204" pitchFamily="18" charset="0"/>
+                            </a:rPr>
+                            <m:t>𝛿</m:t>
+                          </m:r>
+                          <m:d>
+                            <m:dPr>
+                              <m:ctrlPr>
+                                <a:rPr lang="fr-FR" sz="1400" i="1">
+                                  <a:latin typeface="Cambria Math" panose="02040503050406030204" pitchFamily="18" charset="0"/>
+                                </a:rPr>
+                              </m:ctrlPr>
+                            </m:dPr>
+                            <m:e>
+                              <m:f>
+                                <m:fPr>
+                                  <m:type m:val="lin"/>
+                                  <m:ctrlPr>
+                                    <a:rPr lang="fr-FR" sz="1400" i="1">
+                                      <a:latin typeface="Cambria Math" panose="02040503050406030204" pitchFamily="18" charset="0"/>
+                                    </a:rPr>
+                                  </m:ctrlPr>
+                                </m:fPr>
+                                <m:num>
+                                  <m:sSub>
+                                    <m:sSubPr>
+                                      <m:ctrlPr>
+                                        <a:rPr lang="fr-FR" sz="1400" i="1">
+                                          <a:latin typeface="Cambria Math" panose="02040503050406030204" pitchFamily="18" charset="0"/>
+                                        </a:rPr>
+                                      </m:ctrlPr>
+                                    </m:sSubPr>
+                                    <m:e>
+                                      <m:r>
+                                        <a:rPr lang="fr-FR" sz="1400" i="1">
+                                          <a:latin typeface="Cambria Math" panose="02040503050406030204" pitchFamily="18" charset="0"/>
+                                        </a:rPr>
+                                        <m:t>𝐺</m:t>
+                                      </m:r>
+                                    </m:e>
+                                    <m:sub>
+                                      <m:r>
+                                        <a:rPr lang="fr-FR" sz="1400" i="1">
+                                          <a:latin typeface="Cambria Math" panose="02040503050406030204" pitchFamily="18" charset="0"/>
+                                        </a:rPr>
+                                        <m:t>2</m:t>
+                                      </m:r>
+                                    </m:sub>
+                                  </m:sSub>
+                                  <m:r>
+                                    <a:rPr lang="fr-FR" sz="1400" i="1">
+                                      <a:latin typeface="Cambria Math" panose="02040503050406030204" pitchFamily="18" charset="0"/>
+                                    </a:rPr>
+                                    <m:t>,2</m:t>
+                                  </m:r>
+                                </m:num>
+                                <m:den>
+                                  <m:r>
+                                    <a:rPr lang="fr-FR" sz="1400" i="1">
+                                      <a:latin typeface="Cambria Math" panose="02040503050406030204" pitchFamily="18" charset="0"/>
+                                    </a:rPr>
+                                    <m:t>0</m:t>
+                                  </m:r>
+                                </m:den>
+                              </m:f>
+                            </m:e>
+                          </m:d>
+                        </m:e>
+                      </m:acc>
+                      <m:r>
+                        <a:rPr lang="fr-FR" sz="1400" b="0" i="1" smtClean="0">
+                          <a:latin typeface="Cambria Math" panose="02040503050406030204" pitchFamily="18" charset="0"/>
+                        </a:rPr>
+                        <m:t>⋅</m:t>
+                      </m:r>
+                      <m:acc>
+                        <m:accPr>
+                          <m:chr m:val="⃗"/>
+                          <m:ctrlPr>
+                            <a:rPr lang="fr-FR" sz="1400" i="1">
+                              <a:latin typeface="Cambria Math" panose="02040503050406030204" pitchFamily="18" charset="0"/>
+                            </a:rPr>
+                          </m:ctrlPr>
+                        </m:accPr>
+                        <m:e>
+                          <m:sSub>
+                            <m:sSubPr>
+                              <m:ctrlPr>
+                                <a:rPr lang="fr-FR" sz="1400" i="1">
+                                  <a:latin typeface="Cambria Math" panose="02040503050406030204" pitchFamily="18" charset="0"/>
+                                </a:rPr>
+                              </m:ctrlPr>
+                            </m:sSubPr>
+                            <m:e>
+                              <m:r>
+                                <a:rPr lang="fr-FR" sz="1400" i="1">
+                                  <a:latin typeface="Cambria Math" panose="02040503050406030204" pitchFamily="18" charset="0"/>
+                                </a:rPr>
+                                <m:t>𝑥</m:t>
+                              </m:r>
+                            </m:e>
+                            <m:sub>
+                              <m:r>
+                                <a:rPr lang="fr-FR" sz="1400" b="0" i="1" smtClean="0">
+                                  <a:latin typeface="Cambria Math" panose="02040503050406030204" pitchFamily="18" charset="0"/>
+                                </a:rPr>
+                                <m:t>1</m:t>
+                              </m:r>
+                            </m:sub>
+                          </m:sSub>
+                        </m:e>
+                      </m:acc>
+                      <m:r>
+                        <a:rPr lang="fr-FR" sz="1400" i="1">
+                          <a:latin typeface="Cambria Math" panose="02040503050406030204" pitchFamily="18" charset="0"/>
+                          <a:ea typeface="Cambria Math" panose="02040503050406030204" pitchFamily="18" charset="0"/>
+                        </a:rPr>
+                        <m:t>=</m:t>
+                      </m:r>
+                      <m:r>
+                        <a:rPr lang="fr-FR" sz="1400" i="1">
+                          <a:latin typeface="Cambria Math" panose="02040503050406030204" pitchFamily="18" charset="0"/>
+                        </a:rPr>
+                        <m:t>𝐴</m:t>
+                      </m:r>
+                      <m:acc>
+                        <m:accPr>
+                          <m:chr m:val="̈"/>
+                          <m:ctrlPr>
+                            <a:rPr lang="fr-FR" sz="1400" i="1">
+                              <a:latin typeface="Cambria Math" panose="02040503050406030204" pitchFamily="18" charset="0"/>
+                              <a:ea typeface="Cambria Math" panose="02040503050406030204" pitchFamily="18" charset="0"/>
+                            </a:rPr>
+                          </m:ctrlPr>
+                        </m:accPr>
+                        <m:e>
+                          <m:r>
+                            <a:rPr lang="fr-FR" sz="1400" i="1">
+                              <a:latin typeface="Cambria Math" panose="02040503050406030204" pitchFamily="18" charset="0"/>
+                              <a:ea typeface="Cambria Math" panose="02040503050406030204" pitchFamily="18" charset="0"/>
+                            </a:rPr>
+                            <m:t>𝜑</m:t>
+                          </m:r>
+                        </m:e>
+                      </m:acc>
+                      <m:func>
+                        <m:funcPr>
+                          <m:ctrlPr>
+                            <a:rPr lang="fr-FR" sz="1400" i="1">
+                              <a:latin typeface="Cambria Math" panose="02040503050406030204" pitchFamily="18" charset="0"/>
+                            </a:rPr>
+                          </m:ctrlPr>
+                        </m:funcPr>
+                        <m:fName>
+                          <m:sSup>
+                            <m:sSupPr>
+                              <m:ctrlPr>
+                                <a:rPr lang="fr-FR" sz="1400" b="0" i="1" smtClean="0">
+                                  <a:latin typeface="Cambria Math" panose="02040503050406030204" pitchFamily="18" charset="0"/>
+                                </a:rPr>
+                              </m:ctrlPr>
+                            </m:sSupPr>
+                            <m:e>
+                              <m:r>
+                                <m:rPr>
+                                  <m:sty m:val="p"/>
+                                </m:rPr>
+                                <a:rPr lang="fr-FR" sz="1400">
+                                  <a:latin typeface="Cambria Math" panose="02040503050406030204" pitchFamily="18" charset="0"/>
+                                </a:rPr>
+                                <m:t>cos</m:t>
+                              </m:r>
+                            </m:e>
+                            <m:sup>
+                              <m:r>
+                                <a:rPr lang="fr-FR" sz="1400" b="0" i="1" smtClean="0">
+                                  <a:latin typeface="Cambria Math" panose="02040503050406030204" pitchFamily="18" charset="0"/>
+                                </a:rPr>
+                                <m:t>2</m:t>
+                              </m:r>
+                            </m:sup>
+                          </m:sSup>
+                        </m:fName>
+                        <m:e>
+                          <m:r>
+                            <a:rPr lang="fr-FR" sz="1400" i="1">
+                              <a:latin typeface="Cambria Math" panose="02040503050406030204" pitchFamily="18" charset="0"/>
+                            </a:rPr>
+                            <m:t>𝜃</m:t>
+                          </m:r>
+                        </m:e>
+                      </m:func>
+                      <m:r>
+                        <a:rPr lang="fr-FR" sz="1400" i="1">
+                          <a:latin typeface="Cambria Math" panose="02040503050406030204" pitchFamily="18" charset="0"/>
+                        </a:rPr>
+                        <m:t>−</m:t>
+                      </m:r>
+                      <m:r>
+                        <a:rPr lang="fr-FR" sz="1400" b="0" i="1" smtClean="0">
+                          <a:latin typeface="Cambria Math" panose="02040503050406030204" pitchFamily="18" charset="0"/>
+                        </a:rPr>
+                        <m:t>2</m:t>
+                      </m:r>
+                      <m:r>
+                        <a:rPr lang="fr-FR" sz="1400" i="1">
+                          <a:latin typeface="Cambria Math" panose="02040503050406030204" pitchFamily="18" charset="0"/>
+                        </a:rPr>
+                        <m:t>𝐴</m:t>
+                      </m:r>
+                      <m:acc>
+                        <m:accPr>
+                          <m:chr m:val="̇"/>
+                          <m:ctrlPr>
+                            <a:rPr lang="fr-FR" sz="1400" i="1">
+                              <a:latin typeface="Cambria Math" panose="02040503050406030204" pitchFamily="18" charset="0"/>
+                            </a:rPr>
+                          </m:ctrlPr>
+                        </m:accPr>
+                        <m:e>
+                          <m:r>
+                            <a:rPr lang="fr-FR" sz="1400" i="1">
+                              <a:latin typeface="Cambria Math" panose="02040503050406030204" pitchFamily="18" charset="0"/>
+                            </a:rPr>
+                            <m:t>𝜑</m:t>
+                          </m:r>
+                        </m:e>
+                      </m:acc>
+                      <m:acc>
+                        <m:accPr>
+                          <m:chr m:val="̇"/>
+                          <m:ctrlPr>
+                            <a:rPr lang="fr-FR" sz="1400" i="1">
+                              <a:latin typeface="Cambria Math" panose="02040503050406030204" pitchFamily="18" charset="0"/>
+                            </a:rPr>
+                          </m:ctrlPr>
+                        </m:accPr>
+                        <m:e>
+                          <m:r>
+                            <a:rPr lang="fr-FR" sz="1400" i="1">
+                              <a:latin typeface="Cambria Math" panose="02040503050406030204" pitchFamily="18" charset="0"/>
+                            </a:rPr>
+                            <m:t>𝜃</m:t>
+                          </m:r>
+                        </m:e>
+                      </m:acc>
+                      <m:func>
+                        <m:funcPr>
+                          <m:ctrlPr>
+                            <a:rPr lang="fr-FR" sz="1400" i="1">
+                              <a:latin typeface="Cambria Math" panose="02040503050406030204" pitchFamily="18" charset="0"/>
+                            </a:rPr>
+                          </m:ctrlPr>
+                        </m:funcPr>
+                        <m:fName>
+                          <m:r>
+                            <m:rPr>
+                              <m:sty m:val="p"/>
+                            </m:rPr>
+                            <a:rPr lang="fr-FR" sz="1400">
+                              <a:latin typeface="Cambria Math" panose="02040503050406030204" pitchFamily="18" charset="0"/>
+                            </a:rPr>
+                            <m:t>sin</m:t>
+                          </m:r>
+                        </m:fName>
+                        <m:e>
+                          <m:r>
+                            <a:rPr lang="fr-FR" sz="1400" i="1">
+                              <a:latin typeface="Cambria Math" panose="02040503050406030204" pitchFamily="18" charset="0"/>
+                            </a:rPr>
+                            <m:t>𝜃</m:t>
+                          </m:r>
+                        </m:e>
+                      </m:func>
+                      <m:r>
+                        <m:rPr>
+                          <m:sty m:val="p"/>
+                        </m:rPr>
+                        <a:rPr lang="fr-FR" sz="1400" b="0" i="1" smtClean="0">
+                          <a:latin typeface="Cambria Math" panose="02040503050406030204" pitchFamily="18" charset="0"/>
+                        </a:rPr>
+                        <m:t>cos</m:t>
+                      </m:r>
+                      <m:r>
+                        <a:rPr lang="fr-FR" sz="1400" b="0" i="1" smtClean="0">
+                          <a:latin typeface="Cambria Math" panose="02040503050406030204" pitchFamily="18" charset="0"/>
+                        </a:rPr>
+                        <m:t> </m:t>
+                      </m:r>
+                      <m:r>
+                        <a:rPr lang="fr-FR" sz="1400" b="0" i="1" smtClean="0">
+                          <a:latin typeface="Cambria Math" panose="02040503050406030204" pitchFamily="18" charset="0"/>
+                        </a:rPr>
+                        <m:t>𝜃</m:t>
+                      </m:r>
+                      <m:r>
+                        <a:rPr lang="fr-FR" sz="1400" i="1">
+                          <a:latin typeface="Cambria Math" panose="02040503050406030204" pitchFamily="18" charset="0"/>
+                        </a:rPr>
+                        <m:t>+</m:t>
+                      </m:r>
+                      <m:r>
+                        <a:rPr lang="fr-FR" sz="1400" i="1">
+                          <a:latin typeface="Cambria Math" panose="02040503050406030204" pitchFamily="18" charset="0"/>
+                        </a:rPr>
+                        <m:t>𝐶</m:t>
+                      </m:r>
+                      <m:acc>
+                        <m:accPr>
+                          <m:chr m:val="̈"/>
+                          <m:ctrlPr>
+                            <a:rPr lang="fr-FR" sz="1400" i="1" smtClean="0">
+                              <a:latin typeface="Cambria Math" panose="02040503050406030204" pitchFamily="18" charset="0"/>
+                              <a:ea typeface="Cambria Math" panose="02040503050406030204" pitchFamily="18" charset="0"/>
+                            </a:rPr>
+                          </m:ctrlPr>
+                        </m:accPr>
+                        <m:e>
+                          <m:r>
+                            <a:rPr lang="fr-FR" sz="1400" i="1">
+                              <a:latin typeface="Cambria Math" panose="02040503050406030204" pitchFamily="18" charset="0"/>
+                              <a:ea typeface="Cambria Math" panose="02040503050406030204" pitchFamily="18" charset="0"/>
+                            </a:rPr>
+                            <m:t>𝜑</m:t>
+                          </m:r>
+                        </m:e>
+                      </m:acc>
+                      <m:func>
+                        <m:funcPr>
+                          <m:ctrlPr>
+                            <a:rPr lang="fr-FR" sz="1400" i="1">
+                              <a:latin typeface="Cambria Math" panose="02040503050406030204" pitchFamily="18" charset="0"/>
+                            </a:rPr>
+                          </m:ctrlPr>
+                        </m:funcPr>
+                        <m:fName>
+                          <m:sSup>
+                            <m:sSupPr>
+                              <m:ctrlPr>
+                                <a:rPr lang="fr-FR" sz="1400" b="0" i="1" smtClean="0">
+                                  <a:latin typeface="Cambria Math" panose="02040503050406030204" pitchFamily="18" charset="0"/>
+                                </a:rPr>
+                              </m:ctrlPr>
+                            </m:sSupPr>
+                            <m:e>
+                              <m:r>
+                                <m:rPr>
+                                  <m:sty m:val="p"/>
+                                </m:rPr>
+                                <a:rPr lang="fr-FR" sz="1400">
+                                  <a:latin typeface="Cambria Math" panose="02040503050406030204" pitchFamily="18" charset="0"/>
+                                </a:rPr>
+                                <m:t>sin</m:t>
+                              </m:r>
+                            </m:e>
+                            <m:sup>
+                              <m:r>
+                                <a:rPr lang="fr-FR" sz="1400" b="0" i="1" smtClean="0">
+                                  <a:latin typeface="Cambria Math" panose="02040503050406030204" pitchFamily="18" charset="0"/>
+                                </a:rPr>
+                                <m:t>2</m:t>
+                              </m:r>
+                            </m:sup>
+                          </m:sSup>
+                        </m:fName>
+                        <m:e>
+                          <m:r>
+                            <a:rPr lang="fr-FR" sz="1400" i="1">
+                              <a:latin typeface="Cambria Math" panose="02040503050406030204" pitchFamily="18" charset="0"/>
+                            </a:rPr>
+                            <m:t>𝜃</m:t>
+                          </m:r>
+                        </m:e>
+                      </m:func>
+                      <m:r>
+                        <a:rPr lang="fr-FR" sz="1400" i="1">
+                          <a:latin typeface="Cambria Math" panose="02040503050406030204" pitchFamily="18" charset="0"/>
+                        </a:rPr>
+                        <m:t>+</m:t>
+                      </m:r>
+                      <m:r>
+                        <a:rPr lang="fr-FR" sz="1400" b="0" i="1" smtClean="0">
+                          <a:latin typeface="Cambria Math" panose="02040503050406030204" pitchFamily="18" charset="0"/>
+                        </a:rPr>
+                        <m:t>2</m:t>
+                      </m:r>
+                      <m:r>
+                        <a:rPr lang="fr-FR" sz="1400" i="1">
+                          <a:latin typeface="Cambria Math" panose="02040503050406030204" pitchFamily="18" charset="0"/>
+                        </a:rPr>
+                        <m:t>𝐶</m:t>
+                      </m:r>
+                      <m:acc>
+                        <m:accPr>
+                          <m:chr m:val="̇"/>
+                          <m:ctrlPr>
+                            <a:rPr lang="fr-FR" sz="1400" i="1">
+                              <a:latin typeface="Cambria Math" panose="02040503050406030204" pitchFamily="18" charset="0"/>
+                            </a:rPr>
+                          </m:ctrlPr>
+                        </m:accPr>
+                        <m:e>
+                          <m:r>
+                            <a:rPr lang="fr-FR" sz="1400" i="1">
+                              <a:latin typeface="Cambria Math" panose="02040503050406030204" pitchFamily="18" charset="0"/>
+                            </a:rPr>
+                            <m:t>𝜑</m:t>
+                          </m:r>
+                        </m:e>
+                      </m:acc>
+                      <m:acc>
+                        <m:accPr>
+                          <m:chr m:val="̇"/>
+                          <m:ctrlPr>
+                            <a:rPr lang="fr-FR" sz="1400" i="1" smtClean="0">
+                              <a:latin typeface="Cambria Math" panose="02040503050406030204" pitchFamily="18" charset="0"/>
+                            </a:rPr>
+                          </m:ctrlPr>
+                        </m:accPr>
+                        <m:e>
+                          <m:r>
+                            <a:rPr lang="fr-FR" sz="1400" i="1">
+                              <a:latin typeface="Cambria Math" panose="02040503050406030204" pitchFamily="18" charset="0"/>
+                            </a:rPr>
+                            <m:t>𝜃</m:t>
+                          </m:r>
+                        </m:e>
+                      </m:acc>
+                      <m:func>
+                        <m:funcPr>
+                          <m:ctrlPr>
+                            <a:rPr lang="fr-FR" sz="1400" i="1">
+                              <a:latin typeface="Cambria Math" panose="02040503050406030204" pitchFamily="18" charset="0"/>
+                            </a:rPr>
+                          </m:ctrlPr>
+                        </m:funcPr>
+                        <m:fName>
+                          <m:r>
+                            <m:rPr>
+                              <m:sty m:val="p"/>
+                            </m:rPr>
+                            <a:rPr lang="fr-FR" sz="1400" b="0" i="0" smtClean="0">
+                              <a:latin typeface="Cambria Math" panose="02040503050406030204" pitchFamily="18" charset="0"/>
+                            </a:rPr>
+                            <m:t>cos</m:t>
+                          </m:r>
+                        </m:fName>
+                        <m:e>
+                          <m:r>
+                            <a:rPr lang="fr-FR" sz="1400" i="1">
+                              <a:latin typeface="Cambria Math" panose="02040503050406030204" pitchFamily="18" charset="0"/>
+                            </a:rPr>
+                            <m:t>𝜃</m:t>
+                          </m:r>
+                        </m:e>
+                      </m:func>
+                      <m:r>
+                        <m:rPr>
+                          <m:sty m:val="p"/>
+                        </m:rPr>
+                        <a:rPr lang="fr-FR" sz="1400" i="1">
+                          <a:latin typeface="Cambria Math" panose="02040503050406030204" pitchFamily="18" charset="0"/>
+                        </a:rPr>
+                        <m:t>sin</m:t>
+                      </m:r>
+                      <m:r>
+                        <a:rPr lang="fr-FR" sz="1400" i="1">
+                          <a:latin typeface="Cambria Math" panose="02040503050406030204" pitchFamily="18" charset="0"/>
+                        </a:rPr>
+                        <m:t> </m:t>
+                      </m:r>
+                      <m:r>
+                        <a:rPr lang="fr-FR" sz="1400" i="1">
+                          <a:latin typeface="Cambria Math" panose="02040503050406030204" pitchFamily="18" charset="0"/>
+                        </a:rPr>
+                        <m:t>𝜃</m:t>
+                      </m:r>
+                    </m:oMath>
+                  </m:oMathPara>
+                </a14:m>
+                <a:endParaRPr lang="fr-FR" sz="1400" dirty="0"/>
+              </a:p>
+            </p:txBody>
+          </p:sp>
+        </mc:Choice>
+        <mc:Fallback>
+          <p:sp>
+            <p:nvSpPr>
+              <p:cNvPr id="6" name="Rectangle 5">
+                <a:extLst>
+                  <a:ext uri="{FF2B5EF4-FFF2-40B4-BE49-F238E27FC236}">
+                    <a16:creationId xmlns:a16="http://schemas.microsoft.com/office/drawing/2014/main" id="{1FEDF2B5-080B-EAC4-B5CE-BA4B0D9387AC}"/>
+                  </a:ext>
+                </a:extLst>
+              </p:cNvPr>
+              <p:cNvSpPr>
+                <a:spLocks noRot="1" noChangeAspect="1" noMove="1" noResize="1" noEditPoints="1" noAdjustHandles="1" noChangeArrowheads="1" noChangeShapeType="1" noTextEdit="1"/>
+              </p:cNvSpPr>
+              <p:nvPr/>
+            </p:nvSpPr>
+            <p:spPr>
+              <a:xfrm>
+                <a:off x="0" y="3430858"/>
+                <a:ext cx="11459688" cy="348750"/>
+              </a:xfrm>
+              <a:prstGeom prst="rect">
+                <a:avLst/>
+              </a:prstGeom>
+              <a:blipFill>
+                <a:blip r:embed="rId4"/>
+                <a:stretch>
+                  <a:fillRect t="-71930" b="-136842"/>
+                </a:stretch>
+              </a:blipFill>
+            </p:spPr>
+            <p:txBody>
+              <a:bodyPr/>
+              <a:lstStyle/>
+              <a:p>
+                <a:r>
+                  <a:rPr lang="fr-FR">
+                    <a:noFill/>
+                  </a:rPr>
+                  <a:t> </a:t>
+                </a:r>
+              </a:p>
+            </p:txBody>
+          </p:sp>
+        </mc:Fallback>
+      </mc:AlternateContent>
+      <mc:AlternateContent xmlns:mc="http://schemas.openxmlformats.org/markup-compatibility/2006">
+        <mc:Choice xmlns:a14="http://schemas.microsoft.com/office/drawing/2010/main" Requires="a14">
+          <p:sp>
+            <p:nvSpPr>
+              <p:cNvPr id="8" name="Rectangle 7">
+                <a:extLst>
+                  <a:ext uri="{FF2B5EF4-FFF2-40B4-BE49-F238E27FC236}">
+                    <a16:creationId xmlns:a16="http://schemas.microsoft.com/office/drawing/2014/main" id="{7C2CC450-1D4E-433A-B6F0-2FBBE90A2840}"/>
+                  </a:ext>
+                </a:extLst>
+              </p:cNvPr>
+              <p:cNvSpPr/>
+              <p:nvPr/>
+            </p:nvSpPr>
+            <p:spPr>
+              <a:xfrm>
+                <a:off x="-249861" y="3917492"/>
+                <a:ext cx="11459688" cy="1293624"/>
+              </a:xfrm>
+              <a:prstGeom prst="rect">
+                <a:avLst/>
+              </a:prstGeom>
+            </p:spPr>
+            <p:txBody>
+              <a:bodyPr wrap="square">
+                <a:spAutoFit/>
+              </a:bodyPr>
+              <a:lstStyle/>
+              <a:p>
+                <a14:m>
+                  <m:oMathPara xmlns:m="http://schemas.openxmlformats.org/officeDocument/2006/math">
+                    <m:oMathParaPr>
+                      <m:jc m:val="centerGroup"/>
+                    </m:oMathParaPr>
+                    <m:oMath xmlns:m="http://schemas.openxmlformats.org/officeDocument/2006/math">
+                      <m:acc>
+                        <m:accPr>
+                          <m:chr m:val="⃗"/>
+                          <m:ctrlPr>
+                            <a:rPr lang="fr-FR" sz="1400" i="1" smtClean="0">
+                              <a:latin typeface="Cambria Math" panose="02040503050406030204" pitchFamily="18" charset="0"/>
+                              <a:ea typeface="Cambria Math" panose="02040503050406030204" pitchFamily="18" charset="0"/>
+                            </a:rPr>
+                          </m:ctrlPr>
+                        </m:accPr>
+                        <m:e>
+                          <m:r>
+                            <a:rPr lang="fr-FR" sz="1400" i="1">
+                              <a:latin typeface="Cambria Math" panose="02040503050406030204" pitchFamily="18" charset="0"/>
+                              <a:ea typeface="Cambria Math" panose="02040503050406030204" pitchFamily="18" charset="0"/>
+                            </a:rPr>
+                            <m:t>𝛿</m:t>
+                          </m:r>
+                          <m:d>
+                            <m:dPr>
+                              <m:ctrlPr>
+                                <a:rPr lang="fr-FR" sz="1400" i="1">
+                                  <a:latin typeface="Cambria Math" panose="02040503050406030204" pitchFamily="18" charset="0"/>
+                                </a:rPr>
+                              </m:ctrlPr>
+                            </m:dPr>
+                            <m:e>
+                              <m:f>
+                                <m:fPr>
+                                  <m:type m:val="lin"/>
+                                  <m:ctrlPr>
+                                    <a:rPr lang="fr-FR" sz="1400" i="1">
+                                      <a:latin typeface="Cambria Math" panose="02040503050406030204" pitchFamily="18" charset="0"/>
+                                    </a:rPr>
+                                  </m:ctrlPr>
+                                </m:fPr>
+                                <m:num>
+                                  <m:sSub>
+                                    <m:sSubPr>
+                                      <m:ctrlPr>
+                                        <a:rPr lang="fr-FR" sz="1400" i="1">
+                                          <a:latin typeface="Cambria Math" panose="02040503050406030204" pitchFamily="18" charset="0"/>
+                                        </a:rPr>
+                                      </m:ctrlPr>
+                                    </m:sSubPr>
+                                    <m:e>
+                                      <m:r>
+                                        <a:rPr lang="fr-FR" sz="1400" i="1">
+                                          <a:latin typeface="Cambria Math" panose="02040503050406030204" pitchFamily="18" charset="0"/>
+                                        </a:rPr>
+                                        <m:t>𝐺</m:t>
+                                      </m:r>
+                                    </m:e>
+                                    <m:sub>
+                                      <m:r>
+                                        <a:rPr lang="fr-FR" sz="1400" i="1">
+                                          <a:latin typeface="Cambria Math" panose="02040503050406030204" pitchFamily="18" charset="0"/>
+                                        </a:rPr>
+                                        <m:t>2</m:t>
+                                      </m:r>
+                                    </m:sub>
+                                  </m:sSub>
+                                  <m:r>
+                                    <a:rPr lang="fr-FR" sz="1400" i="1">
+                                      <a:latin typeface="Cambria Math" panose="02040503050406030204" pitchFamily="18" charset="0"/>
+                                    </a:rPr>
+                                    <m:t>,2</m:t>
+                                  </m:r>
+                                </m:num>
+                                <m:den>
+                                  <m:r>
+                                    <a:rPr lang="fr-FR" sz="1400" i="1">
+                                      <a:latin typeface="Cambria Math" panose="02040503050406030204" pitchFamily="18" charset="0"/>
+                                    </a:rPr>
+                                    <m:t>0</m:t>
+                                  </m:r>
+                                </m:den>
+                              </m:f>
+                            </m:e>
+                          </m:d>
+                        </m:e>
+                      </m:acc>
+                      <m:r>
+                        <a:rPr lang="fr-FR" sz="1400" b="0" i="1" smtClean="0">
+                          <a:latin typeface="Cambria Math" panose="02040503050406030204" pitchFamily="18" charset="0"/>
+                        </a:rPr>
+                        <m:t>⋅</m:t>
+                      </m:r>
+                      <m:acc>
+                        <m:accPr>
+                          <m:chr m:val="⃗"/>
+                          <m:ctrlPr>
+                            <a:rPr lang="fr-FR" sz="1400" i="1">
+                              <a:latin typeface="Cambria Math" panose="02040503050406030204" pitchFamily="18" charset="0"/>
+                            </a:rPr>
+                          </m:ctrlPr>
+                        </m:accPr>
+                        <m:e>
+                          <m:sSub>
+                            <m:sSubPr>
+                              <m:ctrlPr>
+                                <a:rPr lang="fr-FR" sz="1400" i="1">
+                                  <a:latin typeface="Cambria Math" panose="02040503050406030204" pitchFamily="18" charset="0"/>
+                                </a:rPr>
+                              </m:ctrlPr>
+                            </m:sSubPr>
+                            <m:e>
+                              <m:r>
+                                <a:rPr lang="fr-FR" sz="1400" b="0" i="1" smtClean="0">
+                                  <a:latin typeface="Cambria Math" panose="02040503050406030204" pitchFamily="18" charset="0"/>
+                                </a:rPr>
+                                <m:t>𝑦</m:t>
+                              </m:r>
+                            </m:e>
+                            <m:sub>
+                              <m:r>
+                                <a:rPr lang="fr-FR" sz="1400" b="0" i="1" smtClean="0">
+                                  <a:latin typeface="Cambria Math" panose="02040503050406030204" pitchFamily="18" charset="0"/>
+                                </a:rPr>
+                                <m:t>1</m:t>
+                              </m:r>
+                            </m:sub>
+                          </m:sSub>
+                        </m:e>
+                      </m:acc>
+                      <m:r>
+                        <a:rPr lang="fr-FR" sz="1400" i="1">
+                          <a:latin typeface="Cambria Math" panose="02040503050406030204" pitchFamily="18" charset="0"/>
+                          <a:ea typeface="Cambria Math" panose="02040503050406030204" pitchFamily="18" charset="0"/>
+                        </a:rPr>
+                        <m:t>=</m:t>
+                      </m:r>
+                      <m:r>
+                        <a:rPr lang="fr-FR" sz="1400" i="1">
+                          <a:latin typeface="Cambria Math" panose="02040503050406030204" pitchFamily="18" charset="0"/>
+                        </a:rPr>
+                        <m:t>𝐴</m:t>
+                      </m:r>
+                      <m:acc>
+                        <m:accPr>
+                          <m:chr m:val="̈"/>
+                          <m:ctrlPr>
+                            <a:rPr lang="fr-FR" sz="1400" i="1">
+                              <a:latin typeface="Cambria Math" panose="02040503050406030204" pitchFamily="18" charset="0"/>
+                              <a:ea typeface="Cambria Math" panose="02040503050406030204" pitchFamily="18" charset="0"/>
+                            </a:rPr>
+                          </m:ctrlPr>
+                        </m:accPr>
+                        <m:e>
+                          <m:r>
+                            <a:rPr lang="fr-FR" sz="1400" i="1">
+                              <a:latin typeface="Cambria Math" panose="02040503050406030204" pitchFamily="18" charset="0"/>
+                              <a:ea typeface="Cambria Math" panose="02040503050406030204" pitchFamily="18" charset="0"/>
+                            </a:rPr>
+                            <m:t>𝜑</m:t>
+                          </m:r>
+                        </m:e>
+                      </m:acc>
+                      <m:func>
+                        <m:funcPr>
+                          <m:ctrlPr>
+                            <a:rPr lang="fr-FR" sz="1400" i="1">
+                              <a:latin typeface="Cambria Math" panose="02040503050406030204" pitchFamily="18" charset="0"/>
+                            </a:rPr>
+                          </m:ctrlPr>
+                        </m:funcPr>
+                        <m:fName>
+                          <m:r>
+                            <m:rPr>
+                              <m:sty m:val="p"/>
+                            </m:rPr>
+                            <a:rPr lang="fr-FR" sz="1400">
+                              <a:latin typeface="Cambria Math" panose="02040503050406030204" pitchFamily="18" charset="0"/>
+                            </a:rPr>
+                            <m:t>cos</m:t>
+                          </m:r>
+                        </m:fName>
+                        <m:e>
+                          <m:r>
+                            <a:rPr lang="fr-FR" sz="1400" i="1">
+                              <a:latin typeface="Cambria Math" panose="02040503050406030204" pitchFamily="18" charset="0"/>
+                            </a:rPr>
+                            <m:t>𝜃</m:t>
+                          </m:r>
+                        </m:e>
+                      </m:func>
+                      <m:acc>
+                        <m:accPr>
+                          <m:chr m:val="⃗"/>
+                          <m:ctrlPr>
+                            <a:rPr lang="fr-FR" sz="1400" i="1">
+                              <a:latin typeface="Cambria Math" panose="02040503050406030204" pitchFamily="18" charset="0"/>
+                            </a:rPr>
+                          </m:ctrlPr>
+                        </m:accPr>
+                        <m:e>
+                          <m:sSub>
+                            <m:sSubPr>
+                              <m:ctrlPr>
+                                <a:rPr lang="fr-FR" sz="1400" i="1">
+                                  <a:latin typeface="Cambria Math" panose="02040503050406030204" pitchFamily="18" charset="0"/>
+                                </a:rPr>
+                              </m:ctrlPr>
+                            </m:sSubPr>
+                            <m:e>
+                              <m:r>
+                                <a:rPr lang="fr-FR" sz="1400" i="1">
+                                  <a:latin typeface="Cambria Math" panose="02040503050406030204" pitchFamily="18" charset="0"/>
+                                </a:rPr>
+                                <m:t>𝑥</m:t>
+                              </m:r>
+                            </m:e>
+                            <m:sub>
+                              <m:r>
+                                <a:rPr lang="fr-FR" sz="1400" i="1">
+                                  <a:latin typeface="Cambria Math" panose="02040503050406030204" pitchFamily="18" charset="0"/>
+                                </a:rPr>
+                                <m:t>2</m:t>
+                              </m:r>
+                            </m:sub>
+                          </m:sSub>
+                        </m:e>
+                      </m:acc>
+                      <m:r>
+                        <a:rPr lang="fr-FR" sz="1400" i="1">
+                          <a:latin typeface="Cambria Math" panose="02040503050406030204" pitchFamily="18" charset="0"/>
+                        </a:rPr>
+                        <m:t>⋅</m:t>
+                      </m:r>
+                      <m:acc>
+                        <m:accPr>
+                          <m:chr m:val="⃗"/>
+                          <m:ctrlPr>
+                            <a:rPr lang="fr-FR" sz="1400" i="1">
+                              <a:latin typeface="Cambria Math" panose="02040503050406030204" pitchFamily="18" charset="0"/>
+                            </a:rPr>
+                          </m:ctrlPr>
+                        </m:accPr>
+                        <m:e>
+                          <m:sSub>
+                            <m:sSubPr>
+                              <m:ctrlPr>
+                                <a:rPr lang="fr-FR" sz="1400" i="1">
+                                  <a:latin typeface="Cambria Math" panose="02040503050406030204" pitchFamily="18" charset="0"/>
+                                </a:rPr>
+                              </m:ctrlPr>
+                            </m:sSubPr>
+                            <m:e>
+                              <m:r>
+                                <a:rPr lang="fr-FR" sz="1400" b="0" i="1" smtClean="0">
+                                  <a:latin typeface="Cambria Math" panose="02040503050406030204" pitchFamily="18" charset="0"/>
+                                </a:rPr>
+                                <m:t>𝑦</m:t>
+                              </m:r>
+                            </m:e>
+                            <m:sub>
+                              <m:r>
+                                <a:rPr lang="fr-FR" sz="1400" i="1">
+                                  <a:latin typeface="Cambria Math" panose="02040503050406030204" pitchFamily="18" charset="0"/>
+                                </a:rPr>
+                                <m:t>1</m:t>
+                              </m:r>
+                            </m:sub>
+                          </m:sSub>
+                        </m:e>
+                      </m:acc>
+                      <m:r>
+                        <a:rPr lang="fr-FR" sz="1400" i="1">
+                          <a:latin typeface="Cambria Math" panose="02040503050406030204" pitchFamily="18" charset="0"/>
+                        </a:rPr>
+                        <m:t>−</m:t>
+                      </m:r>
+                      <m:r>
+                        <a:rPr lang="fr-FR" sz="1400" i="1">
+                          <a:latin typeface="Cambria Math" panose="02040503050406030204" pitchFamily="18" charset="0"/>
+                        </a:rPr>
+                        <m:t>𝐴</m:t>
+                      </m:r>
+                      <m:acc>
+                        <m:accPr>
+                          <m:chr m:val="̇"/>
+                          <m:ctrlPr>
+                            <a:rPr lang="fr-FR" sz="1400" i="1">
+                              <a:latin typeface="Cambria Math" panose="02040503050406030204" pitchFamily="18" charset="0"/>
+                            </a:rPr>
+                          </m:ctrlPr>
+                        </m:accPr>
+                        <m:e>
+                          <m:r>
+                            <a:rPr lang="fr-FR" sz="1400" i="1">
+                              <a:latin typeface="Cambria Math" panose="02040503050406030204" pitchFamily="18" charset="0"/>
+                            </a:rPr>
+                            <m:t>𝜑</m:t>
+                          </m:r>
+                        </m:e>
+                      </m:acc>
+                      <m:acc>
+                        <m:accPr>
+                          <m:chr m:val="̇"/>
+                          <m:ctrlPr>
+                            <a:rPr lang="fr-FR" sz="1400" i="1">
+                              <a:latin typeface="Cambria Math" panose="02040503050406030204" pitchFamily="18" charset="0"/>
+                            </a:rPr>
+                          </m:ctrlPr>
+                        </m:accPr>
+                        <m:e>
+                          <m:r>
+                            <a:rPr lang="fr-FR" sz="1400" i="1">
+                              <a:latin typeface="Cambria Math" panose="02040503050406030204" pitchFamily="18" charset="0"/>
+                            </a:rPr>
+                            <m:t>𝜃</m:t>
+                          </m:r>
+                        </m:e>
+                      </m:acc>
+                      <m:func>
+                        <m:funcPr>
+                          <m:ctrlPr>
+                            <a:rPr lang="fr-FR" sz="1400" i="1">
+                              <a:latin typeface="Cambria Math" panose="02040503050406030204" pitchFamily="18" charset="0"/>
+                            </a:rPr>
+                          </m:ctrlPr>
+                        </m:funcPr>
+                        <m:fName>
+                          <m:r>
+                            <m:rPr>
+                              <m:sty m:val="p"/>
+                            </m:rPr>
+                            <a:rPr lang="fr-FR" sz="1400">
+                              <a:latin typeface="Cambria Math" panose="02040503050406030204" pitchFamily="18" charset="0"/>
+                            </a:rPr>
+                            <m:t>sin</m:t>
+                          </m:r>
+                        </m:fName>
+                        <m:e>
+                          <m:r>
+                            <a:rPr lang="fr-FR" sz="1400" i="1">
+                              <a:latin typeface="Cambria Math" panose="02040503050406030204" pitchFamily="18" charset="0"/>
+                            </a:rPr>
+                            <m:t>𝜃</m:t>
+                          </m:r>
+                        </m:e>
+                      </m:func>
+                      <m:acc>
+                        <m:accPr>
+                          <m:chr m:val="⃗"/>
+                          <m:ctrlPr>
+                            <a:rPr lang="fr-FR" sz="1400" i="1" smtClean="0">
+                              <a:latin typeface="Cambria Math" panose="02040503050406030204" pitchFamily="18" charset="0"/>
+                            </a:rPr>
+                          </m:ctrlPr>
+                        </m:accPr>
+                        <m:e>
+                          <m:sSub>
+                            <m:sSubPr>
+                              <m:ctrlPr>
+                                <a:rPr lang="fr-FR" sz="1400" i="1">
+                                  <a:latin typeface="Cambria Math" panose="02040503050406030204" pitchFamily="18" charset="0"/>
+                                </a:rPr>
+                              </m:ctrlPr>
+                            </m:sSubPr>
+                            <m:e>
+                              <m:r>
+                                <a:rPr lang="fr-FR" sz="1400" i="1">
+                                  <a:latin typeface="Cambria Math" panose="02040503050406030204" pitchFamily="18" charset="0"/>
+                                </a:rPr>
+                                <m:t>𝑥</m:t>
+                              </m:r>
+                            </m:e>
+                            <m:sub>
+                              <m:r>
+                                <a:rPr lang="fr-FR" sz="1400" i="1">
+                                  <a:latin typeface="Cambria Math" panose="02040503050406030204" pitchFamily="18" charset="0"/>
+                                </a:rPr>
+                                <m:t>2</m:t>
+                              </m:r>
+                            </m:sub>
+                          </m:sSub>
+                        </m:e>
+                      </m:acc>
+                      <m:r>
+                        <a:rPr lang="fr-FR" sz="1400" i="1">
+                          <a:latin typeface="Cambria Math" panose="02040503050406030204" pitchFamily="18" charset="0"/>
+                        </a:rPr>
+                        <m:t>⋅</m:t>
+                      </m:r>
+                      <m:acc>
+                        <m:accPr>
+                          <m:chr m:val="⃗"/>
+                          <m:ctrlPr>
+                            <a:rPr lang="fr-FR" sz="1400" i="1">
+                              <a:latin typeface="Cambria Math" panose="02040503050406030204" pitchFamily="18" charset="0"/>
+                            </a:rPr>
+                          </m:ctrlPr>
+                        </m:accPr>
+                        <m:e>
+                          <m:sSub>
+                            <m:sSubPr>
+                              <m:ctrlPr>
+                                <a:rPr lang="fr-FR" sz="1400" b="0" i="1" smtClean="0">
+                                  <a:latin typeface="Cambria Math" panose="02040503050406030204" pitchFamily="18" charset="0"/>
+                                </a:rPr>
+                              </m:ctrlPr>
+                            </m:sSubPr>
+                            <m:e>
+                              <m:r>
+                                <a:rPr lang="fr-FR" sz="1400" b="0" i="1" smtClean="0">
+                                  <a:latin typeface="Cambria Math" panose="02040503050406030204" pitchFamily="18" charset="0"/>
+                                </a:rPr>
+                                <m:t>𝑦</m:t>
+                              </m:r>
+                            </m:e>
+                            <m:sub>
+                              <m:r>
+                                <a:rPr lang="fr-FR" sz="1400" b="0" i="1" smtClean="0">
+                                  <a:latin typeface="Cambria Math" panose="02040503050406030204" pitchFamily="18" charset="0"/>
+                                </a:rPr>
+                                <m:t>1</m:t>
+                              </m:r>
+                            </m:sub>
+                          </m:sSub>
+                        </m:e>
+                      </m:acc>
+                      <m:r>
+                        <a:rPr lang="fr-FR" sz="1400" i="1">
+                          <a:latin typeface="Cambria Math" panose="02040503050406030204" pitchFamily="18" charset="0"/>
+                        </a:rPr>
+                        <m:t>+</m:t>
+                      </m:r>
+                      <m:r>
+                        <a:rPr lang="fr-FR" sz="1400" i="1">
+                          <a:latin typeface="Cambria Math" panose="02040503050406030204" pitchFamily="18" charset="0"/>
+                        </a:rPr>
+                        <m:t>𝐴</m:t>
+                      </m:r>
+                      <m:acc>
+                        <m:accPr>
+                          <m:chr m:val="̇"/>
+                          <m:ctrlPr>
+                            <a:rPr lang="fr-FR" sz="1400" i="1">
+                              <a:latin typeface="Cambria Math" panose="02040503050406030204" pitchFamily="18" charset="0"/>
+                            </a:rPr>
+                          </m:ctrlPr>
+                        </m:accPr>
+                        <m:e>
+                          <m:r>
+                            <a:rPr lang="fr-FR" sz="1400" i="1">
+                              <a:latin typeface="Cambria Math" panose="02040503050406030204" pitchFamily="18" charset="0"/>
+                            </a:rPr>
+                            <m:t>𝜑</m:t>
+                          </m:r>
+                        </m:e>
+                      </m:acc>
+                      <m:func>
+                        <m:funcPr>
+                          <m:ctrlPr>
+                            <a:rPr lang="fr-FR" sz="1400" i="1">
+                              <a:latin typeface="Cambria Math" panose="02040503050406030204" pitchFamily="18" charset="0"/>
+                            </a:rPr>
+                          </m:ctrlPr>
+                        </m:funcPr>
+                        <m:fName>
+                          <m:r>
+                            <m:rPr>
+                              <m:sty m:val="p"/>
+                            </m:rPr>
+                            <a:rPr lang="fr-FR" sz="1400">
+                              <a:latin typeface="Cambria Math" panose="02040503050406030204" pitchFamily="18" charset="0"/>
+                            </a:rPr>
+                            <m:t>cos</m:t>
+                          </m:r>
+                        </m:fName>
+                        <m:e>
+                          <m:r>
+                            <a:rPr lang="fr-FR" sz="1400" i="1">
+                              <a:latin typeface="Cambria Math" panose="02040503050406030204" pitchFamily="18" charset="0"/>
+                            </a:rPr>
+                            <m:t>𝜃</m:t>
+                          </m:r>
+                        </m:e>
+                      </m:func>
+                      <m:d>
+                        <m:dPr>
+                          <m:ctrlPr>
+                            <a:rPr lang="fr-FR" sz="1400" i="1">
+                              <a:latin typeface="Cambria Math" panose="02040503050406030204" pitchFamily="18" charset="0"/>
+                            </a:rPr>
+                          </m:ctrlPr>
+                        </m:dPr>
+                        <m:e>
+                          <m:acc>
+                            <m:accPr>
+                              <m:chr m:val="̇"/>
+                              <m:ctrlPr>
+                                <a:rPr lang="fr-FR" sz="1400" i="1">
+                                  <a:latin typeface="Cambria Math" panose="02040503050406030204" pitchFamily="18" charset="0"/>
+                                </a:rPr>
+                              </m:ctrlPr>
+                            </m:accPr>
+                            <m:e>
+                              <m:r>
+                                <a:rPr lang="fr-FR" sz="1400" i="1">
+                                  <a:latin typeface="Cambria Math" panose="02040503050406030204" pitchFamily="18" charset="0"/>
+                                </a:rPr>
+                                <m:t>𝜑</m:t>
+                              </m:r>
+                            </m:e>
+                          </m:acc>
+                          <m:func>
+                            <m:funcPr>
+                              <m:ctrlPr>
+                                <a:rPr lang="fr-FR" sz="1400" i="1">
+                                  <a:latin typeface="Cambria Math" panose="02040503050406030204" pitchFamily="18" charset="0"/>
+                                </a:rPr>
+                              </m:ctrlPr>
+                            </m:funcPr>
+                            <m:fName>
+                              <m:r>
+                                <m:rPr>
+                                  <m:sty m:val="p"/>
+                                </m:rPr>
+                                <a:rPr lang="fr-FR" sz="1400">
+                                  <a:latin typeface="Cambria Math" panose="02040503050406030204" pitchFamily="18" charset="0"/>
+                                </a:rPr>
+                                <m:t>sin</m:t>
+                              </m:r>
+                            </m:fName>
+                            <m:e>
+                              <m:r>
+                                <a:rPr lang="fr-FR" sz="1400" i="1">
+                                  <a:latin typeface="Cambria Math" panose="02040503050406030204" pitchFamily="18" charset="0"/>
+                                </a:rPr>
+                                <m:t>𝜃</m:t>
+                              </m:r>
+                            </m:e>
+                          </m:func>
+                          <m:acc>
+                            <m:accPr>
+                              <m:chr m:val="⃗"/>
+                              <m:ctrlPr>
+                                <a:rPr lang="fr-FR" sz="1400" i="1" smtClean="0">
+                                  <a:latin typeface="Cambria Math" panose="02040503050406030204" pitchFamily="18" charset="0"/>
+                                </a:rPr>
+                              </m:ctrlPr>
+                            </m:accPr>
+                            <m:e>
+                              <m:sSub>
+                                <m:sSubPr>
+                                  <m:ctrlPr>
+                                    <a:rPr lang="fr-FR" sz="1400" i="1">
+                                      <a:latin typeface="Cambria Math" panose="02040503050406030204" pitchFamily="18" charset="0"/>
+                                    </a:rPr>
+                                  </m:ctrlPr>
+                                </m:sSubPr>
+                                <m:e>
+                                  <m:r>
+                                    <a:rPr lang="fr-FR" sz="1400" i="1">
+                                      <a:latin typeface="Cambria Math" panose="02040503050406030204" pitchFamily="18" charset="0"/>
+                                    </a:rPr>
+                                    <m:t>𝑦</m:t>
+                                  </m:r>
+                                </m:e>
+                                <m:sub>
+                                  <m:r>
+                                    <a:rPr lang="fr-FR" sz="1400" i="1">
+                                      <a:latin typeface="Cambria Math" panose="02040503050406030204" pitchFamily="18" charset="0"/>
+                                    </a:rPr>
+                                    <m:t>1</m:t>
+                                  </m:r>
+                                </m:sub>
+                              </m:sSub>
+                            </m:e>
+                          </m:acc>
+                          <m:r>
+                            <a:rPr lang="fr-FR" sz="1400" i="1">
+                              <a:latin typeface="Cambria Math" panose="02040503050406030204" pitchFamily="18" charset="0"/>
+                            </a:rPr>
+                            <m:t>⋅</m:t>
+                          </m:r>
+                          <m:acc>
+                            <m:accPr>
+                              <m:chr m:val="⃗"/>
+                              <m:ctrlPr>
+                                <a:rPr lang="fr-FR" sz="1400" i="1">
+                                  <a:latin typeface="Cambria Math" panose="02040503050406030204" pitchFamily="18" charset="0"/>
+                                </a:rPr>
+                              </m:ctrlPr>
+                            </m:accPr>
+                            <m:e>
+                              <m:sSub>
+                                <m:sSubPr>
+                                  <m:ctrlPr>
+                                    <a:rPr lang="fr-FR" sz="1400" i="1">
+                                      <a:latin typeface="Cambria Math" panose="02040503050406030204" pitchFamily="18" charset="0"/>
+                                    </a:rPr>
+                                  </m:ctrlPr>
+                                </m:sSubPr>
+                                <m:e>
+                                  <m:r>
+                                    <a:rPr lang="fr-FR" sz="1400" b="0" i="1" smtClean="0">
+                                      <a:latin typeface="Cambria Math" panose="02040503050406030204" pitchFamily="18" charset="0"/>
+                                    </a:rPr>
+                                    <m:t>𝑦</m:t>
+                                  </m:r>
+                                </m:e>
+                                <m:sub>
+                                  <m:r>
+                                    <a:rPr lang="fr-FR" sz="1400" i="1">
+                                      <a:latin typeface="Cambria Math" panose="02040503050406030204" pitchFamily="18" charset="0"/>
+                                    </a:rPr>
+                                    <m:t>1</m:t>
+                                  </m:r>
+                                </m:sub>
+                              </m:sSub>
+                            </m:e>
+                          </m:acc>
+                          <m:r>
+                            <a:rPr lang="fr-FR" sz="1400" i="1">
+                              <a:latin typeface="Cambria Math" panose="02040503050406030204" pitchFamily="18" charset="0"/>
+                            </a:rPr>
+                            <m:t>−</m:t>
+                          </m:r>
+                          <m:acc>
+                            <m:accPr>
+                              <m:chr m:val="̇"/>
+                              <m:ctrlPr>
+                                <a:rPr lang="fr-FR" sz="1400" i="1">
+                                  <a:latin typeface="Cambria Math" panose="02040503050406030204" pitchFamily="18" charset="0"/>
+                                </a:rPr>
+                              </m:ctrlPr>
+                            </m:accPr>
+                            <m:e>
+                              <m:r>
+                                <a:rPr lang="fr-FR" sz="1400" i="1">
+                                  <a:latin typeface="Cambria Math" panose="02040503050406030204" pitchFamily="18" charset="0"/>
+                                </a:rPr>
+                                <m:t>𝜃</m:t>
+                              </m:r>
+                            </m:e>
+                          </m:acc>
+                          <m:acc>
+                            <m:accPr>
+                              <m:chr m:val="⃗"/>
+                              <m:ctrlPr>
+                                <a:rPr lang="fr-FR" sz="1400" i="1">
+                                  <a:latin typeface="Cambria Math" panose="02040503050406030204" pitchFamily="18" charset="0"/>
+                                </a:rPr>
+                              </m:ctrlPr>
+                            </m:accPr>
+                            <m:e>
+                              <m:sSub>
+                                <m:sSubPr>
+                                  <m:ctrlPr>
+                                    <a:rPr lang="fr-FR" sz="1400" i="1">
+                                      <a:latin typeface="Cambria Math" panose="02040503050406030204" pitchFamily="18" charset="0"/>
+                                    </a:rPr>
+                                  </m:ctrlPr>
+                                </m:sSubPr>
+                                <m:e>
+                                  <m:r>
+                                    <a:rPr lang="fr-FR" sz="1400" i="1">
+                                      <a:latin typeface="Cambria Math" panose="02040503050406030204" pitchFamily="18" charset="0"/>
+                                    </a:rPr>
+                                    <m:t>𝑧</m:t>
+                                  </m:r>
+                                </m:e>
+                                <m:sub>
+                                  <m:r>
+                                    <a:rPr lang="fr-FR" sz="1400" i="1">
+                                      <a:latin typeface="Cambria Math" panose="02040503050406030204" pitchFamily="18" charset="0"/>
+                                    </a:rPr>
+                                    <m:t>2</m:t>
+                                  </m:r>
+                                </m:sub>
+                              </m:sSub>
+                            </m:e>
+                          </m:acc>
+                          <m:r>
+                            <a:rPr lang="fr-FR" sz="1400" i="1">
+                              <a:latin typeface="Cambria Math" panose="02040503050406030204" pitchFamily="18" charset="0"/>
+                            </a:rPr>
+                            <m:t>⋅</m:t>
+                          </m:r>
+                          <m:acc>
+                            <m:accPr>
+                              <m:chr m:val="⃗"/>
+                              <m:ctrlPr>
+                                <a:rPr lang="fr-FR" sz="1400" i="1">
+                                  <a:latin typeface="Cambria Math" panose="02040503050406030204" pitchFamily="18" charset="0"/>
+                                </a:rPr>
+                              </m:ctrlPr>
+                            </m:accPr>
+                            <m:e>
+                              <m:sSub>
+                                <m:sSubPr>
+                                  <m:ctrlPr>
+                                    <a:rPr lang="fr-FR" sz="1400" i="1">
+                                      <a:latin typeface="Cambria Math" panose="02040503050406030204" pitchFamily="18" charset="0"/>
+                                    </a:rPr>
+                                  </m:ctrlPr>
+                                </m:sSubPr>
+                                <m:e>
+                                  <m:r>
+                                    <a:rPr lang="fr-FR" sz="1400" b="0" i="1" smtClean="0">
+                                      <a:latin typeface="Cambria Math" panose="02040503050406030204" pitchFamily="18" charset="0"/>
+                                    </a:rPr>
+                                    <m:t>𝑦</m:t>
+                                  </m:r>
+                                </m:e>
+                                <m:sub>
+                                  <m:r>
+                                    <a:rPr lang="fr-FR" sz="1400" i="1">
+                                      <a:latin typeface="Cambria Math" panose="02040503050406030204" pitchFamily="18" charset="0"/>
+                                    </a:rPr>
+                                    <m:t>1</m:t>
+                                  </m:r>
+                                </m:sub>
+                              </m:sSub>
+                            </m:e>
+                          </m:acc>
+                        </m:e>
+                      </m:d>
+                      <m:r>
+                        <a:rPr lang="fr-FR" sz="1400" i="1">
+                          <a:latin typeface="Cambria Math" panose="02040503050406030204" pitchFamily="18" charset="0"/>
+                        </a:rPr>
+                        <m:t>+</m:t>
+                      </m:r>
+                      <m:acc>
+                        <m:accPr>
+                          <m:chr m:val="̈"/>
+                          <m:ctrlPr>
+                            <a:rPr lang="fr-FR" sz="1400" i="1">
+                              <a:latin typeface="Cambria Math" panose="02040503050406030204" pitchFamily="18" charset="0"/>
+                              <a:ea typeface="Cambria Math" panose="02040503050406030204" pitchFamily="18" charset="0"/>
+                            </a:rPr>
+                          </m:ctrlPr>
+                        </m:accPr>
+                        <m:e>
+                          <m:r>
+                            <a:rPr lang="fr-FR" sz="1400" i="1">
+                              <a:latin typeface="Cambria Math" panose="02040503050406030204" pitchFamily="18" charset="0"/>
+                              <a:ea typeface="Cambria Math" panose="02040503050406030204" pitchFamily="18" charset="0"/>
+                            </a:rPr>
+                            <m:t>𝜃</m:t>
+                          </m:r>
+                        </m:e>
+                      </m:acc>
+                      <m:acc>
+                        <m:accPr>
+                          <m:chr m:val="⃗"/>
+                          <m:ctrlPr>
+                            <a:rPr lang="fr-FR" sz="1400" i="1">
+                              <a:latin typeface="Cambria Math" panose="02040503050406030204" pitchFamily="18" charset="0"/>
+                            </a:rPr>
+                          </m:ctrlPr>
+                        </m:accPr>
+                        <m:e>
+                          <m:sSub>
+                            <m:sSubPr>
+                              <m:ctrlPr>
+                                <a:rPr lang="fr-FR" sz="1400" i="1">
+                                  <a:latin typeface="Cambria Math" panose="02040503050406030204" pitchFamily="18" charset="0"/>
+                                </a:rPr>
+                              </m:ctrlPr>
+                            </m:sSubPr>
+                            <m:e>
+                              <m:r>
+                                <a:rPr lang="fr-FR" sz="1400" i="1">
+                                  <a:latin typeface="Cambria Math" panose="02040503050406030204" pitchFamily="18" charset="0"/>
+                                </a:rPr>
+                                <m:t>𝑦</m:t>
+                              </m:r>
+                            </m:e>
+                            <m:sub>
+                              <m:r>
+                                <a:rPr lang="fr-FR" sz="1400" i="1">
+                                  <a:latin typeface="Cambria Math" panose="02040503050406030204" pitchFamily="18" charset="0"/>
+                                </a:rPr>
+                                <m:t>2</m:t>
+                              </m:r>
+                            </m:sub>
+                          </m:sSub>
+                        </m:e>
+                      </m:acc>
+                      <m:r>
+                        <a:rPr lang="fr-FR" sz="1400" i="1">
+                          <a:latin typeface="Cambria Math" panose="02040503050406030204" pitchFamily="18" charset="0"/>
+                        </a:rPr>
+                        <m:t>⋅</m:t>
+                      </m:r>
+                      <m:acc>
+                        <m:accPr>
+                          <m:chr m:val="⃗"/>
+                          <m:ctrlPr>
+                            <a:rPr lang="fr-FR" sz="1400" i="1">
+                              <a:latin typeface="Cambria Math" panose="02040503050406030204" pitchFamily="18" charset="0"/>
+                            </a:rPr>
+                          </m:ctrlPr>
+                        </m:accPr>
+                        <m:e>
+                          <m:sSub>
+                            <m:sSubPr>
+                              <m:ctrlPr>
+                                <a:rPr lang="fr-FR" sz="1400" i="1">
+                                  <a:latin typeface="Cambria Math" panose="02040503050406030204" pitchFamily="18" charset="0"/>
+                                </a:rPr>
+                              </m:ctrlPr>
+                            </m:sSubPr>
+                            <m:e>
+                              <m:r>
+                                <a:rPr lang="fr-FR" sz="1400" b="0" i="1" smtClean="0">
+                                  <a:latin typeface="Cambria Math" panose="02040503050406030204" pitchFamily="18" charset="0"/>
+                                </a:rPr>
+                                <m:t>𝑦</m:t>
+                              </m:r>
+                            </m:e>
+                            <m:sub>
+                              <m:r>
+                                <a:rPr lang="fr-FR" sz="1400" i="1">
+                                  <a:latin typeface="Cambria Math" panose="02040503050406030204" pitchFamily="18" charset="0"/>
+                                </a:rPr>
+                                <m:t>1</m:t>
+                              </m:r>
+                            </m:sub>
+                          </m:sSub>
+                        </m:e>
+                      </m:acc>
+                      <m:r>
+                        <a:rPr lang="fr-FR" sz="1400" i="1">
+                          <a:latin typeface="Cambria Math" panose="02040503050406030204" pitchFamily="18" charset="0"/>
+                        </a:rPr>
+                        <m:t>+</m:t>
+                      </m:r>
+                      <m:acc>
+                        <m:accPr>
+                          <m:chr m:val="̇"/>
+                          <m:ctrlPr>
+                            <a:rPr lang="fr-FR" sz="1400" i="1">
+                              <a:latin typeface="Cambria Math" panose="02040503050406030204" pitchFamily="18" charset="0"/>
+                            </a:rPr>
+                          </m:ctrlPr>
+                        </m:accPr>
+                        <m:e>
+                          <m:r>
+                            <a:rPr lang="fr-FR" sz="1400" i="1">
+                              <a:latin typeface="Cambria Math" panose="02040503050406030204" pitchFamily="18" charset="0"/>
+                            </a:rPr>
+                            <m:t>𝜃</m:t>
+                          </m:r>
+                        </m:e>
+                      </m:acc>
+                      <m:acc>
+                        <m:accPr>
+                          <m:chr m:val="̇"/>
+                          <m:ctrlPr>
+                            <a:rPr lang="fr-FR" sz="1400" i="1">
+                              <a:latin typeface="Cambria Math" panose="02040503050406030204" pitchFamily="18" charset="0"/>
+                            </a:rPr>
+                          </m:ctrlPr>
+                        </m:accPr>
+                        <m:e>
+                          <m:r>
+                            <a:rPr lang="fr-FR" sz="1400" i="1">
+                              <a:latin typeface="Cambria Math" panose="02040503050406030204" pitchFamily="18" charset="0"/>
+                            </a:rPr>
+                            <m:t>𝜑</m:t>
+                          </m:r>
+                        </m:e>
+                      </m:acc>
+                      <m:acc>
+                        <m:accPr>
+                          <m:chr m:val="⃗"/>
+                          <m:ctrlPr>
+                            <a:rPr lang="fr-FR" sz="1400" i="1">
+                              <a:latin typeface="Cambria Math" panose="02040503050406030204" pitchFamily="18" charset="0"/>
+                            </a:rPr>
+                          </m:ctrlPr>
+                        </m:accPr>
+                        <m:e>
+                          <m:sSub>
+                            <m:sSubPr>
+                              <m:ctrlPr>
+                                <a:rPr lang="fr-FR" sz="1400" i="1" smtClean="0">
+                                  <a:latin typeface="Cambria Math" panose="02040503050406030204" pitchFamily="18" charset="0"/>
+                                </a:rPr>
+                              </m:ctrlPr>
+                            </m:sSubPr>
+                            <m:e>
+                              <m:r>
+                                <a:rPr lang="fr-FR" sz="1400" i="1">
+                                  <a:latin typeface="Cambria Math" panose="02040503050406030204" pitchFamily="18" charset="0"/>
+                                </a:rPr>
+                                <m:t>𝑧</m:t>
+                              </m:r>
+                            </m:e>
+                            <m:sub>
+                              <m:r>
+                                <a:rPr lang="fr-FR" sz="1400" i="1">
+                                  <a:latin typeface="Cambria Math" panose="02040503050406030204" pitchFamily="18" charset="0"/>
+                                </a:rPr>
+                                <m:t>1</m:t>
+                              </m:r>
+                            </m:sub>
+                          </m:sSub>
+                        </m:e>
+                      </m:acc>
+                      <m:r>
+                        <a:rPr lang="fr-FR" sz="1400" i="1">
+                          <a:latin typeface="Cambria Math" panose="02040503050406030204" pitchFamily="18" charset="0"/>
+                        </a:rPr>
+                        <m:t>⋅</m:t>
+                      </m:r>
+                      <m:acc>
+                        <m:accPr>
+                          <m:chr m:val="⃗"/>
+                          <m:ctrlPr>
+                            <a:rPr lang="fr-FR" sz="1400" i="1">
+                              <a:latin typeface="Cambria Math" panose="02040503050406030204" pitchFamily="18" charset="0"/>
+                            </a:rPr>
+                          </m:ctrlPr>
+                        </m:accPr>
+                        <m:e>
+                          <m:sSub>
+                            <m:sSubPr>
+                              <m:ctrlPr>
+                                <a:rPr lang="fr-FR" sz="1400" i="1">
+                                  <a:latin typeface="Cambria Math" panose="02040503050406030204" pitchFamily="18" charset="0"/>
+                                </a:rPr>
+                              </m:ctrlPr>
+                            </m:sSubPr>
+                            <m:e>
+                              <m:r>
+                                <a:rPr lang="fr-FR" sz="1400" b="0" i="1" smtClean="0">
+                                  <a:latin typeface="Cambria Math" panose="02040503050406030204" pitchFamily="18" charset="0"/>
+                                </a:rPr>
+                                <m:t>𝑦</m:t>
+                              </m:r>
+                            </m:e>
+                            <m:sub>
+                              <m:r>
+                                <a:rPr lang="fr-FR" sz="1400" b="0" i="1" smtClean="0">
+                                  <a:latin typeface="Cambria Math" panose="02040503050406030204" pitchFamily="18" charset="0"/>
+                                </a:rPr>
+                                <m:t>1</m:t>
+                              </m:r>
+                            </m:sub>
+                          </m:sSub>
+                        </m:e>
+                      </m:acc>
+                      <m:r>
+                        <a:rPr lang="fr-FR" sz="1400" i="1">
+                          <a:latin typeface="Cambria Math" panose="02040503050406030204" pitchFamily="18" charset="0"/>
+                        </a:rPr>
+                        <m:t>+</m:t>
+                      </m:r>
+                      <m:r>
+                        <a:rPr lang="fr-FR" sz="1400" i="1">
+                          <a:latin typeface="Cambria Math" panose="02040503050406030204" pitchFamily="18" charset="0"/>
+                        </a:rPr>
+                        <m:t>𝐶</m:t>
+                      </m:r>
+                      <m:acc>
+                        <m:accPr>
+                          <m:chr m:val="̈"/>
+                          <m:ctrlPr>
+                            <a:rPr lang="fr-FR" sz="1400" i="1" smtClean="0">
+                              <a:latin typeface="Cambria Math" panose="02040503050406030204" pitchFamily="18" charset="0"/>
+                              <a:ea typeface="Cambria Math" panose="02040503050406030204" pitchFamily="18" charset="0"/>
+                            </a:rPr>
+                          </m:ctrlPr>
+                        </m:accPr>
+                        <m:e>
+                          <m:r>
+                            <a:rPr lang="fr-FR" sz="1400" i="1">
+                              <a:latin typeface="Cambria Math" panose="02040503050406030204" pitchFamily="18" charset="0"/>
+                              <a:ea typeface="Cambria Math" panose="02040503050406030204" pitchFamily="18" charset="0"/>
+                            </a:rPr>
+                            <m:t>𝜑</m:t>
+                          </m:r>
+                        </m:e>
+                      </m:acc>
+                      <m:func>
+                        <m:funcPr>
+                          <m:ctrlPr>
+                            <a:rPr lang="fr-FR" sz="1400" i="1">
+                              <a:latin typeface="Cambria Math" panose="02040503050406030204" pitchFamily="18" charset="0"/>
+                            </a:rPr>
+                          </m:ctrlPr>
+                        </m:funcPr>
+                        <m:fName>
+                          <m:r>
+                            <m:rPr>
+                              <m:sty m:val="p"/>
+                            </m:rPr>
+                            <a:rPr lang="fr-FR" sz="1400">
+                              <a:latin typeface="Cambria Math" panose="02040503050406030204" pitchFamily="18" charset="0"/>
+                            </a:rPr>
+                            <m:t>sin</m:t>
+                          </m:r>
+                        </m:fName>
+                        <m:e>
+                          <m:r>
+                            <a:rPr lang="fr-FR" sz="1400" i="1">
+                              <a:latin typeface="Cambria Math" panose="02040503050406030204" pitchFamily="18" charset="0"/>
+                            </a:rPr>
+                            <m:t>𝜃</m:t>
+                          </m:r>
+                        </m:e>
+                      </m:func>
+                      <m:acc>
+                        <m:accPr>
+                          <m:chr m:val="⃗"/>
+                          <m:ctrlPr>
+                            <a:rPr lang="fr-FR" sz="1400" i="1">
+                              <a:latin typeface="Cambria Math" panose="02040503050406030204" pitchFamily="18" charset="0"/>
+                            </a:rPr>
+                          </m:ctrlPr>
+                        </m:accPr>
+                        <m:e>
+                          <m:sSub>
+                            <m:sSubPr>
+                              <m:ctrlPr>
+                                <a:rPr lang="fr-FR" sz="1400" i="1">
+                                  <a:latin typeface="Cambria Math" panose="02040503050406030204" pitchFamily="18" charset="0"/>
+                                </a:rPr>
+                              </m:ctrlPr>
+                            </m:sSubPr>
+                            <m:e>
+                              <m:r>
+                                <a:rPr lang="fr-FR" sz="1400" i="1">
+                                  <a:latin typeface="Cambria Math" panose="02040503050406030204" pitchFamily="18" charset="0"/>
+                                </a:rPr>
+                                <m:t>𝑧</m:t>
+                              </m:r>
+                            </m:e>
+                            <m:sub>
+                              <m:r>
+                                <a:rPr lang="fr-FR" sz="1400" i="1">
+                                  <a:latin typeface="Cambria Math" panose="02040503050406030204" pitchFamily="18" charset="0"/>
+                                </a:rPr>
+                                <m:t>2</m:t>
+                              </m:r>
+                            </m:sub>
+                          </m:sSub>
+                        </m:e>
+                      </m:acc>
+                      <m:r>
+                        <a:rPr lang="fr-FR" sz="1400" i="1">
+                          <a:latin typeface="Cambria Math" panose="02040503050406030204" pitchFamily="18" charset="0"/>
+                        </a:rPr>
+                        <m:t>⋅</m:t>
+                      </m:r>
+                      <m:acc>
+                        <m:accPr>
+                          <m:chr m:val="⃗"/>
+                          <m:ctrlPr>
+                            <a:rPr lang="fr-FR" sz="1400" i="1">
+                              <a:latin typeface="Cambria Math" panose="02040503050406030204" pitchFamily="18" charset="0"/>
+                            </a:rPr>
+                          </m:ctrlPr>
+                        </m:accPr>
+                        <m:e>
+                          <m:sSub>
+                            <m:sSubPr>
+                              <m:ctrlPr>
+                                <a:rPr lang="fr-FR" sz="1400" i="1">
+                                  <a:latin typeface="Cambria Math" panose="02040503050406030204" pitchFamily="18" charset="0"/>
+                                </a:rPr>
+                              </m:ctrlPr>
+                            </m:sSubPr>
+                            <m:e>
+                              <m:r>
+                                <a:rPr lang="fr-FR" sz="1400" b="0" i="1" smtClean="0">
+                                  <a:latin typeface="Cambria Math" panose="02040503050406030204" pitchFamily="18" charset="0"/>
+                                </a:rPr>
+                                <m:t>𝑦</m:t>
+                              </m:r>
+                            </m:e>
+                            <m:sub>
+                              <m:r>
+                                <a:rPr lang="fr-FR" sz="1400" b="0" i="1" smtClean="0">
+                                  <a:latin typeface="Cambria Math" panose="02040503050406030204" pitchFamily="18" charset="0"/>
+                                </a:rPr>
+                                <m:t>1</m:t>
+                              </m:r>
+                            </m:sub>
+                          </m:sSub>
+                        </m:e>
+                      </m:acc>
+                      <m:r>
+                        <a:rPr lang="fr-FR" sz="1400" i="1">
+                          <a:latin typeface="Cambria Math" panose="02040503050406030204" pitchFamily="18" charset="0"/>
+                        </a:rPr>
+                        <m:t>+</m:t>
+                      </m:r>
+                      <m:r>
+                        <a:rPr lang="fr-FR" sz="1400" i="1">
+                          <a:latin typeface="Cambria Math" panose="02040503050406030204" pitchFamily="18" charset="0"/>
+                        </a:rPr>
+                        <m:t>𝐶</m:t>
+                      </m:r>
+                      <m:acc>
+                        <m:accPr>
+                          <m:chr m:val="̇"/>
+                          <m:ctrlPr>
+                            <a:rPr lang="fr-FR" sz="1400" i="1">
+                              <a:latin typeface="Cambria Math" panose="02040503050406030204" pitchFamily="18" charset="0"/>
+                            </a:rPr>
+                          </m:ctrlPr>
+                        </m:accPr>
+                        <m:e>
+                          <m:r>
+                            <a:rPr lang="fr-FR" sz="1400" i="1">
+                              <a:latin typeface="Cambria Math" panose="02040503050406030204" pitchFamily="18" charset="0"/>
+                            </a:rPr>
+                            <m:t>𝜑</m:t>
+                          </m:r>
+                        </m:e>
+                      </m:acc>
+                      <m:acc>
+                        <m:accPr>
+                          <m:chr m:val="̇"/>
+                          <m:ctrlPr>
+                            <a:rPr lang="fr-FR" sz="1400" i="1" smtClean="0">
+                              <a:latin typeface="Cambria Math" panose="02040503050406030204" pitchFamily="18" charset="0"/>
+                            </a:rPr>
+                          </m:ctrlPr>
+                        </m:accPr>
+                        <m:e>
+                          <m:r>
+                            <a:rPr lang="fr-FR" sz="1400" i="1">
+                              <a:latin typeface="Cambria Math" panose="02040503050406030204" pitchFamily="18" charset="0"/>
+                            </a:rPr>
+                            <m:t>𝜃</m:t>
+                          </m:r>
+                        </m:e>
+                      </m:acc>
+                      <m:func>
+                        <m:funcPr>
+                          <m:ctrlPr>
+                            <a:rPr lang="fr-FR" sz="1400" i="1">
+                              <a:latin typeface="Cambria Math" panose="02040503050406030204" pitchFamily="18" charset="0"/>
+                            </a:rPr>
+                          </m:ctrlPr>
+                        </m:funcPr>
+                        <m:fName>
+                          <m:r>
+                            <m:rPr>
+                              <m:sty m:val="p"/>
+                            </m:rPr>
+                            <a:rPr lang="fr-FR" sz="1400" b="0" i="0" smtClean="0">
+                              <a:latin typeface="Cambria Math" panose="02040503050406030204" pitchFamily="18" charset="0"/>
+                            </a:rPr>
+                            <m:t>cos</m:t>
+                          </m:r>
+                        </m:fName>
+                        <m:e>
+                          <m:r>
+                            <a:rPr lang="fr-FR" sz="1400" i="1">
+                              <a:latin typeface="Cambria Math" panose="02040503050406030204" pitchFamily="18" charset="0"/>
+                            </a:rPr>
+                            <m:t>𝜃</m:t>
+                          </m:r>
+                        </m:e>
+                      </m:func>
+                      <m:acc>
+                        <m:accPr>
+                          <m:chr m:val="⃗"/>
+                          <m:ctrlPr>
+                            <a:rPr lang="fr-FR" sz="1400" i="1">
+                              <a:latin typeface="Cambria Math" panose="02040503050406030204" pitchFamily="18" charset="0"/>
+                            </a:rPr>
+                          </m:ctrlPr>
+                        </m:accPr>
+                        <m:e>
+                          <m:sSub>
+                            <m:sSubPr>
+                              <m:ctrlPr>
+                                <a:rPr lang="fr-FR" sz="1400" i="1">
+                                  <a:latin typeface="Cambria Math" panose="02040503050406030204" pitchFamily="18" charset="0"/>
+                                </a:rPr>
+                              </m:ctrlPr>
+                            </m:sSubPr>
+                            <m:e>
+                              <m:r>
+                                <a:rPr lang="fr-FR" sz="1400" i="1">
+                                  <a:latin typeface="Cambria Math" panose="02040503050406030204" pitchFamily="18" charset="0"/>
+                                </a:rPr>
+                                <m:t>𝑧</m:t>
+                              </m:r>
+                            </m:e>
+                            <m:sub>
+                              <m:r>
+                                <a:rPr lang="fr-FR" sz="1400" i="1">
+                                  <a:latin typeface="Cambria Math" panose="02040503050406030204" pitchFamily="18" charset="0"/>
+                                </a:rPr>
+                                <m:t>2</m:t>
+                              </m:r>
+                            </m:sub>
+                          </m:sSub>
+                        </m:e>
+                      </m:acc>
+                      <m:r>
+                        <a:rPr lang="fr-FR" sz="1400" i="1">
+                          <a:latin typeface="Cambria Math" panose="02040503050406030204" pitchFamily="18" charset="0"/>
+                        </a:rPr>
+                        <m:t>⋅</m:t>
+                      </m:r>
+                      <m:acc>
+                        <m:accPr>
+                          <m:chr m:val="⃗"/>
+                          <m:ctrlPr>
+                            <a:rPr lang="fr-FR" sz="1400" i="1">
+                              <a:latin typeface="Cambria Math" panose="02040503050406030204" pitchFamily="18" charset="0"/>
+                            </a:rPr>
+                          </m:ctrlPr>
+                        </m:accPr>
+                        <m:e>
+                          <m:sSub>
+                            <m:sSubPr>
+                              <m:ctrlPr>
+                                <a:rPr lang="fr-FR" sz="1400" i="1">
+                                  <a:latin typeface="Cambria Math" panose="02040503050406030204" pitchFamily="18" charset="0"/>
+                                </a:rPr>
+                              </m:ctrlPr>
+                            </m:sSubPr>
+                            <m:e>
+                              <m:r>
+                                <a:rPr lang="fr-FR" sz="1400" b="0" i="1" smtClean="0">
+                                  <a:latin typeface="Cambria Math" panose="02040503050406030204" pitchFamily="18" charset="0"/>
+                                </a:rPr>
+                                <m:t>𝑦</m:t>
+                              </m:r>
+                            </m:e>
+                            <m:sub>
+                              <m:r>
+                                <a:rPr lang="fr-FR" sz="1400" i="1">
+                                  <a:latin typeface="Cambria Math" panose="02040503050406030204" pitchFamily="18" charset="0"/>
+                                </a:rPr>
+                                <m:t>1</m:t>
+                              </m:r>
+                            </m:sub>
+                          </m:sSub>
+                        </m:e>
+                      </m:acc>
+                      <m:r>
+                        <a:rPr lang="fr-FR" sz="1400" i="1">
+                          <a:latin typeface="Cambria Math" panose="02040503050406030204" pitchFamily="18" charset="0"/>
+                        </a:rPr>
+                        <m:t>+</m:t>
+                      </m:r>
+                      <m:r>
+                        <a:rPr lang="fr-FR" sz="1400" i="1">
+                          <a:latin typeface="Cambria Math" panose="02040503050406030204" pitchFamily="18" charset="0"/>
+                        </a:rPr>
+                        <m:t>𝐶</m:t>
+                      </m:r>
+                      <m:acc>
+                        <m:accPr>
+                          <m:chr m:val="̇"/>
+                          <m:ctrlPr>
+                            <a:rPr lang="fr-FR" sz="1400" i="1">
+                              <a:latin typeface="Cambria Math" panose="02040503050406030204" pitchFamily="18" charset="0"/>
+                            </a:rPr>
+                          </m:ctrlPr>
+                        </m:accPr>
+                        <m:e>
+                          <m:r>
+                            <a:rPr lang="fr-FR" sz="1400" i="1">
+                              <a:latin typeface="Cambria Math" panose="02040503050406030204" pitchFamily="18" charset="0"/>
+                            </a:rPr>
+                            <m:t>𝜑</m:t>
+                          </m:r>
+                        </m:e>
+                      </m:acc>
+                      <m:func>
+                        <m:funcPr>
+                          <m:ctrlPr>
+                            <a:rPr lang="fr-FR" sz="1400" i="1">
+                              <a:latin typeface="Cambria Math" panose="02040503050406030204" pitchFamily="18" charset="0"/>
+                            </a:rPr>
+                          </m:ctrlPr>
+                        </m:funcPr>
+                        <m:fName>
+                          <m:r>
+                            <m:rPr>
+                              <m:sty m:val="p"/>
+                            </m:rPr>
+                            <a:rPr lang="fr-FR" sz="1400">
+                              <a:latin typeface="Cambria Math" panose="02040503050406030204" pitchFamily="18" charset="0"/>
+                            </a:rPr>
+                            <m:t>sin</m:t>
+                          </m:r>
+                        </m:fName>
+                        <m:e>
+                          <m:r>
+                            <a:rPr lang="fr-FR" sz="1400" i="1">
+                              <a:latin typeface="Cambria Math" panose="02040503050406030204" pitchFamily="18" charset="0"/>
+                            </a:rPr>
+                            <m:t>𝜃</m:t>
+                          </m:r>
+                        </m:e>
+                      </m:func>
+                      <m:d>
+                        <m:dPr>
+                          <m:ctrlPr>
+                            <a:rPr lang="fr-FR" sz="1400" i="1" smtClean="0">
+                              <a:latin typeface="Cambria Math" panose="02040503050406030204" pitchFamily="18" charset="0"/>
+                            </a:rPr>
+                          </m:ctrlPr>
+                        </m:dPr>
+                        <m:e>
+                          <m:r>
+                            <a:rPr lang="fr-FR" sz="1400" b="0" i="1" smtClean="0">
+                              <a:latin typeface="Cambria Math" panose="02040503050406030204" pitchFamily="18" charset="0"/>
+                            </a:rPr>
+                            <m:t>−</m:t>
+                          </m:r>
+                          <m:acc>
+                            <m:accPr>
+                              <m:chr m:val="̇"/>
+                              <m:ctrlPr>
+                                <a:rPr lang="fr-FR" sz="1400" b="0" i="1" smtClean="0">
+                                  <a:latin typeface="Cambria Math" panose="02040503050406030204" pitchFamily="18" charset="0"/>
+                                </a:rPr>
+                              </m:ctrlPr>
+                            </m:accPr>
+                            <m:e>
+                              <m:r>
+                                <a:rPr lang="fr-FR" sz="1400" b="0" i="1" smtClean="0">
+                                  <a:latin typeface="Cambria Math" panose="02040503050406030204" pitchFamily="18" charset="0"/>
+                                </a:rPr>
+                                <m:t>𝜑</m:t>
+                              </m:r>
+                            </m:e>
+                          </m:acc>
+                          <m:func>
+                            <m:funcPr>
+                              <m:ctrlPr>
+                                <a:rPr lang="fr-FR" sz="1400" b="0" i="1" smtClean="0">
+                                  <a:latin typeface="Cambria Math" panose="02040503050406030204" pitchFamily="18" charset="0"/>
+                                </a:rPr>
+                              </m:ctrlPr>
+                            </m:funcPr>
+                            <m:fName>
+                              <m:r>
+                                <m:rPr>
+                                  <m:sty m:val="p"/>
+                                </m:rPr>
+                                <a:rPr lang="fr-FR" sz="1400" b="0" i="0" smtClean="0">
+                                  <a:latin typeface="Cambria Math" panose="02040503050406030204" pitchFamily="18" charset="0"/>
+                                </a:rPr>
+                                <m:t>cos</m:t>
+                              </m:r>
+                            </m:fName>
+                            <m:e>
+                              <m:r>
+                                <a:rPr lang="fr-FR" sz="1400" b="0" i="1" smtClean="0">
+                                  <a:latin typeface="Cambria Math" panose="02040503050406030204" pitchFamily="18" charset="0"/>
+                                </a:rPr>
+                                <m:t>𝜃</m:t>
+                              </m:r>
+                            </m:e>
+                          </m:func>
+                          <m:acc>
+                            <m:accPr>
+                              <m:chr m:val="⃗"/>
+                              <m:ctrlPr>
+                                <a:rPr lang="fr-FR" sz="1400" i="1" smtClean="0">
+                                  <a:latin typeface="Cambria Math" panose="02040503050406030204" pitchFamily="18" charset="0"/>
+                                </a:rPr>
+                              </m:ctrlPr>
+                            </m:accPr>
+                            <m:e>
+                              <m:sSub>
+                                <m:sSubPr>
+                                  <m:ctrlPr>
+                                    <a:rPr lang="fr-FR" sz="1400" b="0" i="1" smtClean="0">
+                                      <a:latin typeface="Cambria Math" panose="02040503050406030204" pitchFamily="18" charset="0"/>
+                                    </a:rPr>
+                                  </m:ctrlPr>
+                                </m:sSubPr>
+                                <m:e>
+                                  <m:r>
+                                    <a:rPr lang="fr-FR" sz="1400" b="0" i="1" smtClean="0">
+                                      <a:latin typeface="Cambria Math" panose="02040503050406030204" pitchFamily="18" charset="0"/>
+                                    </a:rPr>
+                                    <m:t>𝑦</m:t>
+                                  </m:r>
+                                </m:e>
+                                <m:sub>
+                                  <m:r>
+                                    <a:rPr lang="fr-FR" sz="1400" b="0" i="1" smtClean="0">
+                                      <a:latin typeface="Cambria Math" panose="02040503050406030204" pitchFamily="18" charset="0"/>
+                                    </a:rPr>
+                                    <m:t>1</m:t>
+                                  </m:r>
+                                </m:sub>
+                              </m:sSub>
+                            </m:e>
+                          </m:acc>
+                          <m:r>
+                            <a:rPr lang="fr-FR" sz="1400" i="1">
+                              <a:latin typeface="Cambria Math" panose="02040503050406030204" pitchFamily="18" charset="0"/>
+                            </a:rPr>
+                            <m:t>⋅</m:t>
+                          </m:r>
+                          <m:acc>
+                            <m:accPr>
+                              <m:chr m:val="⃗"/>
+                              <m:ctrlPr>
+                                <a:rPr lang="fr-FR" sz="1400" i="1">
+                                  <a:latin typeface="Cambria Math" panose="02040503050406030204" pitchFamily="18" charset="0"/>
+                                </a:rPr>
+                              </m:ctrlPr>
+                            </m:accPr>
+                            <m:e>
+                              <m:sSub>
+                                <m:sSubPr>
+                                  <m:ctrlPr>
+                                    <a:rPr lang="fr-FR" sz="1400" i="1">
+                                      <a:latin typeface="Cambria Math" panose="02040503050406030204" pitchFamily="18" charset="0"/>
+                                    </a:rPr>
+                                  </m:ctrlPr>
+                                </m:sSubPr>
+                                <m:e>
+                                  <m:r>
+                                    <a:rPr lang="fr-FR" sz="1400" b="0" i="1" smtClean="0">
+                                      <a:latin typeface="Cambria Math" panose="02040503050406030204" pitchFamily="18" charset="0"/>
+                                    </a:rPr>
+                                    <m:t>𝑦</m:t>
+                                  </m:r>
+                                </m:e>
+                                <m:sub>
+                                  <m:r>
+                                    <a:rPr lang="fr-FR" sz="1400" i="1">
+                                      <a:latin typeface="Cambria Math" panose="02040503050406030204" pitchFamily="18" charset="0"/>
+                                    </a:rPr>
+                                    <m:t>1</m:t>
+                                  </m:r>
+                                </m:sub>
+                              </m:sSub>
+                            </m:e>
+                          </m:acc>
+                          <m:r>
+                            <a:rPr lang="fr-FR" sz="1400" b="0" i="1" smtClean="0">
+                              <a:latin typeface="Cambria Math" panose="02040503050406030204" pitchFamily="18" charset="0"/>
+                            </a:rPr>
+                            <m:t>+</m:t>
+                          </m:r>
+                          <m:acc>
+                            <m:accPr>
+                              <m:chr m:val="̇"/>
+                              <m:ctrlPr>
+                                <a:rPr lang="fr-FR" sz="1400" b="0" i="1" smtClean="0">
+                                  <a:latin typeface="Cambria Math" panose="02040503050406030204" pitchFamily="18" charset="0"/>
+                                </a:rPr>
+                              </m:ctrlPr>
+                            </m:accPr>
+                            <m:e>
+                              <m:r>
+                                <a:rPr lang="fr-FR" sz="1400" b="0" i="1" smtClean="0">
+                                  <a:latin typeface="Cambria Math" panose="02040503050406030204" pitchFamily="18" charset="0"/>
+                                </a:rPr>
+                                <m:t>𝜃</m:t>
+                              </m:r>
+                            </m:e>
+                          </m:acc>
+                          <m:acc>
+                            <m:accPr>
+                              <m:chr m:val="⃗"/>
+                              <m:ctrlPr>
+                                <a:rPr lang="fr-FR" sz="1400" i="1" smtClean="0">
+                                  <a:latin typeface="Cambria Math" panose="02040503050406030204" pitchFamily="18" charset="0"/>
+                                </a:rPr>
+                              </m:ctrlPr>
+                            </m:accPr>
+                            <m:e>
+                              <m:sSub>
+                                <m:sSubPr>
+                                  <m:ctrlPr>
+                                    <a:rPr lang="fr-FR" sz="1400" b="0" i="1" smtClean="0">
+                                      <a:latin typeface="Cambria Math" panose="02040503050406030204" pitchFamily="18" charset="0"/>
+                                    </a:rPr>
+                                  </m:ctrlPr>
+                                </m:sSubPr>
+                                <m:e>
+                                  <m:r>
+                                    <a:rPr lang="fr-FR" sz="1400" b="0" i="1" smtClean="0">
+                                      <a:latin typeface="Cambria Math" panose="02040503050406030204" pitchFamily="18" charset="0"/>
+                                    </a:rPr>
+                                    <m:t>𝑥</m:t>
+                                  </m:r>
+                                </m:e>
+                                <m:sub>
+                                  <m:r>
+                                    <a:rPr lang="fr-FR" sz="1400" b="0" i="1" smtClean="0">
+                                      <a:latin typeface="Cambria Math" panose="02040503050406030204" pitchFamily="18" charset="0"/>
+                                    </a:rPr>
+                                    <m:t>2</m:t>
+                                  </m:r>
+                                </m:sub>
+                              </m:sSub>
+                            </m:e>
+                          </m:acc>
+                          <m:r>
+                            <a:rPr lang="fr-FR" sz="1400" i="1">
+                              <a:latin typeface="Cambria Math" panose="02040503050406030204" pitchFamily="18" charset="0"/>
+                            </a:rPr>
+                            <m:t>⋅</m:t>
+                          </m:r>
+                          <m:acc>
+                            <m:accPr>
+                              <m:chr m:val="⃗"/>
+                              <m:ctrlPr>
+                                <a:rPr lang="fr-FR" sz="1400" i="1">
+                                  <a:latin typeface="Cambria Math" panose="02040503050406030204" pitchFamily="18" charset="0"/>
+                                </a:rPr>
+                              </m:ctrlPr>
+                            </m:accPr>
+                            <m:e>
+                              <m:sSub>
+                                <m:sSubPr>
+                                  <m:ctrlPr>
+                                    <a:rPr lang="fr-FR" sz="1400" i="1">
+                                      <a:latin typeface="Cambria Math" panose="02040503050406030204" pitchFamily="18" charset="0"/>
+                                    </a:rPr>
+                                  </m:ctrlPr>
+                                </m:sSubPr>
+                                <m:e>
+                                  <m:r>
+                                    <a:rPr lang="fr-FR" sz="1400" b="0" i="1" smtClean="0">
+                                      <a:latin typeface="Cambria Math" panose="02040503050406030204" pitchFamily="18" charset="0"/>
+                                    </a:rPr>
+                                    <m:t>𝑦</m:t>
+                                  </m:r>
+                                </m:e>
+                                <m:sub>
+                                  <m:r>
+                                    <a:rPr lang="fr-FR" sz="1400" i="1">
+                                      <a:latin typeface="Cambria Math" panose="02040503050406030204" pitchFamily="18" charset="0"/>
+                                    </a:rPr>
+                                    <m:t>1</m:t>
+                                  </m:r>
+                                </m:sub>
+                              </m:sSub>
+                            </m:e>
+                          </m:acc>
+                        </m:e>
+                      </m:d>
+                    </m:oMath>
+                  </m:oMathPara>
+                </a14:m>
+                <a:endParaRPr lang="fr-FR" sz="1400" dirty="0"/>
+              </a:p>
+              <a:p>
+                <a14:m>
+                  <m:oMathPara xmlns:m="http://schemas.openxmlformats.org/officeDocument/2006/math">
+                    <m:oMathParaPr>
+                      <m:jc m:val="centerGroup"/>
+                    </m:oMathParaPr>
+                    <m:oMath xmlns:m="http://schemas.openxmlformats.org/officeDocument/2006/math">
+                      <m:r>
+                        <a:rPr lang="fr-FR" sz="1400" i="1" smtClean="0">
+                          <a:latin typeface="Cambria Math" panose="02040503050406030204" pitchFamily="18" charset="0"/>
+                          <a:ea typeface="Cambria Math" panose="02040503050406030204" pitchFamily="18" charset="0"/>
+                        </a:rPr>
+                        <m:t>=</m:t>
+                      </m:r>
+                      <m:r>
+                        <a:rPr lang="fr-FR" sz="1400" i="1">
+                          <a:latin typeface="Cambria Math" panose="02040503050406030204" pitchFamily="18" charset="0"/>
+                        </a:rPr>
+                        <m:t>𝐴</m:t>
+                      </m:r>
+                      <m:acc>
+                        <m:accPr>
+                          <m:chr m:val="̇"/>
+                          <m:ctrlPr>
+                            <a:rPr lang="fr-FR" sz="1400" i="1">
+                              <a:latin typeface="Cambria Math" panose="02040503050406030204" pitchFamily="18" charset="0"/>
+                            </a:rPr>
+                          </m:ctrlPr>
+                        </m:accPr>
+                        <m:e>
+                          <m:sSup>
+                            <m:sSupPr>
+                              <m:ctrlPr>
+                                <a:rPr lang="fr-FR" sz="1400" b="0" i="1" smtClean="0">
+                                  <a:latin typeface="Cambria Math" panose="02040503050406030204" pitchFamily="18" charset="0"/>
+                                </a:rPr>
+                              </m:ctrlPr>
+                            </m:sSupPr>
+                            <m:e>
+                              <m:r>
+                                <a:rPr lang="fr-FR" sz="1400" i="1">
+                                  <a:latin typeface="Cambria Math" panose="02040503050406030204" pitchFamily="18" charset="0"/>
+                                </a:rPr>
+                                <m:t>𝜑</m:t>
+                              </m:r>
+                            </m:e>
+                            <m:sup>
+                              <m:r>
+                                <a:rPr lang="fr-FR" sz="1400" b="0" i="1" smtClean="0">
+                                  <a:latin typeface="Cambria Math" panose="02040503050406030204" pitchFamily="18" charset="0"/>
+                                </a:rPr>
+                                <m:t>2</m:t>
+                              </m:r>
+                            </m:sup>
+                          </m:sSup>
+                        </m:e>
+                      </m:acc>
+                      <m:func>
+                        <m:funcPr>
+                          <m:ctrlPr>
+                            <a:rPr lang="fr-FR" sz="1400" i="1">
+                              <a:latin typeface="Cambria Math" panose="02040503050406030204" pitchFamily="18" charset="0"/>
+                            </a:rPr>
+                          </m:ctrlPr>
+                        </m:funcPr>
+                        <m:fName>
+                          <m:r>
+                            <m:rPr>
+                              <m:sty m:val="p"/>
+                            </m:rPr>
+                            <a:rPr lang="fr-FR" sz="1400">
+                              <a:latin typeface="Cambria Math" panose="02040503050406030204" pitchFamily="18" charset="0"/>
+                            </a:rPr>
+                            <m:t>cos</m:t>
+                          </m:r>
+                        </m:fName>
+                        <m:e>
+                          <m:r>
+                            <a:rPr lang="fr-FR" sz="1400" i="1">
+                              <a:latin typeface="Cambria Math" panose="02040503050406030204" pitchFamily="18" charset="0"/>
+                            </a:rPr>
+                            <m:t>𝜃</m:t>
+                          </m:r>
+                        </m:e>
+                      </m:func>
+                      <m:func>
+                        <m:funcPr>
+                          <m:ctrlPr>
+                            <a:rPr lang="fr-FR" sz="1400" i="1">
+                              <a:latin typeface="Cambria Math" panose="02040503050406030204" pitchFamily="18" charset="0"/>
+                            </a:rPr>
+                          </m:ctrlPr>
+                        </m:funcPr>
+                        <m:fName>
+                          <m:r>
+                            <m:rPr>
+                              <m:sty m:val="p"/>
+                            </m:rPr>
+                            <a:rPr lang="fr-FR" sz="1400">
+                              <a:latin typeface="Cambria Math" panose="02040503050406030204" pitchFamily="18" charset="0"/>
+                            </a:rPr>
+                            <m:t>sin</m:t>
+                          </m:r>
+                        </m:fName>
+                        <m:e>
+                          <m:r>
+                            <a:rPr lang="fr-FR" sz="1400" i="1">
+                              <a:latin typeface="Cambria Math" panose="02040503050406030204" pitchFamily="18" charset="0"/>
+                            </a:rPr>
+                            <m:t>𝜃</m:t>
+                          </m:r>
+                        </m:e>
+                      </m:func>
+                      <m:r>
+                        <a:rPr lang="fr-FR" sz="1400" i="1">
+                          <a:latin typeface="Cambria Math" panose="02040503050406030204" pitchFamily="18" charset="0"/>
+                        </a:rPr>
+                        <m:t>+</m:t>
+                      </m:r>
+                      <m:acc>
+                        <m:accPr>
+                          <m:chr m:val="̈"/>
+                          <m:ctrlPr>
+                            <a:rPr lang="fr-FR" sz="1400" i="1">
+                              <a:latin typeface="Cambria Math" panose="02040503050406030204" pitchFamily="18" charset="0"/>
+                              <a:ea typeface="Cambria Math" panose="02040503050406030204" pitchFamily="18" charset="0"/>
+                            </a:rPr>
+                          </m:ctrlPr>
+                        </m:accPr>
+                        <m:e>
+                          <m:r>
+                            <a:rPr lang="fr-FR" sz="1400" i="1">
+                              <a:latin typeface="Cambria Math" panose="02040503050406030204" pitchFamily="18" charset="0"/>
+                              <a:ea typeface="Cambria Math" panose="02040503050406030204" pitchFamily="18" charset="0"/>
+                            </a:rPr>
+                            <m:t>𝜃</m:t>
+                          </m:r>
+                        </m:e>
+                      </m:acc>
+                      <m:r>
+                        <a:rPr lang="fr-FR" sz="1400" i="1">
+                          <a:latin typeface="Cambria Math" panose="02040503050406030204" pitchFamily="18" charset="0"/>
+                        </a:rPr>
+                        <m:t>−</m:t>
+                      </m:r>
+                      <m:r>
+                        <a:rPr lang="fr-FR" sz="1400" i="1">
+                          <a:latin typeface="Cambria Math" panose="02040503050406030204" pitchFamily="18" charset="0"/>
+                        </a:rPr>
+                        <m:t>𝐶</m:t>
+                      </m:r>
+                      <m:acc>
+                        <m:accPr>
+                          <m:chr m:val="̇"/>
+                          <m:ctrlPr>
+                            <a:rPr lang="fr-FR" sz="1400" i="1">
+                              <a:latin typeface="Cambria Math" panose="02040503050406030204" pitchFamily="18" charset="0"/>
+                            </a:rPr>
+                          </m:ctrlPr>
+                        </m:accPr>
+                        <m:e>
+                          <m:sSup>
+                            <m:sSupPr>
+                              <m:ctrlPr>
+                                <a:rPr lang="fr-FR" sz="1400" b="0" i="1" smtClean="0">
+                                  <a:latin typeface="Cambria Math" panose="02040503050406030204" pitchFamily="18" charset="0"/>
+                                </a:rPr>
+                              </m:ctrlPr>
+                            </m:sSupPr>
+                            <m:e>
+                              <m:r>
+                                <a:rPr lang="fr-FR" sz="1400" i="1">
+                                  <a:latin typeface="Cambria Math" panose="02040503050406030204" pitchFamily="18" charset="0"/>
+                                </a:rPr>
+                                <m:t>𝜑</m:t>
+                              </m:r>
+                            </m:e>
+                            <m:sup>
+                              <m:r>
+                                <a:rPr lang="fr-FR" sz="1400" b="0" i="1" smtClean="0">
+                                  <a:latin typeface="Cambria Math" panose="02040503050406030204" pitchFamily="18" charset="0"/>
+                                </a:rPr>
+                                <m:t>2</m:t>
+                              </m:r>
+                            </m:sup>
+                          </m:sSup>
+                        </m:e>
+                      </m:acc>
+                      <m:func>
+                        <m:funcPr>
+                          <m:ctrlPr>
+                            <a:rPr lang="fr-FR" sz="1400" i="1">
+                              <a:latin typeface="Cambria Math" panose="02040503050406030204" pitchFamily="18" charset="0"/>
+                            </a:rPr>
+                          </m:ctrlPr>
+                        </m:funcPr>
+                        <m:fName>
+                          <m:r>
+                            <m:rPr>
+                              <m:sty m:val="p"/>
+                            </m:rPr>
+                            <a:rPr lang="fr-FR" sz="1400">
+                              <a:latin typeface="Cambria Math" panose="02040503050406030204" pitchFamily="18" charset="0"/>
+                            </a:rPr>
+                            <m:t>sin</m:t>
+                          </m:r>
+                        </m:fName>
+                        <m:e>
+                          <m:r>
+                            <a:rPr lang="fr-FR" sz="1400" i="1">
+                              <a:latin typeface="Cambria Math" panose="02040503050406030204" pitchFamily="18" charset="0"/>
+                            </a:rPr>
+                            <m:t>𝜃</m:t>
+                          </m:r>
+                        </m:e>
+                      </m:func>
+                      <m:func>
+                        <m:funcPr>
+                          <m:ctrlPr>
+                            <a:rPr lang="fr-FR" sz="1400" i="1">
+                              <a:latin typeface="Cambria Math" panose="02040503050406030204" pitchFamily="18" charset="0"/>
+                            </a:rPr>
+                          </m:ctrlPr>
+                        </m:funcPr>
+                        <m:fName>
+                          <m:r>
+                            <m:rPr>
+                              <m:sty m:val="p"/>
+                            </m:rPr>
+                            <a:rPr lang="fr-FR" sz="1400">
+                              <a:latin typeface="Cambria Math" panose="02040503050406030204" pitchFamily="18" charset="0"/>
+                            </a:rPr>
+                            <m:t>cos</m:t>
+                          </m:r>
+                        </m:fName>
+                        <m:e>
+                          <m:r>
+                            <a:rPr lang="fr-FR" sz="1400" i="1">
+                              <a:latin typeface="Cambria Math" panose="02040503050406030204" pitchFamily="18" charset="0"/>
+                            </a:rPr>
+                            <m:t>𝜃</m:t>
+                          </m:r>
+                        </m:e>
+                      </m:func>
+                    </m:oMath>
+                  </m:oMathPara>
+                </a14:m>
+                <a:endParaRPr lang="fr-FR" sz="1400" dirty="0"/>
+              </a:p>
+              <a:p>
+                <a:endParaRPr lang="fr-FR" sz="1400" dirty="0"/>
+              </a:p>
+            </p:txBody>
+          </p:sp>
+        </mc:Choice>
+        <mc:Fallback>
+          <p:sp>
+            <p:nvSpPr>
+              <p:cNvPr id="8" name="Rectangle 7">
+                <a:extLst>
+                  <a:ext uri="{FF2B5EF4-FFF2-40B4-BE49-F238E27FC236}">
+                    <a16:creationId xmlns:a16="http://schemas.microsoft.com/office/drawing/2014/main" id="{7C2CC450-1D4E-433A-B6F0-2FBBE90A2840}"/>
+                  </a:ext>
+                </a:extLst>
+              </p:cNvPr>
+              <p:cNvSpPr>
+                <a:spLocks noRot="1" noChangeAspect="1" noMove="1" noResize="1" noEditPoints="1" noAdjustHandles="1" noChangeArrowheads="1" noChangeShapeType="1" noTextEdit="1"/>
+              </p:cNvSpPr>
+              <p:nvPr/>
+            </p:nvSpPr>
+            <p:spPr>
+              <a:xfrm>
+                <a:off x="-249861" y="3917492"/>
+                <a:ext cx="11459688" cy="1293624"/>
+              </a:xfrm>
+              <a:prstGeom prst="rect">
+                <a:avLst/>
+              </a:prstGeom>
+              <a:blipFill>
+                <a:blip r:embed="rId5"/>
+                <a:stretch>
+                  <a:fillRect t="-18868"/>
+                </a:stretch>
+              </a:blipFill>
+            </p:spPr>
+            <p:txBody>
+              <a:bodyPr/>
+              <a:lstStyle/>
+              <a:p>
+                <a:r>
+                  <a:rPr lang="fr-FR">
+                    <a:noFill/>
+                  </a:rPr>
+                  <a:t> </a:t>
+                </a:r>
+              </a:p>
+            </p:txBody>
+          </p:sp>
+        </mc:Fallback>
+      </mc:AlternateContent>
+      <mc:AlternateContent xmlns:mc="http://schemas.openxmlformats.org/markup-compatibility/2006">
+        <mc:Choice xmlns:a14="http://schemas.microsoft.com/office/drawing/2010/main" Requires="a14">
+          <p:sp>
+            <p:nvSpPr>
+              <p:cNvPr id="11" name="Rectangle 10">
+                <a:extLst>
+                  <a:ext uri="{FF2B5EF4-FFF2-40B4-BE49-F238E27FC236}">
+                    <a16:creationId xmlns:a16="http://schemas.microsoft.com/office/drawing/2014/main" id="{FBCD96BB-B56F-13E3-4FA2-1DB4A898E33C}"/>
+                  </a:ext>
+                </a:extLst>
+              </p:cNvPr>
+              <p:cNvSpPr/>
+              <p:nvPr/>
+            </p:nvSpPr>
+            <p:spPr>
+              <a:xfrm>
+                <a:off x="-249861" y="5216443"/>
+                <a:ext cx="11459688" cy="1509067"/>
+              </a:xfrm>
+              <a:prstGeom prst="rect">
+                <a:avLst/>
+              </a:prstGeom>
+            </p:spPr>
+            <p:txBody>
+              <a:bodyPr wrap="square">
+                <a:spAutoFit/>
+              </a:bodyPr>
+              <a:lstStyle/>
+              <a:p>
+                <a14:m>
+                  <m:oMathPara xmlns:m="http://schemas.openxmlformats.org/officeDocument/2006/math">
+                    <m:oMathParaPr>
+                      <m:jc m:val="centerGroup"/>
+                    </m:oMathParaPr>
+                    <m:oMath xmlns:m="http://schemas.openxmlformats.org/officeDocument/2006/math">
+                      <m:acc>
+                        <m:accPr>
+                          <m:chr m:val="⃗"/>
+                          <m:ctrlPr>
+                            <a:rPr lang="fr-FR" sz="1400" i="1" smtClean="0">
+                              <a:latin typeface="Cambria Math" panose="02040503050406030204" pitchFamily="18" charset="0"/>
+                              <a:ea typeface="Cambria Math" panose="02040503050406030204" pitchFamily="18" charset="0"/>
+                            </a:rPr>
+                          </m:ctrlPr>
+                        </m:accPr>
+                        <m:e>
+                          <m:r>
+                            <a:rPr lang="fr-FR" sz="1400" i="1">
+                              <a:latin typeface="Cambria Math" panose="02040503050406030204" pitchFamily="18" charset="0"/>
+                              <a:ea typeface="Cambria Math" panose="02040503050406030204" pitchFamily="18" charset="0"/>
+                            </a:rPr>
+                            <m:t>𝛿</m:t>
+                          </m:r>
+                          <m:d>
+                            <m:dPr>
+                              <m:ctrlPr>
+                                <a:rPr lang="fr-FR" sz="1400" i="1">
+                                  <a:latin typeface="Cambria Math" panose="02040503050406030204" pitchFamily="18" charset="0"/>
+                                </a:rPr>
+                              </m:ctrlPr>
+                            </m:dPr>
+                            <m:e>
+                              <m:f>
+                                <m:fPr>
+                                  <m:type m:val="lin"/>
+                                  <m:ctrlPr>
+                                    <a:rPr lang="fr-FR" sz="1400" i="1">
+                                      <a:latin typeface="Cambria Math" panose="02040503050406030204" pitchFamily="18" charset="0"/>
+                                    </a:rPr>
+                                  </m:ctrlPr>
+                                </m:fPr>
+                                <m:num>
+                                  <m:sSub>
+                                    <m:sSubPr>
+                                      <m:ctrlPr>
+                                        <a:rPr lang="fr-FR" sz="1400" i="1">
+                                          <a:latin typeface="Cambria Math" panose="02040503050406030204" pitchFamily="18" charset="0"/>
+                                        </a:rPr>
+                                      </m:ctrlPr>
+                                    </m:sSubPr>
+                                    <m:e>
+                                      <m:r>
+                                        <a:rPr lang="fr-FR" sz="1400" i="1">
+                                          <a:latin typeface="Cambria Math" panose="02040503050406030204" pitchFamily="18" charset="0"/>
+                                        </a:rPr>
+                                        <m:t>𝐺</m:t>
+                                      </m:r>
+                                    </m:e>
+                                    <m:sub>
+                                      <m:r>
+                                        <a:rPr lang="fr-FR" sz="1400" i="1">
+                                          <a:latin typeface="Cambria Math" panose="02040503050406030204" pitchFamily="18" charset="0"/>
+                                        </a:rPr>
+                                        <m:t>2</m:t>
+                                      </m:r>
+                                    </m:sub>
+                                  </m:sSub>
+                                  <m:r>
+                                    <a:rPr lang="fr-FR" sz="1400" i="1">
+                                      <a:latin typeface="Cambria Math" panose="02040503050406030204" pitchFamily="18" charset="0"/>
+                                    </a:rPr>
+                                    <m:t>,2</m:t>
+                                  </m:r>
+                                </m:num>
+                                <m:den>
+                                  <m:r>
+                                    <a:rPr lang="fr-FR" sz="1400" i="1">
+                                      <a:latin typeface="Cambria Math" panose="02040503050406030204" pitchFamily="18" charset="0"/>
+                                    </a:rPr>
+                                    <m:t>0</m:t>
+                                  </m:r>
+                                </m:den>
+                              </m:f>
+                            </m:e>
+                          </m:d>
+                        </m:e>
+                      </m:acc>
+                      <m:r>
+                        <a:rPr lang="fr-FR" sz="1400" b="0" i="1" smtClean="0">
+                          <a:latin typeface="Cambria Math" panose="02040503050406030204" pitchFamily="18" charset="0"/>
+                        </a:rPr>
+                        <m:t>⋅</m:t>
+                      </m:r>
+                      <m:acc>
+                        <m:accPr>
+                          <m:chr m:val="⃗"/>
+                          <m:ctrlPr>
+                            <a:rPr lang="fr-FR" sz="1400" i="1">
+                              <a:latin typeface="Cambria Math" panose="02040503050406030204" pitchFamily="18" charset="0"/>
+                            </a:rPr>
+                          </m:ctrlPr>
+                        </m:accPr>
+                        <m:e>
+                          <m:sSub>
+                            <m:sSubPr>
+                              <m:ctrlPr>
+                                <a:rPr lang="fr-FR" sz="1400" i="1">
+                                  <a:latin typeface="Cambria Math" panose="02040503050406030204" pitchFamily="18" charset="0"/>
+                                </a:rPr>
+                              </m:ctrlPr>
+                            </m:sSubPr>
+                            <m:e>
+                              <m:r>
+                                <a:rPr lang="fr-FR" sz="1400" b="0" i="1" smtClean="0">
+                                  <a:latin typeface="Cambria Math" panose="02040503050406030204" pitchFamily="18" charset="0"/>
+                                </a:rPr>
+                                <m:t>𝑧</m:t>
+                              </m:r>
+                            </m:e>
+                            <m:sub>
+                              <m:r>
+                                <a:rPr lang="fr-FR" sz="1400" b="0" i="1" smtClean="0">
+                                  <a:latin typeface="Cambria Math" panose="02040503050406030204" pitchFamily="18" charset="0"/>
+                                </a:rPr>
+                                <m:t>1</m:t>
+                              </m:r>
+                            </m:sub>
+                          </m:sSub>
+                        </m:e>
+                      </m:acc>
+                      <m:r>
+                        <a:rPr lang="fr-FR" sz="1400" i="1">
+                          <a:latin typeface="Cambria Math" panose="02040503050406030204" pitchFamily="18" charset="0"/>
+                          <a:ea typeface="Cambria Math" panose="02040503050406030204" pitchFamily="18" charset="0"/>
+                        </a:rPr>
+                        <m:t>=</m:t>
+                      </m:r>
+                      <m:r>
+                        <a:rPr lang="fr-FR" sz="1400" i="1">
+                          <a:latin typeface="Cambria Math" panose="02040503050406030204" pitchFamily="18" charset="0"/>
+                        </a:rPr>
+                        <m:t>𝐴</m:t>
+                      </m:r>
+                      <m:acc>
+                        <m:accPr>
+                          <m:chr m:val="̈"/>
+                          <m:ctrlPr>
+                            <a:rPr lang="fr-FR" sz="1400" i="1">
+                              <a:latin typeface="Cambria Math" panose="02040503050406030204" pitchFamily="18" charset="0"/>
+                              <a:ea typeface="Cambria Math" panose="02040503050406030204" pitchFamily="18" charset="0"/>
+                            </a:rPr>
+                          </m:ctrlPr>
+                        </m:accPr>
+                        <m:e>
+                          <m:r>
+                            <a:rPr lang="fr-FR" sz="1400" i="1">
+                              <a:latin typeface="Cambria Math" panose="02040503050406030204" pitchFamily="18" charset="0"/>
+                              <a:ea typeface="Cambria Math" panose="02040503050406030204" pitchFamily="18" charset="0"/>
+                            </a:rPr>
+                            <m:t>𝜑</m:t>
+                          </m:r>
+                        </m:e>
+                      </m:acc>
+                      <m:func>
+                        <m:funcPr>
+                          <m:ctrlPr>
+                            <a:rPr lang="fr-FR" sz="1400" i="1">
+                              <a:latin typeface="Cambria Math" panose="02040503050406030204" pitchFamily="18" charset="0"/>
+                            </a:rPr>
+                          </m:ctrlPr>
+                        </m:funcPr>
+                        <m:fName>
+                          <m:r>
+                            <m:rPr>
+                              <m:sty m:val="p"/>
+                            </m:rPr>
+                            <a:rPr lang="fr-FR" sz="1400">
+                              <a:latin typeface="Cambria Math" panose="02040503050406030204" pitchFamily="18" charset="0"/>
+                            </a:rPr>
+                            <m:t>cos</m:t>
+                          </m:r>
+                        </m:fName>
+                        <m:e>
+                          <m:r>
+                            <a:rPr lang="fr-FR" sz="1400" i="1">
+                              <a:latin typeface="Cambria Math" panose="02040503050406030204" pitchFamily="18" charset="0"/>
+                            </a:rPr>
+                            <m:t>𝜃</m:t>
+                          </m:r>
+                        </m:e>
+                      </m:func>
+                      <m:acc>
+                        <m:accPr>
+                          <m:chr m:val="⃗"/>
+                          <m:ctrlPr>
+                            <a:rPr lang="fr-FR" sz="1400" i="1">
+                              <a:latin typeface="Cambria Math" panose="02040503050406030204" pitchFamily="18" charset="0"/>
+                            </a:rPr>
+                          </m:ctrlPr>
+                        </m:accPr>
+                        <m:e>
+                          <m:sSub>
+                            <m:sSubPr>
+                              <m:ctrlPr>
+                                <a:rPr lang="fr-FR" sz="1400" i="1">
+                                  <a:latin typeface="Cambria Math" panose="02040503050406030204" pitchFamily="18" charset="0"/>
+                                </a:rPr>
+                              </m:ctrlPr>
+                            </m:sSubPr>
+                            <m:e>
+                              <m:r>
+                                <a:rPr lang="fr-FR" sz="1400" i="1">
+                                  <a:latin typeface="Cambria Math" panose="02040503050406030204" pitchFamily="18" charset="0"/>
+                                </a:rPr>
+                                <m:t>𝑥</m:t>
+                              </m:r>
+                            </m:e>
+                            <m:sub>
+                              <m:r>
+                                <a:rPr lang="fr-FR" sz="1400" i="1">
+                                  <a:latin typeface="Cambria Math" panose="02040503050406030204" pitchFamily="18" charset="0"/>
+                                </a:rPr>
+                                <m:t>2</m:t>
+                              </m:r>
+                            </m:sub>
+                          </m:sSub>
+                        </m:e>
+                      </m:acc>
+                      <m:r>
+                        <a:rPr lang="fr-FR" sz="1400" i="1">
+                          <a:latin typeface="Cambria Math" panose="02040503050406030204" pitchFamily="18" charset="0"/>
+                        </a:rPr>
+                        <m:t>⋅</m:t>
+                      </m:r>
+                      <m:acc>
+                        <m:accPr>
+                          <m:chr m:val="⃗"/>
+                          <m:ctrlPr>
+                            <a:rPr lang="fr-FR" sz="1400" i="1">
+                              <a:latin typeface="Cambria Math" panose="02040503050406030204" pitchFamily="18" charset="0"/>
+                            </a:rPr>
+                          </m:ctrlPr>
+                        </m:accPr>
+                        <m:e>
+                          <m:sSub>
+                            <m:sSubPr>
+                              <m:ctrlPr>
+                                <a:rPr lang="fr-FR" sz="1400" i="1">
+                                  <a:latin typeface="Cambria Math" panose="02040503050406030204" pitchFamily="18" charset="0"/>
+                                </a:rPr>
+                              </m:ctrlPr>
+                            </m:sSubPr>
+                            <m:e>
+                              <m:r>
+                                <a:rPr lang="fr-FR" sz="1400" b="0" i="1" smtClean="0">
+                                  <a:latin typeface="Cambria Math" panose="02040503050406030204" pitchFamily="18" charset="0"/>
+                                </a:rPr>
+                                <m:t>𝑧</m:t>
+                              </m:r>
+                            </m:e>
+                            <m:sub>
+                              <m:r>
+                                <a:rPr lang="fr-FR" sz="1400" i="1">
+                                  <a:latin typeface="Cambria Math" panose="02040503050406030204" pitchFamily="18" charset="0"/>
+                                </a:rPr>
+                                <m:t>1</m:t>
+                              </m:r>
+                            </m:sub>
+                          </m:sSub>
+                        </m:e>
+                      </m:acc>
+                      <m:r>
+                        <a:rPr lang="fr-FR" sz="1400" i="1">
+                          <a:latin typeface="Cambria Math" panose="02040503050406030204" pitchFamily="18" charset="0"/>
+                        </a:rPr>
+                        <m:t>−</m:t>
+                      </m:r>
+                      <m:r>
+                        <a:rPr lang="fr-FR" sz="1400" i="1">
+                          <a:latin typeface="Cambria Math" panose="02040503050406030204" pitchFamily="18" charset="0"/>
+                        </a:rPr>
+                        <m:t>𝐴</m:t>
+                      </m:r>
+                      <m:acc>
+                        <m:accPr>
+                          <m:chr m:val="̇"/>
+                          <m:ctrlPr>
+                            <a:rPr lang="fr-FR" sz="1400" i="1">
+                              <a:latin typeface="Cambria Math" panose="02040503050406030204" pitchFamily="18" charset="0"/>
+                            </a:rPr>
+                          </m:ctrlPr>
+                        </m:accPr>
+                        <m:e>
+                          <m:r>
+                            <a:rPr lang="fr-FR" sz="1400" i="1">
+                              <a:latin typeface="Cambria Math" panose="02040503050406030204" pitchFamily="18" charset="0"/>
+                            </a:rPr>
+                            <m:t>𝜑</m:t>
+                          </m:r>
+                        </m:e>
+                      </m:acc>
+                      <m:acc>
+                        <m:accPr>
+                          <m:chr m:val="̇"/>
+                          <m:ctrlPr>
+                            <a:rPr lang="fr-FR" sz="1400" i="1">
+                              <a:latin typeface="Cambria Math" panose="02040503050406030204" pitchFamily="18" charset="0"/>
+                            </a:rPr>
+                          </m:ctrlPr>
+                        </m:accPr>
+                        <m:e>
+                          <m:r>
+                            <a:rPr lang="fr-FR" sz="1400" i="1">
+                              <a:latin typeface="Cambria Math" panose="02040503050406030204" pitchFamily="18" charset="0"/>
+                            </a:rPr>
+                            <m:t>𝜃</m:t>
+                          </m:r>
+                        </m:e>
+                      </m:acc>
+                      <m:func>
+                        <m:funcPr>
+                          <m:ctrlPr>
+                            <a:rPr lang="fr-FR" sz="1400" i="1">
+                              <a:latin typeface="Cambria Math" panose="02040503050406030204" pitchFamily="18" charset="0"/>
+                            </a:rPr>
+                          </m:ctrlPr>
+                        </m:funcPr>
+                        <m:fName>
+                          <m:r>
+                            <m:rPr>
+                              <m:sty m:val="p"/>
+                            </m:rPr>
+                            <a:rPr lang="fr-FR" sz="1400">
+                              <a:latin typeface="Cambria Math" panose="02040503050406030204" pitchFamily="18" charset="0"/>
+                            </a:rPr>
+                            <m:t>sin</m:t>
+                          </m:r>
+                        </m:fName>
+                        <m:e>
+                          <m:r>
+                            <a:rPr lang="fr-FR" sz="1400" i="1">
+                              <a:latin typeface="Cambria Math" panose="02040503050406030204" pitchFamily="18" charset="0"/>
+                            </a:rPr>
+                            <m:t>𝜃</m:t>
+                          </m:r>
+                        </m:e>
+                      </m:func>
+                      <m:acc>
+                        <m:accPr>
+                          <m:chr m:val="⃗"/>
+                          <m:ctrlPr>
+                            <a:rPr lang="fr-FR" sz="1400" i="1" smtClean="0">
+                              <a:latin typeface="Cambria Math" panose="02040503050406030204" pitchFamily="18" charset="0"/>
+                            </a:rPr>
+                          </m:ctrlPr>
+                        </m:accPr>
+                        <m:e>
+                          <m:sSub>
+                            <m:sSubPr>
+                              <m:ctrlPr>
+                                <a:rPr lang="fr-FR" sz="1400" i="1">
+                                  <a:latin typeface="Cambria Math" panose="02040503050406030204" pitchFamily="18" charset="0"/>
+                                </a:rPr>
+                              </m:ctrlPr>
+                            </m:sSubPr>
+                            <m:e>
+                              <m:r>
+                                <a:rPr lang="fr-FR" sz="1400" i="1">
+                                  <a:latin typeface="Cambria Math" panose="02040503050406030204" pitchFamily="18" charset="0"/>
+                                </a:rPr>
+                                <m:t>𝑥</m:t>
+                              </m:r>
+                            </m:e>
+                            <m:sub>
+                              <m:r>
+                                <a:rPr lang="fr-FR" sz="1400" i="1">
+                                  <a:latin typeface="Cambria Math" panose="02040503050406030204" pitchFamily="18" charset="0"/>
+                                </a:rPr>
+                                <m:t>2</m:t>
+                              </m:r>
+                            </m:sub>
+                          </m:sSub>
+                        </m:e>
+                      </m:acc>
+                      <m:r>
+                        <a:rPr lang="fr-FR" sz="1400" i="1">
+                          <a:latin typeface="Cambria Math" panose="02040503050406030204" pitchFamily="18" charset="0"/>
+                        </a:rPr>
+                        <m:t>⋅</m:t>
+                      </m:r>
+                      <m:acc>
+                        <m:accPr>
+                          <m:chr m:val="⃗"/>
+                          <m:ctrlPr>
+                            <a:rPr lang="fr-FR" sz="1400" i="1">
+                              <a:latin typeface="Cambria Math" panose="02040503050406030204" pitchFamily="18" charset="0"/>
+                            </a:rPr>
+                          </m:ctrlPr>
+                        </m:accPr>
+                        <m:e>
+                          <m:sSub>
+                            <m:sSubPr>
+                              <m:ctrlPr>
+                                <a:rPr lang="fr-FR" sz="1400" i="1">
+                                  <a:latin typeface="Cambria Math" panose="02040503050406030204" pitchFamily="18" charset="0"/>
+                                </a:rPr>
+                              </m:ctrlPr>
+                            </m:sSubPr>
+                            <m:e>
+                              <m:r>
+                                <a:rPr lang="fr-FR" sz="1400" b="0" i="1" smtClean="0">
+                                  <a:latin typeface="Cambria Math" panose="02040503050406030204" pitchFamily="18" charset="0"/>
+                                </a:rPr>
+                                <m:t>𝑧</m:t>
+                              </m:r>
+                            </m:e>
+                            <m:sub>
+                              <m:r>
+                                <a:rPr lang="fr-FR" sz="1400" i="1">
+                                  <a:latin typeface="Cambria Math" panose="02040503050406030204" pitchFamily="18" charset="0"/>
+                                </a:rPr>
+                                <m:t>1</m:t>
+                              </m:r>
+                            </m:sub>
+                          </m:sSub>
+                        </m:e>
+                      </m:acc>
+                      <m:r>
+                        <a:rPr lang="fr-FR" sz="1400" i="1">
+                          <a:latin typeface="Cambria Math" panose="02040503050406030204" pitchFamily="18" charset="0"/>
+                        </a:rPr>
+                        <m:t>+</m:t>
+                      </m:r>
+                      <m:r>
+                        <a:rPr lang="fr-FR" sz="1400" i="1">
+                          <a:latin typeface="Cambria Math" panose="02040503050406030204" pitchFamily="18" charset="0"/>
+                        </a:rPr>
+                        <m:t>𝐴</m:t>
+                      </m:r>
+                      <m:acc>
+                        <m:accPr>
+                          <m:chr m:val="̇"/>
+                          <m:ctrlPr>
+                            <a:rPr lang="fr-FR" sz="1400" i="1">
+                              <a:latin typeface="Cambria Math" panose="02040503050406030204" pitchFamily="18" charset="0"/>
+                            </a:rPr>
+                          </m:ctrlPr>
+                        </m:accPr>
+                        <m:e>
+                          <m:r>
+                            <a:rPr lang="fr-FR" sz="1400" i="1">
+                              <a:latin typeface="Cambria Math" panose="02040503050406030204" pitchFamily="18" charset="0"/>
+                            </a:rPr>
+                            <m:t>𝜑</m:t>
+                          </m:r>
+                        </m:e>
+                      </m:acc>
+                      <m:func>
+                        <m:funcPr>
+                          <m:ctrlPr>
+                            <a:rPr lang="fr-FR" sz="1400" i="1">
+                              <a:latin typeface="Cambria Math" panose="02040503050406030204" pitchFamily="18" charset="0"/>
+                            </a:rPr>
+                          </m:ctrlPr>
+                        </m:funcPr>
+                        <m:fName>
+                          <m:r>
+                            <m:rPr>
+                              <m:sty m:val="p"/>
+                            </m:rPr>
+                            <a:rPr lang="fr-FR" sz="1400">
+                              <a:latin typeface="Cambria Math" panose="02040503050406030204" pitchFamily="18" charset="0"/>
+                            </a:rPr>
+                            <m:t>cos</m:t>
+                          </m:r>
+                        </m:fName>
+                        <m:e>
+                          <m:r>
+                            <a:rPr lang="fr-FR" sz="1400" i="1">
+                              <a:latin typeface="Cambria Math" panose="02040503050406030204" pitchFamily="18" charset="0"/>
+                            </a:rPr>
+                            <m:t>𝜃</m:t>
+                          </m:r>
+                        </m:e>
+                      </m:func>
+                      <m:d>
+                        <m:dPr>
+                          <m:ctrlPr>
+                            <a:rPr lang="fr-FR" sz="1400" i="1">
+                              <a:latin typeface="Cambria Math" panose="02040503050406030204" pitchFamily="18" charset="0"/>
+                            </a:rPr>
+                          </m:ctrlPr>
+                        </m:dPr>
+                        <m:e>
+                          <m:acc>
+                            <m:accPr>
+                              <m:chr m:val="̇"/>
+                              <m:ctrlPr>
+                                <a:rPr lang="fr-FR" sz="1400" i="1">
+                                  <a:latin typeface="Cambria Math" panose="02040503050406030204" pitchFamily="18" charset="0"/>
+                                </a:rPr>
+                              </m:ctrlPr>
+                            </m:accPr>
+                            <m:e>
+                              <m:r>
+                                <a:rPr lang="fr-FR" sz="1400" i="1">
+                                  <a:latin typeface="Cambria Math" panose="02040503050406030204" pitchFamily="18" charset="0"/>
+                                </a:rPr>
+                                <m:t>𝜑</m:t>
+                              </m:r>
+                            </m:e>
+                          </m:acc>
+                          <m:func>
+                            <m:funcPr>
+                              <m:ctrlPr>
+                                <a:rPr lang="fr-FR" sz="1400" i="1">
+                                  <a:latin typeface="Cambria Math" panose="02040503050406030204" pitchFamily="18" charset="0"/>
+                                </a:rPr>
+                              </m:ctrlPr>
+                            </m:funcPr>
+                            <m:fName>
+                              <m:r>
+                                <m:rPr>
+                                  <m:sty m:val="p"/>
+                                </m:rPr>
+                                <a:rPr lang="fr-FR" sz="1400">
+                                  <a:latin typeface="Cambria Math" panose="02040503050406030204" pitchFamily="18" charset="0"/>
+                                </a:rPr>
+                                <m:t>sin</m:t>
+                              </m:r>
+                            </m:fName>
+                            <m:e>
+                              <m:r>
+                                <a:rPr lang="fr-FR" sz="1400" i="1">
+                                  <a:latin typeface="Cambria Math" panose="02040503050406030204" pitchFamily="18" charset="0"/>
+                                </a:rPr>
+                                <m:t>𝜃</m:t>
+                              </m:r>
+                            </m:e>
+                          </m:func>
+                          <m:acc>
+                            <m:accPr>
+                              <m:chr m:val="⃗"/>
+                              <m:ctrlPr>
+                                <a:rPr lang="fr-FR" sz="1400" i="1">
+                                  <a:latin typeface="Cambria Math" panose="02040503050406030204" pitchFamily="18" charset="0"/>
+                                </a:rPr>
+                              </m:ctrlPr>
+                            </m:accPr>
+                            <m:e>
+                              <m:sSub>
+                                <m:sSubPr>
+                                  <m:ctrlPr>
+                                    <a:rPr lang="fr-FR" sz="1400" i="1">
+                                      <a:latin typeface="Cambria Math" panose="02040503050406030204" pitchFamily="18" charset="0"/>
+                                    </a:rPr>
+                                  </m:ctrlPr>
+                                </m:sSubPr>
+                                <m:e>
+                                  <m:r>
+                                    <a:rPr lang="fr-FR" sz="1400" i="1" smtClean="0">
+                                      <a:latin typeface="Cambria Math" panose="02040503050406030204" pitchFamily="18" charset="0"/>
+                                    </a:rPr>
+                                    <m:t>𝑦</m:t>
+                                  </m:r>
+                                </m:e>
+                                <m:sub>
+                                  <m:r>
+                                    <a:rPr lang="fr-FR" sz="1400" i="1">
+                                      <a:latin typeface="Cambria Math" panose="02040503050406030204" pitchFamily="18" charset="0"/>
+                                    </a:rPr>
+                                    <m:t>1</m:t>
+                                  </m:r>
+                                </m:sub>
+                              </m:sSub>
+                            </m:e>
+                          </m:acc>
+                          <m:r>
+                            <a:rPr lang="fr-FR" sz="1400" i="1">
+                              <a:latin typeface="Cambria Math" panose="02040503050406030204" pitchFamily="18" charset="0"/>
+                            </a:rPr>
+                            <m:t>⋅</m:t>
+                          </m:r>
+                          <m:acc>
+                            <m:accPr>
+                              <m:chr m:val="⃗"/>
+                              <m:ctrlPr>
+                                <a:rPr lang="fr-FR" sz="1400" i="1">
+                                  <a:latin typeface="Cambria Math" panose="02040503050406030204" pitchFamily="18" charset="0"/>
+                                </a:rPr>
+                              </m:ctrlPr>
+                            </m:accPr>
+                            <m:e>
+                              <m:sSub>
+                                <m:sSubPr>
+                                  <m:ctrlPr>
+                                    <a:rPr lang="fr-FR" sz="1400" i="1">
+                                      <a:latin typeface="Cambria Math" panose="02040503050406030204" pitchFamily="18" charset="0"/>
+                                    </a:rPr>
+                                  </m:ctrlPr>
+                                </m:sSubPr>
+                                <m:e>
+                                  <m:r>
+                                    <a:rPr lang="fr-FR" sz="1400" b="0" i="1" smtClean="0">
+                                      <a:latin typeface="Cambria Math" panose="02040503050406030204" pitchFamily="18" charset="0"/>
+                                    </a:rPr>
+                                    <m:t>𝑧</m:t>
+                                  </m:r>
+                                </m:e>
+                                <m:sub>
+                                  <m:r>
+                                    <a:rPr lang="fr-FR" sz="1400" i="1">
+                                      <a:latin typeface="Cambria Math" panose="02040503050406030204" pitchFamily="18" charset="0"/>
+                                    </a:rPr>
+                                    <m:t>1</m:t>
+                                  </m:r>
+                                </m:sub>
+                              </m:sSub>
+                            </m:e>
+                          </m:acc>
+                          <m:r>
+                            <a:rPr lang="fr-FR" sz="1400" i="1">
+                              <a:latin typeface="Cambria Math" panose="02040503050406030204" pitchFamily="18" charset="0"/>
+                            </a:rPr>
+                            <m:t>−</m:t>
+                          </m:r>
+                          <m:acc>
+                            <m:accPr>
+                              <m:chr m:val="̇"/>
+                              <m:ctrlPr>
+                                <a:rPr lang="fr-FR" sz="1400" i="1">
+                                  <a:latin typeface="Cambria Math" panose="02040503050406030204" pitchFamily="18" charset="0"/>
+                                </a:rPr>
+                              </m:ctrlPr>
+                            </m:accPr>
+                            <m:e>
+                              <m:r>
+                                <a:rPr lang="fr-FR" sz="1400" i="1">
+                                  <a:latin typeface="Cambria Math" panose="02040503050406030204" pitchFamily="18" charset="0"/>
+                                </a:rPr>
+                                <m:t>𝜃</m:t>
+                              </m:r>
+                            </m:e>
+                          </m:acc>
+                          <m:acc>
+                            <m:accPr>
+                              <m:chr m:val="⃗"/>
+                              <m:ctrlPr>
+                                <a:rPr lang="fr-FR" sz="1400" i="1">
+                                  <a:latin typeface="Cambria Math" panose="02040503050406030204" pitchFamily="18" charset="0"/>
+                                </a:rPr>
+                              </m:ctrlPr>
+                            </m:accPr>
+                            <m:e>
+                              <m:sSub>
+                                <m:sSubPr>
+                                  <m:ctrlPr>
+                                    <a:rPr lang="fr-FR" sz="1400" i="1">
+                                      <a:latin typeface="Cambria Math" panose="02040503050406030204" pitchFamily="18" charset="0"/>
+                                    </a:rPr>
+                                  </m:ctrlPr>
+                                </m:sSubPr>
+                                <m:e>
+                                  <m:r>
+                                    <a:rPr lang="fr-FR" sz="1400" i="1">
+                                      <a:latin typeface="Cambria Math" panose="02040503050406030204" pitchFamily="18" charset="0"/>
+                                    </a:rPr>
+                                    <m:t>𝑧</m:t>
+                                  </m:r>
+                                </m:e>
+                                <m:sub>
+                                  <m:r>
+                                    <a:rPr lang="fr-FR" sz="1400" i="1">
+                                      <a:latin typeface="Cambria Math" panose="02040503050406030204" pitchFamily="18" charset="0"/>
+                                    </a:rPr>
+                                    <m:t>2</m:t>
+                                  </m:r>
+                                </m:sub>
+                              </m:sSub>
+                            </m:e>
+                          </m:acc>
+                          <m:r>
+                            <a:rPr lang="fr-FR" sz="1400" i="1">
+                              <a:latin typeface="Cambria Math" panose="02040503050406030204" pitchFamily="18" charset="0"/>
+                            </a:rPr>
+                            <m:t>⋅</m:t>
+                          </m:r>
+                          <m:acc>
+                            <m:accPr>
+                              <m:chr m:val="⃗"/>
+                              <m:ctrlPr>
+                                <a:rPr lang="fr-FR" sz="1400" i="1">
+                                  <a:latin typeface="Cambria Math" panose="02040503050406030204" pitchFamily="18" charset="0"/>
+                                </a:rPr>
+                              </m:ctrlPr>
+                            </m:accPr>
+                            <m:e>
+                              <m:sSub>
+                                <m:sSubPr>
+                                  <m:ctrlPr>
+                                    <a:rPr lang="fr-FR" sz="1400" b="0" i="1" smtClean="0">
+                                      <a:latin typeface="Cambria Math" panose="02040503050406030204" pitchFamily="18" charset="0"/>
+                                    </a:rPr>
+                                  </m:ctrlPr>
+                                </m:sSubPr>
+                                <m:e>
+                                  <m:r>
+                                    <a:rPr lang="fr-FR" sz="1400" b="0" i="1" smtClean="0">
+                                      <a:latin typeface="Cambria Math" panose="02040503050406030204" pitchFamily="18" charset="0"/>
+                                    </a:rPr>
+                                    <m:t>𝑧</m:t>
+                                  </m:r>
+                                </m:e>
+                                <m:sub>
+                                  <m:r>
+                                    <a:rPr lang="fr-FR" sz="1400" b="0" i="1" smtClean="0">
+                                      <a:latin typeface="Cambria Math" panose="02040503050406030204" pitchFamily="18" charset="0"/>
+                                    </a:rPr>
+                                    <m:t>1</m:t>
+                                  </m:r>
+                                </m:sub>
+                              </m:sSub>
+                            </m:e>
+                          </m:acc>
+                        </m:e>
+                      </m:d>
+                      <m:r>
+                        <a:rPr lang="fr-FR" sz="1400" i="1">
+                          <a:latin typeface="Cambria Math" panose="02040503050406030204" pitchFamily="18" charset="0"/>
+                        </a:rPr>
+                        <m:t>+</m:t>
+                      </m:r>
+                      <m:acc>
+                        <m:accPr>
+                          <m:chr m:val="̈"/>
+                          <m:ctrlPr>
+                            <a:rPr lang="fr-FR" sz="1400" i="1">
+                              <a:latin typeface="Cambria Math" panose="02040503050406030204" pitchFamily="18" charset="0"/>
+                              <a:ea typeface="Cambria Math" panose="02040503050406030204" pitchFamily="18" charset="0"/>
+                            </a:rPr>
+                          </m:ctrlPr>
+                        </m:accPr>
+                        <m:e>
+                          <m:r>
+                            <a:rPr lang="fr-FR" sz="1400" i="1">
+                              <a:latin typeface="Cambria Math" panose="02040503050406030204" pitchFamily="18" charset="0"/>
+                              <a:ea typeface="Cambria Math" panose="02040503050406030204" pitchFamily="18" charset="0"/>
+                            </a:rPr>
+                            <m:t>𝜃</m:t>
+                          </m:r>
+                        </m:e>
+                      </m:acc>
+                      <m:acc>
+                        <m:accPr>
+                          <m:chr m:val="⃗"/>
+                          <m:ctrlPr>
+                            <a:rPr lang="fr-FR" sz="1400" i="1">
+                              <a:latin typeface="Cambria Math" panose="02040503050406030204" pitchFamily="18" charset="0"/>
+                            </a:rPr>
+                          </m:ctrlPr>
+                        </m:accPr>
+                        <m:e>
+                          <m:sSub>
+                            <m:sSubPr>
+                              <m:ctrlPr>
+                                <a:rPr lang="fr-FR" sz="1400" i="1">
+                                  <a:latin typeface="Cambria Math" panose="02040503050406030204" pitchFamily="18" charset="0"/>
+                                </a:rPr>
+                              </m:ctrlPr>
+                            </m:sSubPr>
+                            <m:e>
+                              <m:r>
+                                <a:rPr lang="fr-FR" sz="1400" i="1">
+                                  <a:latin typeface="Cambria Math" panose="02040503050406030204" pitchFamily="18" charset="0"/>
+                                </a:rPr>
+                                <m:t>𝑦</m:t>
+                              </m:r>
+                            </m:e>
+                            <m:sub>
+                              <m:r>
+                                <a:rPr lang="fr-FR" sz="1400" i="1">
+                                  <a:latin typeface="Cambria Math" panose="02040503050406030204" pitchFamily="18" charset="0"/>
+                                </a:rPr>
+                                <m:t>2</m:t>
+                              </m:r>
+                            </m:sub>
+                          </m:sSub>
+                        </m:e>
+                      </m:acc>
+                      <m:r>
+                        <a:rPr lang="fr-FR" sz="1400" i="1">
+                          <a:latin typeface="Cambria Math" panose="02040503050406030204" pitchFamily="18" charset="0"/>
+                        </a:rPr>
+                        <m:t>⋅</m:t>
+                      </m:r>
+                      <m:acc>
+                        <m:accPr>
+                          <m:chr m:val="⃗"/>
+                          <m:ctrlPr>
+                            <a:rPr lang="fr-FR" sz="1400" i="1">
+                              <a:latin typeface="Cambria Math" panose="02040503050406030204" pitchFamily="18" charset="0"/>
+                            </a:rPr>
+                          </m:ctrlPr>
+                        </m:accPr>
+                        <m:e>
+                          <m:sSub>
+                            <m:sSubPr>
+                              <m:ctrlPr>
+                                <a:rPr lang="fr-FR" sz="1400" i="1">
+                                  <a:latin typeface="Cambria Math" panose="02040503050406030204" pitchFamily="18" charset="0"/>
+                                </a:rPr>
+                              </m:ctrlPr>
+                            </m:sSubPr>
+                            <m:e>
+                              <m:r>
+                                <a:rPr lang="fr-FR" sz="1400" b="0" i="1" smtClean="0">
+                                  <a:latin typeface="Cambria Math" panose="02040503050406030204" pitchFamily="18" charset="0"/>
+                                </a:rPr>
+                                <m:t>𝑧</m:t>
+                              </m:r>
+                            </m:e>
+                            <m:sub>
+                              <m:r>
+                                <a:rPr lang="fr-FR" sz="1400" i="1">
+                                  <a:latin typeface="Cambria Math" panose="02040503050406030204" pitchFamily="18" charset="0"/>
+                                </a:rPr>
+                                <m:t>1</m:t>
+                              </m:r>
+                            </m:sub>
+                          </m:sSub>
+                        </m:e>
+                      </m:acc>
+                      <m:r>
+                        <a:rPr lang="fr-FR" sz="1400" i="1">
+                          <a:latin typeface="Cambria Math" panose="02040503050406030204" pitchFamily="18" charset="0"/>
+                        </a:rPr>
+                        <m:t>+</m:t>
+                      </m:r>
+                      <m:acc>
+                        <m:accPr>
+                          <m:chr m:val="̇"/>
+                          <m:ctrlPr>
+                            <a:rPr lang="fr-FR" sz="1400" i="1">
+                              <a:latin typeface="Cambria Math" panose="02040503050406030204" pitchFamily="18" charset="0"/>
+                            </a:rPr>
+                          </m:ctrlPr>
+                        </m:accPr>
+                        <m:e>
+                          <m:r>
+                            <a:rPr lang="fr-FR" sz="1400" i="1">
+                              <a:latin typeface="Cambria Math" panose="02040503050406030204" pitchFamily="18" charset="0"/>
+                            </a:rPr>
+                            <m:t>𝜃</m:t>
+                          </m:r>
+                        </m:e>
+                      </m:acc>
+                      <m:acc>
+                        <m:accPr>
+                          <m:chr m:val="̇"/>
+                          <m:ctrlPr>
+                            <a:rPr lang="fr-FR" sz="1400" i="1">
+                              <a:latin typeface="Cambria Math" panose="02040503050406030204" pitchFamily="18" charset="0"/>
+                            </a:rPr>
+                          </m:ctrlPr>
+                        </m:accPr>
+                        <m:e>
+                          <m:r>
+                            <a:rPr lang="fr-FR" sz="1400" i="1">
+                              <a:latin typeface="Cambria Math" panose="02040503050406030204" pitchFamily="18" charset="0"/>
+                            </a:rPr>
+                            <m:t>𝜑</m:t>
+                          </m:r>
+                        </m:e>
+                      </m:acc>
+                      <m:acc>
+                        <m:accPr>
+                          <m:chr m:val="⃗"/>
+                          <m:ctrlPr>
+                            <a:rPr lang="fr-FR" sz="1400" i="1">
+                              <a:latin typeface="Cambria Math" panose="02040503050406030204" pitchFamily="18" charset="0"/>
+                            </a:rPr>
+                          </m:ctrlPr>
+                        </m:accPr>
+                        <m:e>
+                          <m:sSub>
+                            <m:sSubPr>
+                              <m:ctrlPr>
+                                <a:rPr lang="fr-FR" sz="1400" i="1">
+                                  <a:latin typeface="Cambria Math" panose="02040503050406030204" pitchFamily="18" charset="0"/>
+                                </a:rPr>
+                              </m:ctrlPr>
+                            </m:sSubPr>
+                            <m:e>
+                              <m:r>
+                                <a:rPr lang="fr-FR" sz="1400" i="1">
+                                  <a:latin typeface="Cambria Math" panose="02040503050406030204" pitchFamily="18" charset="0"/>
+                                </a:rPr>
+                                <m:t>𝑧</m:t>
+                              </m:r>
+                            </m:e>
+                            <m:sub>
+                              <m:r>
+                                <a:rPr lang="fr-FR" sz="1400" i="1">
+                                  <a:latin typeface="Cambria Math" panose="02040503050406030204" pitchFamily="18" charset="0"/>
+                                </a:rPr>
+                                <m:t>1</m:t>
+                              </m:r>
+                            </m:sub>
+                          </m:sSub>
+                        </m:e>
+                      </m:acc>
+                      <m:r>
+                        <a:rPr lang="fr-FR" sz="1400" i="1">
+                          <a:latin typeface="Cambria Math" panose="02040503050406030204" pitchFamily="18" charset="0"/>
+                        </a:rPr>
+                        <m:t>⋅</m:t>
+                      </m:r>
+                      <m:acc>
+                        <m:accPr>
+                          <m:chr m:val="⃗"/>
+                          <m:ctrlPr>
+                            <a:rPr lang="fr-FR" sz="1400" i="1">
+                              <a:latin typeface="Cambria Math" panose="02040503050406030204" pitchFamily="18" charset="0"/>
+                            </a:rPr>
+                          </m:ctrlPr>
+                        </m:accPr>
+                        <m:e>
+                          <m:sSub>
+                            <m:sSubPr>
+                              <m:ctrlPr>
+                                <a:rPr lang="fr-FR" sz="1400" b="0" i="1" smtClean="0">
+                                  <a:latin typeface="Cambria Math" panose="02040503050406030204" pitchFamily="18" charset="0"/>
+                                </a:rPr>
+                              </m:ctrlPr>
+                            </m:sSubPr>
+                            <m:e>
+                              <m:r>
+                                <a:rPr lang="fr-FR" sz="1400" b="0" i="1" smtClean="0">
+                                  <a:latin typeface="Cambria Math" panose="02040503050406030204" pitchFamily="18" charset="0"/>
+                                </a:rPr>
+                                <m:t>𝑧</m:t>
+                              </m:r>
+                            </m:e>
+                            <m:sub>
+                              <m:r>
+                                <a:rPr lang="fr-FR" sz="1400" b="0" i="1" smtClean="0">
+                                  <a:latin typeface="Cambria Math" panose="02040503050406030204" pitchFamily="18" charset="0"/>
+                                </a:rPr>
+                                <m:t>1</m:t>
+                              </m:r>
+                            </m:sub>
+                          </m:sSub>
+                        </m:e>
+                      </m:acc>
+                      <m:r>
+                        <a:rPr lang="fr-FR" sz="1400" i="1">
+                          <a:latin typeface="Cambria Math" panose="02040503050406030204" pitchFamily="18" charset="0"/>
+                        </a:rPr>
+                        <m:t>+</m:t>
+                      </m:r>
+                      <m:r>
+                        <a:rPr lang="fr-FR" sz="1400" i="1">
+                          <a:latin typeface="Cambria Math" panose="02040503050406030204" pitchFamily="18" charset="0"/>
+                        </a:rPr>
+                        <m:t>𝐶</m:t>
+                      </m:r>
+                      <m:acc>
+                        <m:accPr>
+                          <m:chr m:val="̈"/>
+                          <m:ctrlPr>
+                            <a:rPr lang="fr-FR" sz="1400" i="1" smtClean="0">
+                              <a:latin typeface="Cambria Math" panose="02040503050406030204" pitchFamily="18" charset="0"/>
+                              <a:ea typeface="Cambria Math" panose="02040503050406030204" pitchFamily="18" charset="0"/>
+                            </a:rPr>
+                          </m:ctrlPr>
+                        </m:accPr>
+                        <m:e>
+                          <m:r>
+                            <a:rPr lang="fr-FR" sz="1400" i="1">
+                              <a:latin typeface="Cambria Math" panose="02040503050406030204" pitchFamily="18" charset="0"/>
+                              <a:ea typeface="Cambria Math" panose="02040503050406030204" pitchFamily="18" charset="0"/>
+                            </a:rPr>
+                            <m:t>𝜑</m:t>
+                          </m:r>
+                        </m:e>
+                      </m:acc>
+                      <m:func>
+                        <m:funcPr>
+                          <m:ctrlPr>
+                            <a:rPr lang="fr-FR" sz="1400" i="1">
+                              <a:latin typeface="Cambria Math" panose="02040503050406030204" pitchFamily="18" charset="0"/>
+                            </a:rPr>
+                          </m:ctrlPr>
+                        </m:funcPr>
+                        <m:fName>
+                          <m:r>
+                            <m:rPr>
+                              <m:sty m:val="p"/>
+                            </m:rPr>
+                            <a:rPr lang="fr-FR" sz="1400">
+                              <a:latin typeface="Cambria Math" panose="02040503050406030204" pitchFamily="18" charset="0"/>
+                            </a:rPr>
+                            <m:t>sin</m:t>
+                          </m:r>
+                        </m:fName>
+                        <m:e>
+                          <m:r>
+                            <a:rPr lang="fr-FR" sz="1400" i="1">
+                              <a:latin typeface="Cambria Math" panose="02040503050406030204" pitchFamily="18" charset="0"/>
+                            </a:rPr>
+                            <m:t>𝜃</m:t>
+                          </m:r>
+                        </m:e>
+                      </m:func>
+                      <m:acc>
+                        <m:accPr>
+                          <m:chr m:val="⃗"/>
+                          <m:ctrlPr>
+                            <a:rPr lang="fr-FR" sz="1400" i="1">
+                              <a:latin typeface="Cambria Math" panose="02040503050406030204" pitchFamily="18" charset="0"/>
+                            </a:rPr>
+                          </m:ctrlPr>
+                        </m:accPr>
+                        <m:e>
+                          <m:sSub>
+                            <m:sSubPr>
+                              <m:ctrlPr>
+                                <a:rPr lang="fr-FR" sz="1400" i="1">
+                                  <a:latin typeface="Cambria Math" panose="02040503050406030204" pitchFamily="18" charset="0"/>
+                                </a:rPr>
+                              </m:ctrlPr>
+                            </m:sSubPr>
+                            <m:e>
+                              <m:r>
+                                <a:rPr lang="fr-FR" sz="1400" i="1">
+                                  <a:latin typeface="Cambria Math" panose="02040503050406030204" pitchFamily="18" charset="0"/>
+                                </a:rPr>
+                                <m:t>𝑧</m:t>
+                              </m:r>
+                            </m:e>
+                            <m:sub>
+                              <m:r>
+                                <a:rPr lang="fr-FR" sz="1400" i="1">
+                                  <a:latin typeface="Cambria Math" panose="02040503050406030204" pitchFamily="18" charset="0"/>
+                                </a:rPr>
+                                <m:t>2</m:t>
+                              </m:r>
+                            </m:sub>
+                          </m:sSub>
+                        </m:e>
+                      </m:acc>
+                      <m:r>
+                        <a:rPr lang="fr-FR" sz="1400" i="1">
+                          <a:latin typeface="Cambria Math" panose="02040503050406030204" pitchFamily="18" charset="0"/>
+                        </a:rPr>
+                        <m:t>⋅</m:t>
+                      </m:r>
+                      <m:acc>
+                        <m:accPr>
+                          <m:chr m:val="⃗"/>
+                          <m:ctrlPr>
+                            <a:rPr lang="fr-FR" sz="1400" i="1">
+                              <a:latin typeface="Cambria Math" panose="02040503050406030204" pitchFamily="18" charset="0"/>
+                            </a:rPr>
+                          </m:ctrlPr>
+                        </m:accPr>
+                        <m:e>
+                          <m:sSub>
+                            <m:sSubPr>
+                              <m:ctrlPr>
+                                <a:rPr lang="fr-FR" sz="1400" i="1">
+                                  <a:latin typeface="Cambria Math" panose="02040503050406030204" pitchFamily="18" charset="0"/>
+                                </a:rPr>
+                              </m:ctrlPr>
+                            </m:sSubPr>
+                            <m:e>
+                              <m:r>
+                                <a:rPr lang="fr-FR" sz="1400" b="0" i="1" smtClean="0">
+                                  <a:latin typeface="Cambria Math" panose="02040503050406030204" pitchFamily="18" charset="0"/>
+                                </a:rPr>
+                                <m:t>𝑧</m:t>
+                              </m:r>
+                            </m:e>
+                            <m:sub>
+                              <m:r>
+                                <a:rPr lang="fr-FR" sz="1400" i="1">
+                                  <a:latin typeface="Cambria Math" panose="02040503050406030204" pitchFamily="18" charset="0"/>
+                                </a:rPr>
+                                <m:t>1</m:t>
+                              </m:r>
+                            </m:sub>
+                          </m:sSub>
+                        </m:e>
+                      </m:acc>
+                      <m:r>
+                        <a:rPr lang="fr-FR" sz="1400" i="1">
+                          <a:latin typeface="Cambria Math" panose="02040503050406030204" pitchFamily="18" charset="0"/>
+                        </a:rPr>
+                        <m:t>+</m:t>
+                      </m:r>
+                      <m:r>
+                        <a:rPr lang="fr-FR" sz="1400" i="1">
+                          <a:latin typeface="Cambria Math" panose="02040503050406030204" pitchFamily="18" charset="0"/>
+                        </a:rPr>
+                        <m:t>𝐶</m:t>
+                      </m:r>
+                      <m:acc>
+                        <m:accPr>
+                          <m:chr m:val="̇"/>
+                          <m:ctrlPr>
+                            <a:rPr lang="fr-FR" sz="1400" i="1">
+                              <a:latin typeface="Cambria Math" panose="02040503050406030204" pitchFamily="18" charset="0"/>
+                            </a:rPr>
+                          </m:ctrlPr>
+                        </m:accPr>
+                        <m:e>
+                          <m:r>
+                            <a:rPr lang="fr-FR" sz="1400" i="1">
+                              <a:latin typeface="Cambria Math" panose="02040503050406030204" pitchFamily="18" charset="0"/>
+                            </a:rPr>
+                            <m:t>𝜑</m:t>
+                          </m:r>
+                        </m:e>
+                      </m:acc>
+                      <m:acc>
+                        <m:accPr>
+                          <m:chr m:val="̇"/>
+                          <m:ctrlPr>
+                            <a:rPr lang="fr-FR" sz="1400" i="1" smtClean="0">
+                              <a:latin typeface="Cambria Math" panose="02040503050406030204" pitchFamily="18" charset="0"/>
+                            </a:rPr>
+                          </m:ctrlPr>
+                        </m:accPr>
+                        <m:e>
+                          <m:r>
+                            <a:rPr lang="fr-FR" sz="1400" i="1">
+                              <a:latin typeface="Cambria Math" panose="02040503050406030204" pitchFamily="18" charset="0"/>
+                            </a:rPr>
+                            <m:t>𝜃</m:t>
+                          </m:r>
+                        </m:e>
+                      </m:acc>
+                      <m:func>
+                        <m:funcPr>
+                          <m:ctrlPr>
+                            <a:rPr lang="fr-FR" sz="1400" i="1">
+                              <a:latin typeface="Cambria Math" panose="02040503050406030204" pitchFamily="18" charset="0"/>
+                            </a:rPr>
+                          </m:ctrlPr>
+                        </m:funcPr>
+                        <m:fName>
+                          <m:r>
+                            <m:rPr>
+                              <m:sty m:val="p"/>
+                            </m:rPr>
+                            <a:rPr lang="fr-FR" sz="1400" b="0" i="0" smtClean="0">
+                              <a:latin typeface="Cambria Math" panose="02040503050406030204" pitchFamily="18" charset="0"/>
+                            </a:rPr>
+                            <m:t>cos</m:t>
+                          </m:r>
+                        </m:fName>
+                        <m:e>
+                          <m:r>
+                            <a:rPr lang="fr-FR" sz="1400" i="1">
+                              <a:latin typeface="Cambria Math" panose="02040503050406030204" pitchFamily="18" charset="0"/>
+                            </a:rPr>
+                            <m:t>𝜃</m:t>
+                          </m:r>
+                        </m:e>
+                      </m:func>
+                      <m:acc>
+                        <m:accPr>
+                          <m:chr m:val="⃗"/>
+                          <m:ctrlPr>
+                            <a:rPr lang="fr-FR" sz="1400" i="1">
+                              <a:latin typeface="Cambria Math" panose="02040503050406030204" pitchFamily="18" charset="0"/>
+                            </a:rPr>
+                          </m:ctrlPr>
+                        </m:accPr>
+                        <m:e>
+                          <m:sSub>
+                            <m:sSubPr>
+                              <m:ctrlPr>
+                                <a:rPr lang="fr-FR" sz="1400" i="1">
+                                  <a:latin typeface="Cambria Math" panose="02040503050406030204" pitchFamily="18" charset="0"/>
+                                </a:rPr>
+                              </m:ctrlPr>
+                            </m:sSubPr>
+                            <m:e>
+                              <m:r>
+                                <a:rPr lang="fr-FR" sz="1400" i="1">
+                                  <a:latin typeface="Cambria Math" panose="02040503050406030204" pitchFamily="18" charset="0"/>
+                                </a:rPr>
+                                <m:t>𝑧</m:t>
+                              </m:r>
+                            </m:e>
+                            <m:sub>
+                              <m:r>
+                                <a:rPr lang="fr-FR" sz="1400" i="1">
+                                  <a:latin typeface="Cambria Math" panose="02040503050406030204" pitchFamily="18" charset="0"/>
+                                </a:rPr>
+                                <m:t>2</m:t>
+                              </m:r>
+                            </m:sub>
+                          </m:sSub>
+                        </m:e>
+                      </m:acc>
+                      <m:r>
+                        <a:rPr lang="fr-FR" sz="1400" i="1">
+                          <a:latin typeface="Cambria Math" panose="02040503050406030204" pitchFamily="18" charset="0"/>
+                        </a:rPr>
+                        <m:t>⋅</m:t>
+                      </m:r>
+                      <m:acc>
+                        <m:accPr>
+                          <m:chr m:val="⃗"/>
+                          <m:ctrlPr>
+                            <a:rPr lang="fr-FR" sz="1400" i="1">
+                              <a:latin typeface="Cambria Math" panose="02040503050406030204" pitchFamily="18" charset="0"/>
+                            </a:rPr>
+                          </m:ctrlPr>
+                        </m:accPr>
+                        <m:e>
+                          <m:sSub>
+                            <m:sSubPr>
+                              <m:ctrlPr>
+                                <a:rPr lang="fr-FR" sz="1400" i="1">
+                                  <a:latin typeface="Cambria Math" panose="02040503050406030204" pitchFamily="18" charset="0"/>
+                                </a:rPr>
+                              </m:ctrlPr>
+                            </m:sSubPr>
+                            <m:e>
+                              <m:r>
+                                <a:rPr lang="fr-FR" sz="1400" b="0" i="1" smtClean="0">
+                                  <a:latin typeface="Cambria Math" panose="02040503050406030204" pitchFamily="18" charset="0"/>
+                                </a:rPr>
+                                <m:t>𝑧</m:t>
+                              </m:r>
+                            </m:e>
+                            <m:sub>
+                              <m:r>
+                                <a:rPr lang="fr-FR" sz="1400" i="1">
+                                  <a:latin typeface="Cambria Math" panose="02040503050406030204" pitchFamily="18" charset="0"/>
+                                </a:rPr>
+                                <m:t>1</m:t>
+                              </m:r>
+                            </m:sub>
+                          </m:sSub>
+                        </m:e>
+                      </m:acc>
+                      <m:r>
+                        <a:rPr lang="fr-FR" sz="1400" i="1">
+                          <a:latin typeface="Cambria Math" panose="02040503050406030204" pitchFamily="18" charset="0"/>
+                        </a:rPr>
+                        <m:t>+</m:t>
+                      </m:r>
+                      <m:r>
+                        <a:rPr lang="fr-FR" sz="1400" i="1">
+                          <a:latin typeface="Cambria Math" panose="02040503050406030204" pitchFamily="18" charset="0"/>
+                        </a:rPr>
+                        <m:t>𝐶</m:t>
+                      </m:r>
+                      <m:acc>
+                        <m:accPr>
+                          <m:chr m:val="̇"/>
+                          <m:ctrlPr>
+                            <a:rPr lang="fr-FR" sz="1400" i="1">
+                              <a:latin typeface="Cambria Math" panose="02040503050406030204" pitchFamily="18" charset="0"/>
+                            </a:rPr>
+                          </m:ctrlPr>
+                        </m:accPr>
+                        <m:e>
+                          <m:r>
+                            <a:rPr lang="fr-FR" sz="1400" i="1">
+                              <a:latin typeface="Cambria Math" panose="02040503050406030204" pitchFamily="18" charset="0"/>
+                            </a:rPr>
+                            <m:t>𝜑</m:t>
+                          </m:r>
+                        </m:e>
+                      </m:acc>
+                      <m:func>
+                        <m:funcPr>
+                          <m:ctrlPr>
+                            <a:rPr lang="fr-FR" sz="1400" i="1">
+                              <a:latin typeface="Cambria Math" panose="02040503050406030204" pitchFamily="18" charset="0"/>
+                            </a:rPr>
+                          </m:ctrlPr>
+                        </m:funcPr>
+                        <m:fName>
+                          <m:r>
+                            <m:rPr>
+                              <m:sty m:val="p"/>
+                            </m:rPr>
+                            <a:rPr lang="fr-FR" sz="1400">
+                              <a:latin typeface="Cambria Math" panose="02040503050406030204" pitchFamily="18" charset="0"/>
+                            </a:rPr>
+                            <m:t>sin</m:t>
+                          </m:r>
+                        </m:fName>
+                        <m:e>
+                          <m:r>
+                            <a:rPr lang="fr-FR" sz="1400" i="1">
+                              <a:latin typeface="Cambria Math" panose="02040503050406030204" pitchFamily="18" charset="0"/>
+                            </a:rPr>
+                            <m:t>𝜃</m:t>
+                          </m:r>
+                        </m:e>
+                      </m:func>
+                      <m:d>
+                        <m:dPr>
+                          <m:ctrlPr>
+                            <a:rPr lang="fr-FR" sz="1400" i="1" smtClean="0">
+                              <a:latin typeface="Cambria Math" panose="02040503050406030204" pitchFamily="18" charset="0"/>
+                            </a:rPr>
+                          </m:ctrlPr>
+                        </m:dPr>
+                        <m:e>
+                          <m:r>
+                            <a:rPr lang="fr-FR" sz="1400" b="0" i="1" smtClean="0">
+                              <a:latin typeface="Cambria Math" panose="02040503050406030204" pitchFamily="18" charset="0"/>
+                            </a:rPr>
+                            <m:t>−</m:t>
+                          </m:r>
+                          <m:acc>
+                            <m:accPr>
+                              <m:chr m:val="̇"/>
+                              <m:ctrlPr>
+                                <a:rPr lang="fr-FR" sz="1400" b="0" i="1" smtClean="0">
+                                  <a:latin typeface="Cambria Math" panose="02040503050406030204" pitchFamily="18" charset="0"/>
+                                </a:rPr>
+                              </m:ctrlPr>
+                            </m:accPr>
+                            <m:e>
+                              <m:r>
+                                <a:rPr lang="fr-FR" sz="1400" b="0" i="1" smtClean="0">
+                                  <a:latin typeface="Cambria Math" panose="02040503050406030204" pitchFamily="18" charset="0"/>
+                                </a:rPr>
+                                <m:t>𝜑</m:t>
+                              </m:r>
+                            </m:e>
+                          </m:acc>
+                          <m:func>
+                            <m:funcPr>
+                              <m:ctrlPr>
+                                <a:rPr lang="fr-FR" sz="1400" b="0" i="1" smtClean="0">
+                                  <a:latin typeface="Cambria Math" panose="02040503050406030204" pitchFamily="18" charset="0"/>
+                                </a:rPr>
+                              </m:ctrlPr>
+                            </m:funcPr>
+                            <m:fName>
+                              <m:r>
+                                <m:rPr>
+                                  <m:sty m:val="p"/>
+                                </m:rPr>
+                                <a:rPr lang="fr-FR" sz="1400" b="0" i="0" smtClean="0">
+                                  <a:latin typeface="Cambria Math" panose="02040503050406030204" pitchFamily="18" charset="0"/>
+                                </a:rPr>
+                                <m:t>cos</m:t>
+                              </m:r>
+                            </m:fName>
+                            <m:e>
+                              <m:r>
+                                <a:rPr lang="fr-FR" sz="1400" b="0" i="1" smtClean="0">
+                                  <a:latin typeface="Cambria Math" panose="02040503050406030204" pitchFamily="18" charset="0"/>
+                                </a:rPr>
+                                <m:t>𝜃</m:t>
+                              </m:r>
+                            </m:e>
+                          </m:func>
+                          <m:acc>
+                            <m:accPr>
+                              <m:chr m:val="⃗"/>
+                              <m:ctrlPr>
+                                <a:rPr lang="fr-FR" sz="1400" i="1" smtClean="0">
+                                  <a:latin typeface="Cambria Math" panose="02040503050406030204" pitchFamily="18" charset="0"/>
+                                </a:rPr>
+                              </m:ctrlPr>
+                            </m:accPr>
+                            <m:e>
+                              <m:sSub>
+                                <m:sSubPr>
+                                  <m:ctrlPr>
+                                    <a:rPr lang="fr-FR" sz="1400" b="0" i="1" smtClean="0">
+                                      <a:latin typeface="Cambria Math" panose="02040503050406030204" pitchFamily="18" charset="0"/>
+                                    </a:rPr>
+                                  </m:ctrlPr>
+                                </m:sSubPr>
+                                <m:e>
+                                  <m:r>
+                                    <a:rPr lang="fr-FR" sz="1400" b="0" i="1" smtClean="0">
+                                      <a:latin typeface="Cambria Math" panose="02040503050406030204" pitchFamily="18" charset="0"/>
+                                    </a:rPr>
+                                    <m:t>𝑦</m:t>
+                                  </m:r>
+                                </m:e>
+                                <m:sub>
+                                  <m:r>
+                                    <a:rPr lang="fr-FR" sz="1400" b="0" i="1" smtClean="0">
+                                      <a:latin typeface="Cambria Math" panose="02040503050406030204" pitchFamily="18" charset="0"/>
+                                    </a:rPr>
+                                    <m:t>1</m:t>
+                                  </m:r>
+                                </m:sub>
+                              </m:sSub>
+                            </m:e>
+                          </m:acc>
+                          <m:r>
+                            <a:rPr lang="fr-FR" sz="1400" i="1">
+                              <a:latin typeface="Cambria Math" panose="02040503050406030204" pitchFamily="18" charset="0"/>
+                            </a:rPr>
+                            <m:t>⋅</m:t>
+                          </m:r>
+                          <m:acc>
+                            <m:accPr>
+                              <m:chr m:val="⃗"/>
+                              <m:ctrlPr>
+                                <a:rPr lang="fr-FR" sz="1400" i="1">
+                                  <a:latin typeface="Cambria Math" panose="02040503050406030204" pitchFamily="18" charset="0"/>
+                                </a:rPr>
+                              </m:ctrlPr>
+                            </m:accPr>
+                            <m:e>
+                              <m:sSub>
+                                <m:sSubPr>
+                                  <m:ctrlPr>
+                                    <a:rPr lang="fr-FR" sz="1400" i="1">
+                                      <a:latin typeface="Cambria Math" panose="02040503050406030204" pitchFamily="18" charset="0"/>
+                                    </a:rPr>
+                                  </m:ctrlPr>
+                                </m:sSubPr>
+                                <m:e>
+                                  <m:r>
+                                    <a:rPr lang="fr-FR" sz="1400" b="0" i="1" smtClean="0">
+                                      <a:latin typeface="Cambria Math" panose="02040503050406030204" pitchFamily="18" charset="0"/>
+                                    </a:rPr>
+                                    <m:t>𝑧</m:t>
+                                  </m:r>
+                                </m:e>
+                                <m:sub>
+                                  <m:r>
+                                    <a:rPr lang="fr-FR" sz="1400" i="1">
+                                      <a:latin typeface="Cambria Math" panose="02040503050406030204" pitchFamily="18" charset="0"/>
+                                    </a:rPr>
+                                    <m:t>1</m:t>
+                                  </m:r>
+                                </m:sub>
+                              </m:sSub>
+                            </m:e>
+                          </m:acc>
+                          <m:r>
+                            <a:rPr lang="fr-FR" sz="1400" b="0" i="1" smtClean="0">
+                              <a:latin typeface="Cambria Math" panose="02040503050406030204" pitchFamily="18" charset="0"/>
+                            </a:rPr>
+                            <m:t>+</m:t>
+                          </m:r>
+                          <m:acc>
+                            <m:accPr>
+                              <m:chr m:val="̇"/>
+                              <m:ctrlPr>
+                                <a:rPr lang="fr-FR" sz="1400" b="0" i="1" smtClean="0">
+                                  <a:latin typeface="Cambria Math" panose="02040503050406030204" pitchFamily="18" charset="0"/>
+                                </a:rPr>
+                              </m:ctrlPr>
+                            </m:accPr>
+                            <m:e>
+                              <m:r>
+                                <a:rPr lang="fr-FR" sz="1400" b="0" i="1" smtClean="0">
+                                  <a:latin typeface="Cambria Math" panose="02040503050406030204" pitchFamily="18" charset="0"/>
+                                </a:rPr>
+                                <m:t>𝜃</m:t>
+                              </m:r>
+                            </m:e>
+                          </m:acc>
+                          <m:acc>
+                            <m:accPr>
+                              <m:chr m:val="⃗"/>
+                              <m:ctrlPr>
+                                <a:rPr lang="fr-FR" sz="1400" i="1" smtClean="0">
+                                  <a:latin typeface="Cambria Math" panose="02040503050406030204" pitchFamily="18" charset="0"/>
+                                </a:rPr>
+                              </m:ctrlPr>
+                            </m:accPr>
+                            <m:e>
+                              <m:sSub>
+                                <m:sSubPr>
+                                  <m:ctrlPr>
+                                    <a:rPr lang="fr-FR" sz="1400" b="0" i="1" smtClean="0">
+                                      <a:latin typeface="Cambria Math" panose="02040503050406030204" pitchFamily="18" charset="0"/>
+                                    </a:rPr>
+                                  </m:ctrlPr>
+                                </m:sSubPr>
+                                <m:e>
+                                  <m:r>
+                                    <a:rPr lang="fr-FR" sz="1400" b="0" i="1" smtClean="0">
+                                      <a:latin typeface="Cambria Math" panose="02040503050406030204" pitchFamily="18" charset="0"/>
+                                    </a:rPr>
+                                    <m:t>𝑥</m:t>
+                                  </m:r>
+                                </m:e>
+                                <m:sub>
+                                  <m:r>
+                                    <a:rPr lang="fr-FR" sz="1400" b="0" i="1" smtClean="0">
+                                      <a:latin typeface="Cambria Math" panose="02040503050406030204" pitchFamily="18" charset="0"/>
+                                    </a:rPr>
+                                    <m:t>2</m:t>
+                                  </m:r>
+                                </m:sub>
+                              </m:sSub>
+                            </m:e>
+                          </m:acc>
+                          <m:r>
+                            <a:rPr lang="fr-FR" sz="1400" i="1">
+                              <a:latin typeface="Cambria Math" panose="02040503050406030204" pitchFamily="18" charset="0"/>
+                            </a:rPr>
+                            <m:t>⋅</m:t>
+                          </m:r>
+                          <m:acc>
+                            <m:accPr>
+                              <m:chr m:val="⃗"/>
+                              <m:ctrlPr>
+                                <a:rPr lang="fr-FR" sz="1400" i="1">
+                                  <a:latin typeface="Cambria Math" panose="02040503050406030204" pitchFamily="18" charset="0"/>
+                                </a:rPr>
+                              </m:ctrlPr>
+                            </m:accPr>
+                            <m:e>
+                              <m:sSub>
+                                <m:sSubPr>
+                                  <m:ctrlPr>
+                                    <a:rPr lang="fr-FR" sz="1400" i="1">
+                                      <a:latin typeface="Cambria Math" panose="02040503050406030204" pitchFamily="18" charset="0"/>
+                                    </a:rPr>
+                                  </m:ctrlPr>
+                                </m:sSubPr>
+                                <m:e>
+                                  <m:r>
+                                    <a:rPr lang="fr-FR" sz="1400" b="0" i="1" smtClean="0">
+                                      <a:latin typeface="Cambria Math" panose="02040503050406030204" pitchFamily="18" charset="0"/>
+                                    </a:rPr>
+                                    <m:t>𝑧</m:t>
+                                  </m:r>
+                                </m:e>
+                                <m:sub>
+                                  <m:r>
+                                    <a:rPr lang="fr-FR" sz="1400" i="1">
+                                      <a:latin typeface="Cambria Math" panose="02040503050406030204" pitchFamily="18" charset="0"/>
+                                    </a:rPr>
+                                    <m:t>1</m:t>
+                                  </m:r>
+                                </m:sub>
+                              </m:sSub>
+                            </m:e>
+                          </m:acc>
+                        </m:e>
+                      </m:d>
+                    </m:oMath>
+                  </m:oMathPara>
+                </a14:m>
+                <a:endParaRPr lang="fr-FR" sz="1400" dirty="0"/>
+              </a:p>
+              <a:p>
+                <a:endParaRPr lang="fr-FR" sz="1400" dirty="0"/>
+              </a:p>
+              <a:p>
+                <a14:m>
+                  <m:oMathPara xmlns:m="http://schemas.openxmlformats.org/officeDocument/2006/math">
+                    <m:oMathParaPr>
+                      <m:jc m:val="centerGroup"/>
+                    </m:oMathParaPr>
+                    <m:oMath xmlns:m="http://schemas.openxmlformats.org/officeDocument/2006/math">
+                      <m:r>
+                        <a:rPr lang="fr-FR" sz="1400" i="1" smtClean="0">
+                          <a:latin typeface="Cambria Math" panose="02040503050406030204" pitchFamily="18" charset="0"/>
+                          <a:ea typeface="Cambria Math" panose="02040503050406030204" pitchFamily="18" charset="0"/>
+                        </a:rPr>
+                        <m:t>=</m:t>
+                      </m:r>
+                      <m:r>
+                        <a:rPr lang="fr-FR" sz="1400" b="0" i="1" smtClean="0">
+                          <a:latin typeface="Cambria Math" panose="02040503050406030204" pitchFamily="18" charset="0"/>
+                          <a:ea typeface="Cambria Math" panose="02040503050406030204" pitchFamily="18" charset="0"/>
+                        </a:rPr>
+                        <m:t>−</m:t>
+                      </m:r>
+                      <m:r>
+                        <a:rPr lang="fr-FR" sz="1400" i="1">
+                          <a:latin typeface="Cambria Math" panose="02040503050406030204" pitchFamily="18" charset="0"/>
+                        </a:rPr>
+                        <m:t>𝐴</m:t>
+                      </m:r>
+                      <m:acc>
+                        <m:accPr>
+                          <m:chr m:val="̈"/>
+                          <m:ctrlPr>
+                            <a:rPr lang="fr-FR" sz="1400" i="1">
+                              <a:latin typeface="Cambria Math" panose="02040503050406030204" pitchFamily="18" charset="0"/>
+                              <a:ea typeface="Cambria Math" panose="02040503050406030204" pitchFamily="18" charset="0"/>
+                            </a:rPr>
+                          </m:ctrlPr>
+                        </m:accPr>
+                        <m:e>
+                          <m:r>
+                            <a:rPr lang="fr-FR" sz="1400" i="1">
+                              <a:latin typeface="Cambria Math" panose="02040503050406030204" pitchFamily="18" charset="0"/>
+                              <a:ea typeface="Cambria Math" panose="02040503050406030204" pitchFamily="18" charset="0"/>
+                            </a:rPr>
+                            <m:t>𝜑</m:t>
+                          </m:r>
+                        </m:e>
+                      </m:acc>
+                      <m:func>
+                        <m:funcPr>
+                          <m:ctrlPr>
+                            <a:rPr lang="fr-FR" sz="1400" i="1">
+                              <a:latin typeface="Cambria Math" panose="02040503050406030204" pitchFamily="18" charset="0"/>
+                            </a:rPr>
+                          </m:ctrlPr>
+                        </m:funcPr>
+                        <m:fName>
+                          <m:r>
+                            <m:rPr>
+                              <m:sty m:val="p"/>
+                            </m:rPr>
+                            <a:rPr lang="fr-FR" sz="1400">
+                              <a:latin typeface="Cambria Math" panose="02040503050406030204" pitchFamily="18" charset="0"/>
+                            </a:rPr>
+                            <m:t>s</m:t>
+                          </m:r>
+                          <m:r>
+                            <m:rPr>
+                              <m:sty m:val="p"/>
+                            </m:rPr>
+                            <a:rPr lang="fr-FR" sz="1400" b="0" i="0" smtClean="0">
+                              <a:latin typeface="Cambria Math" panose="02040503050406030204" pitchFamily="18" charset="0"/>
+                            </a:rPr>
+                            <m:t>in</m:t>
+                          </m:r>
+                        </m:fName>
+                        <m:e>
+                          <m:r>
+                            <a:rPr lang="fr-FR" sz="1400" i="1">
+                              <a:latin typeface="Cambria Math" panose="02040503050406030204" pitchFamily="18" charset="0"/>
+                            </a:rPr>
+                            <m:t>𝜃</m:t>
+                          </m:r>
+                        </m:e>
+                      </m:func>
+                      <m:func>
+                        <m:funcPr>
+                          <m:ctrlPr>
+                            <a:rPr lang="fr-FR" sz="1400" b="0" i="1" smtClean="0">
+                              <a:latin typeface="Cambria Math" panose="02040503050406030204" pitchFamily="18" charset="0"/>
+                            </a:rPr>
+                          </m:ctrlPr>
+                        </m:funcPr>
+                        <m:fName>
+                          <m:r>
+                            <m:rPr>
+                              <m:sty m:val="p"/>
+                            </m:rPr>
+                            <a:rPr lang="fr-FR" sz="1400" b="0" i="0" smtClean="0">
+                              <a:latin typeface="Cambria Math" panose="02040503050406030204" pitchFamily="18" charset="0"/>
+                            </a:rPr>
+                            <m:t>cos</m:t>
+                          </m:r>
+                        </m:fName>
+                        <m:e>
+                          <m:r>
+                            <a:rPr lang="fr-FR" sz="1400" b="0" i="1" smtClean="0">
+                              <a:latin typeface="Cambria Math" panose="02040503050406030204" pitchFamily="18" charset="0"/>
+                            </a:rPr>
+                            <m:t>𝜃</m:t>
+                          </m:r>
+                        </m:e>
+                      </m:func>
+                      <m:r>
+                        <a:rPr lang="fr-FR" sz="1400" b="0" i="1" smtClean="0">
+                          <a:latin typeface="Cambria Math" panose="02040503050406030204" pitchFamily="18" charset="0"/>
+                        </a:rPr>
+                        <m:t>+</m:t>
+                      </m:r>
+                      <m:r>
+                        <a:rPr lang="fr-FR" sz="1400" i="1">
+                          <a:latin typeface="Cambria Math" panose="02040503050406030204" pitchFamily="18" charset="0"/>
+                        </a:rPr>
+                        <m:t>𝐴</m:t>
+                      </m:r>
+                      <m:acc>
+                        <m:accPr>
+                          <m:chr m:val="̇"/>
+                          <m:ctrlPr>
+                            <a:rPr lang="fr-FR" sz="1400" i="1">
+                              <a:latin typeface="Cambria Math" panose="02040503050406030204" pitchFamily="18" charset="0"/>
+                            </a:rPr>
+                          </m:ctrlPr>
+                        </m:accPr>
+                        <m:e>
+                          <m:r>
+                            <a:rPr lang="fr-FR" sz="1400" i="1">
+                              <a:latin typeface="Cambria Math" panose="02040503050406030204" pitchFamily="18" charset="0"/>
+                            </a:rPr>
+                            <m:t>𝜑</m:t>
+                          </m:r>
+                        </m:e>
+                      </m:acc>
+                      <m:acc>
+                        <m:accPr>
+                          <m:chr m:val="̇"/>
+                          <m:ctrlPr>
+                            <a:rPr lang="fr-FR" sz="1400" i="1">
+                              <a:latin typeface="Cambria Math" panose="02040503050406030204" pitchFamily="18" charset="0"/>
+                            </a:rPr>
+                          </m:ctrlPr>
+                        </m:accPr>
+                        <m:e>
+                          <m:r>
+                            <a:rPr lang="fr-FR" sz="1400" i="1">
+                              <a:latin typeface="Cambria Math" panose="02040503050406030204" pitchFamily="18" charset="0"/>
+                            </a:rPr>
+                            <m:t>𝜃</m:t>
+                          </m:r>
+                        </m:e>
+                      </m:acc>
+                      <m:func>
+                        <m:funcPr>
+                          <m:ctrlPr>
+                            <a:rPr lang="fr-FR" sz="1400" i="1">
+                              <a:latin typeface="Cambria Math" panose="02040503050406030204" pitchFamily="18" charset="0"/>
+                            </a:rPr>
+                          </m:ctrlPr>
+                        </m:funcPr>
+                        <m:fName>
+                          <m:sSup>
+                            <m:sSupPr>
+                              <m:ctrlPr>
+                                <a:rPr lang="fr-FR" sz="1400" b="0" i="1" smtClean="0">
+                                  <a:latin typeface="Cambria Math" panose="02040503050406030204" pitchFamily="18" charset="0"/>
+                                </a:rPr>
+                              </m:ctrlPr>
+                            </m:sSupPr>
+                            <m:e>
+                              <m:r>
+                                <m:rPr>
+                                  <m:sty m:val="p"/>
+                                </m:rPr>
+                                <a:rPr lang="fr-FR" sz="1400">
+                                  <a:latin typeface="Cambria Math" panose="02040503050406030204" pitchFamily="18" charset="0"/>
+                                </a:rPr>
+                                <m:t>sin</m:t>
+                              </m:r>
+                            </m:e>
+                            <m:sup>
+                              <m:r>
+                                <a:rPr lang="fr-FR" sz="1400" b="0" i="1" smtClean="0">
+                                  <a:latin typeface="Cambria Math" panose="02040503050406030204" pitchFamily="18" charset="0"/>
+                                </a:rPr>
+                                <m:t>2</m:t>
+                              </m:r>
+                            </m:sup>
+                          </m:sSup>
+                        </m:fName>
+                        <m:e>
+                          <m:r>
+                            <a:rPr lang="fr-FR" sz="1400" i="1">
+                              <a:latin typeface="Cambria Math" panose="02040503050406030204" pitchFamily="18" charset="0"/>
+                            </a:rPr>
+                            <m:t>𝜃</m:t>
+                          </m:r>
+                        </m:e>
+                      </m:func>
+                      <m:r>
+                        <a:rPr lang="fr-FR" sz="1400" i="1">
+                          <a:latin typeface="Cambria Math" panose="02040503050406030204" pitchFamily="18" charset="0"/>
+                        </a:rPr>
+                        <m:t>−</m:t>
+                      </m:r>
+                      <m:acc>
+                        <m:accPr>
+                          <m:chr m:val="̇"/>
+                          <m:ctrlPr>
+                            <a:rPr lang="fr-FR" sz="1400" i="1">
+                              <a:latin typeface="Cambria Math" panose="02040503050406030204" pitchFamily="18" charset="0"/>
+                            </a:rPr>
+                          </m:ctrlPr>
+                        </m:accPr>
+                        <m:e>
+                          <m:r>
+                            <a:rPr lang="fr-FR" sz="1400" i="1">
+                              <a:latin typeface="Cambria Math" panose="02040503050406030204" pitchFamily="18" charset="0"/>
+                            </a:rPr>
+                            <m:t>𝜃</m:t>
+                          </m:r>
+                        </m:e>
+                      </m:acc>
+                      <m:r>
+                        <a:rPr lang="fr-FR" sz="1400" i="1">
+                          <a:latin typeface="Cambria Math" panose="02040503050406030204" pitchFamily="18" charset="0"/>
+                        </a:rPr>
+                        <m:t>𝐴</m:t>
+                      </m:r>
+                      <m:acc>
+                        <m:accPr>
+                          <m:chr m:val="̇"/>
+                          <m:ctrlPr>
+                            <a:rPr lang="fr-FR" sz="1400" i="1">
+                              <a:latin typeface="Cambria Math" panose="02040503050406030204" pitchFamily="18" charset="0"/>
+                            </a:rPr>
+                          </m:ctrlPr>
+                        </m:accPr>
+                        <m:e>
+                          <m:r>
+                            <a:rPr lang="fr-FR" sz="1400" i="1">
+                              <a:latin typeface="Cambria Math" panose="02040503050406030204" pitchFamily="18" charset="0"/>
+                            </a:rPr>
+                            <m:t>𝜑</m:t>
+                          </m:r>
+                        </m:e>
+                      </m:acc>
+                      <m:func>
+                        <m:funcPr>
+                          <m:ctrlPr>
+                            <a:rPr lang="fr-FR" sz="1400" i="1">
+                              <a:latin typeface="Cambria Math" panose="02040503050406030204" pitchFamily="18" charset="0"/>
+                            </a:rPr>
+                          </m:ctrlPr>
+                        </m:funcPr>
+                        <m:fName>
+                          <m:sSup>
+                            <m:sSupPr>
+                              <m:ctrlPr>
+                                <a:rPr lang="fr-FR" sz="1400" b="0" i="1" smtClean="0">
+                                  <a:latin typeface="Cambria Math" panose="02040503050406030204" pitchFamily="18" charset="0"/>
+                                </a:rPr>
+                              </m:ctrlPr>
+                            </m:sSupPr>
+                            <m:e>
+                              <m:r>
+                                <m:rPr>
+                                  <m:sty m:val="p"/>
+                                </m:rPr>
+                                <a:rPr lang="fr-FR" sz="1400">
+                                  <a:latin typeface="Cambria Math" panose="02040503050406030204" pitchFamily="18" charset="0"/>
+                                </a:rPr>
+                                <m:t>cos</m:t>
+                              </m:r>
+                            </m:e>
+                            <m:sup>
+                              <m:r>
+                                <a:rPr lang="fr-FR" sz="1400" b="0" i="1" smtClean="0">
+                                  <a:latin typeface="Cambria Math" panose="02040503050406030204" pitchFamily="18" charset="0"/>
+                                </a:rPr>
+                                <m:t>2</m:t>
+                              </m:r>
+                            </m:sup>
+                          </m:sSup>
+                        </m:fName>
+                        <m:e>
+                          <m:r>
+                            <a:rPr lang="fr-FR" sz="1400" i="1">
+                              <a:latin typeface="Cambria Math" panose="02040503050406030204" pitchFamily="18" charset="0"/>
+                            </a:rPr>
+                            <m:t>𝜃</m:t>
+                          </m:r>
+                        </m:e>
+                      </m:func>
+                      <m:r>
+                        <a:rPr lang="fr-FR" sz="1400" i="1">
+                          <a:latin typeface="Cambria Math" panose="02040503050406030204" pitchFamily="18" charset="0"/>
+                        </a:rPr>
+                        <m:t>+</m:t>
+                      </m:r>
+                      <m:acc>
+                        <m:accPr>
+                          <m:chr m:val="̇"/>
+                          <m:ctrlPr>
+                            <a:rPr lang="fr-FR" sz="1400" i="1">
+                              <a:latin typeface="Cambria Math" panose="02040503050406030204" pitchFamily="18" charset="0"/>
+                            </a:rPr>
+                          </m:ctrlPr>
+                        </m:accPr>
+                        <m:e>
+                          <m:r>
+                            <a:rPr lang="fr-FR" sz="1400" i="1">
+                              <a:latin typeface="Cambria Math" panose="02040503050406030204" pitchFamily="18" charset="0"/>
+                            </a:rPr>
+                            <m:t>𝜃</m:t>
+                          </m:r>
+                        </m:e>
+                      </m:acc>
+                      <m:acc>
+                        <m:accPr>
+                          <m:chr m:val="̇"/>
+                          <m:ctrlPr>
+                            <a:rPr lang="fr-FR" sz="1400" i="1">
+                              <a:latin typeface="Cambria Math" panose="02040503050406030204" pitchFamily="18" charset="0"/>
+                            </a:rPr>
+                          </m:ctrlPr>
+                        </m:accPr>
+                        <m:e>
+                          <m:r>
+                            <a:rPr lang="fr-FR" sz="1400" i="1">
+                              <a:latin typeface="Cambria Math" panose="02040503050406030204" pitchFamily="18" charset="0"/>
+                            </a:rPr>
+                            <m:t>𝜑</m:t>
+                          </m:r>
+                        </m:e>
+                      </m:acc>
+                      <m:r>
+                        <a:rPr lang="fr-FR" sz="1400" i="1">
+                          <a:latin typeface="Cambria Math" panose="02040503050406030204" pitchFamily="18" charset="0"/>
+                        </a:rPr>
+                        <m:t>+</m:t>
+                      </m:r>
+                      <m:r>
+                        <a:rPr lang="fr-FR" sz="1400" i="1">
+                          <a:latin typeface="Cambria Math" panose="02040503050406030204" pitchFamily="18" charset="0"/>
+                        </a:rPr>
+                        <m:t>𝐶</m:t>
+                      </m:r>
+                      <m:acc>
+                        <m:accPr>
+                          <m:chr m:val="̈"/>
+                          <m:ctrlPr>
+                            <a:rPr lang="fr-FR" sz="1400" i="1" smtClean="0">
+                              <a:latin typeface="Cambria Math" panose="02040503050406030204" pitchFamily="18" charset="0"/>
+                              <a:ea typeface="Cambria Math" panose="02040503050406030204" pitchFamily="18" charset="0"/>
+                            </a:rPr>
+                          </m:ctrlPr>
+                        </m:accPr>
+                        <m:e>
+                          <m:r>
+                            <a:rPr lang="fr-FR" sz="1400" i="1">
+                              <a:latin typeface="Cambria Math" panose="02040503050406030204" pitchFamily="18" charset="0"/>
+                              <a:ea typeface="Cambria Math" panose="02040503050406030204" pitchFamily="18" charset="0"/>
+                            </a:rPr>
+                            <m:t>𝜑</m:t>
+                          </m:r>
+                        </m:e>
+                      </m:acc>
+                      <m:func>
+                        <m:funcPr>
+                          <m:ctrlPr>
+                            <a:rPr lang="fr-FR" sz="1400" i="1">
+                              <a:latin typeface="Cambria Math" panose="02040503050406030204" pitchFamily="18" charset="0"/>
+                            </a:rPr>
+                          </m:ctrlPr>
+                        </m:funcPr>
+                        <m:fName>
+                          <m:r>
+                            <m:rPr>
+                              <m:sty m:val="p"/>
+                            </m:rPr>
+                            <a:rPr lang="fr-FR" sz="1400">
+                              <a:latin typeface="Cambria Math" panose="02040503050406030204" pitchFamily="18" charset="0"/>
+                            </a:rPr>
+                            <m:t>sin</m:t>
+                          </m:r>
+                        </m:fName>
+                        <m:e>
+                          <m:r>
+                            <a:rPr lang="fr-FR" sz="1400" i="1">
+                              <a:latin typeface="Cambria Math" panose="02040503050406030204" pitchFamily="18" charset="0"/>
+                            </a:rPr>
+                            <m:t>𝜃</m:t>
+                          </m:r>
+                        </m:e>
+                      </m:func>
+                      <m:func>
+                        <m:funcPr>
+                          <m:ctrlPr>
+                            <a:rPr lang="fr-FR" sz="1400" i="1">
+                              <a:latin typeface="Cambria Math" panose="02040503050406030204" pitchFamily="18" charset="0"/>
+                            </a:rPr>
+                          </m:ctrlPr>
+                        </m:funcPr>
+                        <m:fName>
+                          <m:r>
+                            <m:rPr>
+                              <m:sty m:val="p"/>
+                            </m:rPr>
+                            <a:rPr lang="fr-FR" sz="1400" b="0" i="0" smtClean="0">
+                              <a:latin typeface="Cambria Math" panose="02040503050406030204" pitchFamily="18" charset="0"/>
+                            </a:rPr>
+                            <m:t>co</m:t>
+                          </m:r>
+                          <m:r>
+                            <m:rPr>
+                              <m:sty m:val="p"/>
+                            </m:rPr>
+                            <a:rPr lang="fr-FR" sz="1400">
+                              <a:latin typeface="Cambria Math" panose="02040503050406030204" pitchFamily="18" charset="0"/>
+                            </a:rPr>
+                            <m:t>s</m:t>
+                          </m:r>
+                        </m:fName>
+                        <m:e>
+                          <m:r>
+                            <a:rPr lang="fr-FR" sz="1400" i="1">
+                              <a:latin typeface="Cambria Math" panose="02040503050406030204" pitchFamily="18" charset="0"/>
+                            </a:rPr>
+                            <m:t>𝜃</m:t>
+                          </m:r>
+                        </m:e>
+                      </m:func>
+                      <m:r>
+                        <a:rPr lang="fr-FR" sz="1400" i="1">
+                          <a:latin typeface="Cambria Math" panose="02040503050406030204" pitchFamily="18" charset="0"/>
+                        </a:rPr>
+                        <m:t>+</m:t>
+                      </m:r>
+                      <m:r>
+                        <a:rPr lang="fr-FR" sz="1400" i="1">
+                          <a:latin typeface="Cambria Math" panose="02040503050406030204" pitchFamily="18" charset="0"/>
+                        </a:rPr>
+                        <m:t>𝐶</m:t>
+                      </m:r>
+                      <m:acc>
+                        <m:accPr>
+                          <m:chr m:val="̇"/>
+                          <m:ctrlPr>
+                            <a:rPr lang="fr-FR" sz="1400" i="1">
+                              <a:latin typeface="Cambria Math" panose="02040503050406030204" pitchFamily="18" charset="0"/>
+                            </a:rPr>
+                          </m:ctrlPr>
+                        </m:accPr>
+                        <m:e>
+                          <m:r>
+                            <a:rPr lang="fr-FR" sz="1400" i="1">
+                              <a:latin typeface="Cambria Math" panose="02040503050406030204" pitchFamily="18" charset="0"/>
+                            </a:rPr>
+                            <m:t>𝜑</m:t>
+                          </m:r>
+                        </m:e>
+                      </m:acc>
+                      <m:acc>
+                        <m:accPr>
+                          <m:chr m:val="̇"/>
+                          <m:ctrlPr>
+                            <a:rPr lang="fr-FR" sz="1400" i="1" smtClean="0">
+                              <a:latin typeface="Cambria Math" panose="02040503050406030204" pitchFamily="18" charset="0"/>
+                            </a:rPr>
+                          </m:ctrlPr>
+                        </m:accPr>
+                        <m:e>
+                          <m:r>
+                            <a:rPr lang="fr-FR" sz="1400" i="1">
+                              <a:latin typeface="Cambria Math" panose="02040503050406030204" pitchFamily="18" charset="0"/>
+                            </a:rPr>
+                            <m:t>𝜃</m:t>
+                          </m:r>
+                        </m:e>
+                      </m:acc>
+                    </m:oMath>
+                  </m:oMathPara>
+                </a14:m>
+                <a:endParaRPr lang="fr-FR" sz="1400" dirty="0"/>
+              </a:p>
+              <a:p>
+                <a:endParaRPr lang="fr-FR" sz="1400" dirty="0"/>
+              </a:p>
+            </p:txBody>
+          </p:sp>
+        </mc:Choice>
+        <mc:Fallback>
+          <p:sp>
+            <p:nvSpPr>
+              <p:cNvPr id="11" name="Rectangle 10">
+                <a:extLst>
+                  <a:ext uri="{FF2B5EF4-FFF2-40B4-BE49-F238E27FC236}">
+                    <a16:creationId xmlns:a16="http://schemas.microsoft.com/office/drawing/2014/main" id="{FBCD96BB-B56F-13E3-4FA2-1DB4A898E33C}"/>
+                  </a:ext>
+                </a:extLst>
+              </p:cNvPr>
+              <p:cNvSpPr>
+                <a:spLocks noRot="1" noChangeAspect="1" noMove="1" noResize="1" noEditPoints="1" noAdjustHandles="1" noChangeArrowheads="1" noChangeShapeType="1" noTextEdit="1"/>
+              </p:cNvSpPr>
+              <p:nvPr/>
+            </p:nvSpPr>
+            <p:spPr>
+              <a:xfrm>
+                <a:off x="-249861" y="5216443"/>
+                <a:ext cx="11459688" cy="1509067"/>
+              </a:xfrm>
+              <a:prstGeom prst="rect">
+                <a:avLst/>
+              </a:prstGeom>
+              <a:blipFill>
+                <a:blip r:embed="rId6"/>
+                <a:stretch>
+                  <a:fillRect t="-16194"/>
+                </a:stretch>
+              </a:blipFill>
+            </p:spPr>
+            <p:txBody>
+              <a:bodyPr/>
+              <a:lstStyle/>
+              <a:p>
+                <a:r>
+                  <a:rPr lang="fr-FR">
+                    <a:noFill/>
+                  </a:rPr>
+                  <a:t> </a:t>
+                </a:r>
+              </a:p>
+            </p:txBody>
+          </p:sp>
+        </mc:Fallback>
+      </mc:AlternateContent>
+    </p:spTree>
+    <p:extLst>
+      <p:ext uri="{BB962C8B-B14F-4D97-AF65-F5344CB8AC3E}">
+        <p14:creationId xmlns:p14="http://schemas.microsoft.com/office/powerpoint/2010/main" val="3851978347"/>
       </p:ext>
     </p:extLst>
   </p:cSld>
